--- a/Manuscript/Figures/04_METHODS_VREs.pptx
+++ b/Manuscript/Figures/04_METHODS_VREs.pptx
@@ -2,12 +2,12 @@
 <file path=ppt/presentation.xml><?xml version="1.0" encoding="utf-8"?>
 <p:presentation xmlns:a="http://schemas.openxmlformats.org/drawingml/2006/main" xmlns:r="http://schemas.openxmlformats.org/officeDocument/2006/relationships" xmlns:p="http://schemas.openxmlformats.org/presentationml/2006/main" saveSubsetFonts="1">
   <p:sldMasterIdLst>
-    <p:sldMasterId id="2147483672" r:id="rId1"/>
+    <p:sldMasterId id="2147483732" r:id="rId1"/>
   </p:sldMasterIdLst>
   <p:sldIdLst>
-    <p:sldId id="256" r:id="rId2"/>
+    <p:sldId id="257" r:id="rId2"/>
   </p:sldIdLst>
-  <p:sldSz cx="6480175" cy="3851275"/>
+  <p:sldSz cx="6858000" cy="4211638"/>
   <p:notesSz cx="6858000" cy="9144000"/>
   <p:defaultTextStyle>
     <a:defPPr>
@@ -115,7 +115,7 @@
 <file path=ppt/revisionInfo.xml><?xml version="1.0" encoding="utf-8"?>
 <p1510:revInfo xmlns:a="http://schemas.openxmlformats.org/drawingml/2006/main" xmlns:r="http://schemas.openxmlformats.org/officeDocument/2006/relationships" xmlns:p1510="http://schemas.microsoft.com/office/powerpoint/2015/10/main">
   <p1510:revLst>
-    <p1510:client id="{C20E92A1-2F87-40FF-83ED-A2DFB67F4760}" v="17" dt="2022-09-26T16:42:54.293"/>
+    <p1510:client id="{E2B223F2-0B33-4F85-811E-48E98266BFC0}" v="19" dt="2023-10-15T22:05:09.653"/>
   </p1510:revLst>
 </p1510:revInfo>
 </file>
@@ -837,6 +837,2309 @@
             <pc:docMk/>
             <pc:sldMk cId="3183180916" sldId="256"/>
             <ac:cxnSpMk id="164" creationId="{9E9C3FCA-6E28-499A-8CFF-B660935050B6}"/>
+          </ac:cxnSpMkLst>
+        </pc:cxnChg>
+      </pc:sldChg>
+    </pc:docChg>
+  </pc:docChgLst>
+  <pc:docChgLst>
+    <pc:chgData name="Fatima Pillosu" userId="a6295d4dc9e22643" providerId="LiveId" clId="{E2B223F2-0B33-4F85-811E-48E98266BFC0}"/>
+    <pc:docChg chg="undo custSel addSld delSld modSld">
+      <pc:chgData name="Fatima Pillosu" userId="a6295d4dc9e22643" providerId="LiveId" clId="{E2B223F2-0B33-4F85-811E-48E98266BFC0}" dt="2023-10-15T22:15:19.222" v="918" actId="20577"/>
+      <pc:docMkLst>
+        <pc:docMk/>
+      </pc:docMkLst>
+      <pc:sldChg chg="del">
+        <pc:chgData name="Fatima Pillosu" userId="a6295d4dc9e22643" providerId="LiveId" clId="{E2B223F2-0B33-4F85-811E-48E98266BFC0}" dt="2023-10-15T21:44:42.916" v="186" actId="2696"/>
+        <pc:sldMkLst>
+          <pc:docMk/>
+          <pc:sldMk cId="3183180916" sldId="256"/>
+        </pc:sldMkLst>
+      </pc:sldChg>
+      <pc:sldChg chg="addSp delSp modSp new add del mod">
+        <pc:chgData name="Fatima Pillosu" userId="a6295d4dc9e22643" providerId="LiveId" clId="{E2B223F2-0B33-4F85-811E-48E98266BFC0}" dt="2023-10-15T22:15:19.222" v="918" actId="20577"/>
+        <pc:sldMkLst>
+          <pc:docMk/>
+          <pc:sldMk cId="2230501479" sldId="257"/>
+        </pc:sldMkLst>
+        <pc:spChg chg="del">
+          <ac:chgData name="Fatima Pillosu" userId="a6295d4dc9e22643" providerId="LiveId" clId="{E2B223F2-0B33-4F85-811E-48E98266BFC0}" dt="2023-10-15T21:22:02.549" v="1" actId="478"/>
+          <ac:spMkLst>
+            <pc:docMk/>
+            <pc:sldMk cId="2230501479" sldId="257"/>
+            <ac:spMk id="2" creationId="{6D05E87F-737E-297C-BDB6-A19FB15970C1}"/>
+          </ac:spMkLst>
+        </pc:spChg>
+        <pc:spChg chg="del">
+          <ac:chgData name="Fatima Pillosu" userId="a6295d4dc9e22643" providerId="LiveId" clId="{E2B223F2-0B33-4F85-811E-48E98266BFC0}" dt="2023-10-15T21:22:04.608" v="2" actId="478"/>
+          <ac:spMkLst>
+            <pc:docMk/>
+            <pc:sldMk cId="2230501479" sldId="257"/>
+            <ac:spMk id="3" creationId="{F13B5C91-EFA0-3C58-EBB4-E79F1E148AAB}"/>
+          </ac:spMkLst>
+        </pc:spChg>
+        <pc:spChg chg="add del mod">
+          <ac:chgData name="Fatima Pillosu" userId="a6295d4dc9e22643" providerId="LiveId" clId="{E2B223F2-0B33-4F85-811E-48E98266BFC0}" dt="2023-10-15T21:44:56.814" v="189" actId="21"/>
+          <ac:spMkLst>
+            <pc:docMk/>
+            <pc:sldMk cId="2230501479" sldId="257"/>
+            <ac:spMk id="8" creationId="{315CE609-2D15-794C-1D51-C67503314786}"/>
+          </ac:spMkLst>
+        </pc:spChg>
+        <pc:spChg chg="add del mod">
+          <ac:chgData name="Fatima Pillosu" userId="a6295d4dc9e22643" providerId="LiveId" clId="{E2B223F2-0B33-4F85-811E-48E98266BFC0}" dt="2023-10-15T21:44:56.814" v="189" actId="21"/>
+          <ac:spMkLst>
+            <pc:docMk/>
+            <pc:sldMk cId="2230501479" sldId="257"/>
+            <ac:spMk id="9" creationId="{488ACF8E-37E6-BD74-C263-156352BF2CD0}"/>
+          </ac:spMkLst>
+        </pc:spChg>
+        <pc:spChg chg="add del mod">
+          <ac:chgData name="Fatima Pillosu" userId="a6295d4dc9e22643" providerId="LiveId" clId="{E2B223F2-0B33-4F85-811E-48E98266BFC0}" dt="2023-10-15T21:44:56.814" v="189" actId="21"/>
+          <ac:spMkLst>
+            <pc:docMk/>
+            <pc:sldMk cId="2230501479" sldId="257"/>
+            <ac:spMk id="10" creationId="{0E05440F-17E9-FF46-FD1D-F05C16036237}"/>
+          </ac:spMkLst>
+        </pc:spChg>
+        <pc:spChg chg="add del mod">
+          <ac:chgData name="Fatima Pillosu" userId="a6295d4dc9e22643" providerId="LiveId" clId="{E2B223F2-0B33-4F85-811E-48E98266BFC0}" dt="2023-10-15T21:44:56.814" v="189" actId="21"/>
+          <ac:spMkLst>
+            <pc:docMk/>
+            <pc:sldMk cId="2230501479" sldId="257"/>
+            <ac:spMk id="13" creationId="{9E68BB11-6BC4-1C1E-8E5C-03D8A90280CF}"/>
+          </ac:spMkLst>
+        </pc:spChg>
+        <pc:spChg chg="add del mod">
+          <ac:chgData name="Fatima Pillosu" userId="a6295d4dc9e22643" providerId="LiveId" clId="{E2B223F2-0B33-4F85-811E-48E98266BFC0}" dt="2023-10-15T21:44:56.814" v="189" actId="21"/>
+          <ac:spMkLst>
+            <pc:docMk/>
+            <pc:sldMk cId="2230501479" sldId="257"/>
+            <ac:spMk id="14" creationId="{89349334-D1B6-2B49-64F0-10E3814EFC3E}"/>
+          </ac:spMkLst>
+        </pc:spChg>
+        <pc:spChg chg="add del mod">
+          <ac:chgData name="Fatima Pillosu" userId="a6295d4dc9e22643" providerId="LiveId" clId="{E2B223F2-0B33-4F85-811E-48E98266BFC0}" dt="2023-10-15T21:44:56.814" v="189" actId="21"/>
+          <ac:spMkLst>
+            <pc:docMk/>
+            <pc:sldMk cId="2230501479" sldId="257"/>
+            <ac:spMk id="15" creationId="{123C85B4-6CE9-7728-6379-6721D06AD2AA}"/>
+          </ac:spMkLst>
+        </pc:spChg>
+        <pc:spChg chg="add del mod">
+          <ac:chgData name="Fatima Pillosu" userId="a6295d4dc9e22643" providerId="LiveId" clId="{E2B223F2-0B33-4F85-811E-48E98266BFC0}" dt="2023-10-15T21:44:56.814" v="189" actId="21"/>
+          <ac:spMkLst>
+            <pc:docMk/>
+            <pc:sldMk cId="2230501479" sldId="257"/>
+            <ac:spMk id="16" creationId="{73A41E77-AB11-5C4F-07BD-15681BB45C2C}"/>
+          </ac:spMkLst>
+        </pc:spChg>
+        <pc:spChg chg="add del mod">
+          <ac:chgData name="Fatima Pillosu" userId="a6295d4dc9e22643" providerId="LiveId" clId="{E2B223F2-0B33-4F85-811E-48E98266BFC0}" dt="2023-10-15T21:44:56.814" v="189" actId="21"/>
+          <ac:spMkLst>
+            <pc:docMk/>
+            <pc:sldMk cId="2230501479" sldId="257"/>
+            <ac:spMk id="17" creationId="{47A47973-540F-49E4-D9EF-87843AF3D091}"/>
+          </ac:spMkLst>
+        </pc:spChg>
+        <pc:spChg chg="add del mod">
+          <ac:chgData name="Fatima Pillosu" userId="a6295d4dc9e22643" providerId="LiveId" clId="{E2B223F2-0B33-4F85-811E-48E98266BFC0}" dt="2023-10-15T21:44:56.814" v="189" actId="21"/>
+          <ac:spMkLst>
+            <pc:docMk/>
+            <pc:sldMk cId="2230501479" sldId="257"/>
+            <ac:spMk id="18" creationId="{BD47DF9F-01AF-A7C4-559E-69E0A4C3AE34}"/>
+          </ac:spMkLst>
+        </pc:spChg>
+        <pc:spChg chg="add del mod">
+          <ac:chgData name="Fatima Pillosu" userId="a6295d4dc9e22643" providerId="LiveId" clId="{E2B223F2-0B33-4F85-811E-48E98266BFC0}" dt="2023-10-15T21:44:56.814" v="189" actId="21"/>
+          <ac:spMkLst>
+            <pc:docMk/>
+            <pc:sldMk cId="2230501479" sldId="257"/>
+            <ac:spMk id="19" creationId="{358DC59A-545B-5910-B540-1BA82171B44F}"/>
+          </ac:spMkLst>
+        </pc:spChg>
+        <pc:spChg chg="add del mod">
+          <ac:chgData name="Fatima Pillosu" userId="a6295d4dc9e22643" providerId="LiveId" clId="{E2B223F2-0B33-4F85-811E-48E98266BFC0}" dt="2023-10-15T21:44:56.814" v="189" actId="21"/>
+          <ac:spMkLst>
+            <pc:docMk/>
+            <pc:sldMk cId="2230501479" sldId="257"/>
+            <ac:spMk id="22" creationId="{A1D9D320-64DE-9CF9-EB41-40CC4E637E94}"/>
+          </ac:spMkLst>
+        </pc:spChg>
+        <pc:spChg chg="add del mod">
+          <ac:chgData name="Fatima Pillosu" userId="a6295d4dc9e22643" providerId="LiveId" clId="{E2B223F2-0B33-4F85-811E-48E98266BFC0}" dt="2023-10-15T21:44:56.814" v="189" actId="21"/>
+          <ac:spMkLst>
+            <pc:docMk/>
+            <pc:sldMk cId="2230501479" sldId="257"/>
+            <ac:spMk id="23" creationId="{F23C95E3-D8C9-E9A8-CE82-2D7E15636CD3}"/>
+          </ac:spMkLst>
+        </pc:spChg>
+        <pc:spChg chg="add del mod">
+          <ac:chgData name="Fatima Pillosu" userId="a6295d4dc9e22643" providerId="LiveId" clId="{E2B223F2-0B33-4F85-811E-48E98266BFC0}" dt="2023-10-15T21:44:56.814" v="189" actId="21"/>
+          <ac:spMkLst>
+            <pc:docMk/>
+            <pc:sldMk cId="2230501479" sldId="257"/>
+            <ac:spMk id="24" creationId="{8DB267A7-AD40-9F4B-C997-8114401B4976}"/>
+          </ac:spMkLst>
+        </pc:spChg>
+        <pc:spChg chg="add del mod">
+          <ac:chgData name="Fatima Pillosu" userId="a6295d4dc9e22643" providerId="LiveId" clId="{E2B223F2-0B33-4F85-811E-48E98266BFC0}" dt="2023-10-15T21:44:56.814" v="189" actId="21"/>
+          <ac:spMkLst>
+            <pc:docMk/>
+            <pc:sldMk cId="2230501479" sldId="257"/>
+            <ac:spMk id="25" creationId="{E6F0C849-5232-D882-939F-C44C213E84E3}"/>
+          </ac:spMkLst>
+        </pc:spChg>
+        <pc:spChg chg="add del mod">
+          <ac:chgData name="Fatima Pillosu" userId="a6295d4dc9e22643" providerId="LiveId" clId="{E2B223F2-0B33-4F85-811E-48E98266BFC0}" dt="2023-10-15T21:44:56.814" v="189" actId="21"/>
+          <ac:spMkLst>
+            <pc:docMk/>
+            <pc:sldMk cId="2230501479" sldId="257"/>
+            <ac:spMk id="26" creationId="{DAA855F1-8563-B6C6-A956-355DE29690F1}"/>
+          </ac:spMkLst>
+        </pc:spChg>
+        <pc:spChg chg="add del mod">
+          <ac:chgData name="Fatima Pillosu" userId="a6295d4dc9e22643" providerId="LiveId" clId="{E2B223F2-0B33-4F85-811E-48E98266BFC0}" dt="2023-10-15T21:44:56.814" v="189" actId="21"/>
+          <ac:spMkLst>
+            <pc:docMk/>
+            <pc:sldMk cId="2230501479" sldId="257"/>
+            <ac:spMk id="27" creationId="{F988BC6F-FF3F-3222-5141-983E60534581}"/>
+          </ac:spMkLst>
+        </pc:spChg>
+        <pc:spChg chg="add del mod">
+          <ac:chgData name="Fatima Pillosu" userId="a6295d4dc9e22643" providerId="LiveId" clId="{E2B223F2-0B33-4F85-811E-48E98266BFC0}" dt="2023-10-15T21:44:56.814" v="189" actId="21"/>
+          <ac:spMkLst>
+            <pc:docMk/>
+            <pc:sldMk cId="2230501479" sldId="257"/>
+            <ac:spMk id="28" creationId="{135F515B-D463-9C21-2C94-7F937DDF2A3E}"/>
+          </ac:spMkLst>
+        </pc:spChg>
+        <pc:spChg chg="add del mod">
+          <ac:chgData name="Fatima Pillosu" userId="a6295d4dc9e22643" providerId="LiveId" clId="{E2B223F2-0B33-4F85-811E-48E98266BFC0}" dt="2023-10-15T21:44:56.814" v="189" actId="21"/>
+          <ac:spMkLst>
+            <pc:docMk/>
+            <pc:sldMk cId="2230501479" sldId="257"/>
+            <ac:spMk id="31" creationId="{B6F9B0EE-1868-3A80-EB5B-0460D54B48E8}"/>
+          </ac:spMkLst>
+        </pc:spChg>
+        <pc:spChg chg="add del mod">
+          <ac:chgData name="Fatima Pillosu" userId="a6295d4dc9e22643" providerId="LiveId" clId="{E2B223F2-0B33-4F85-811E-48E98266BFC0}" dt="2023-10-15T21:44:56.814" v="189" actId="21"/>
+          <ac:spMkLst>
+            <pc:docMk/>
+            <pc:sldMk cId="2230501479" sldId="257"/>
+            <ac:spMk id="32" creationId="{1A894FD5-106C-9F85-12EA-813B408C7C69}"/>
+          </ac:spMkLst>
+        </pc:spChg>
+        <pc:spChg chg="add del mod">
+          <ac:chgData name="Fatima Pillosu" userId="a6295d4dc9e22643" providerId="LiveId" clId="{E2B223F2-0B33-4F85-811E-48E98266BFC0}" dt="2023-10-15T21:44:56.814" v="189" actId="21"/>
+          <ac:spMkLst>
+            <pc:docMk/>
+            <pc:sldMk cId="2230501479" sldId="257"/>
+            <ac:spMk id="33" creationId="{A3F8CA87-43AC-FD7D-9D70-774E4522D33D}"/>
+          </ac:spMkLst>
+        </pc:spChg>
+        <pc:spChg chg="add del mod">
+          <ac:chgData name="Fatima Pillosu" userId="a6295d4dc9e22643" providerId="LiveId" clId="{E2B223F2-0B33-4F85-811E-48E98266BFC0}" dt="2023-10-15T21:44:56.814" v="189" actId="21"/>
+          <ac:spMkLst>
+            <pc:docMk/>
+            <pc:sldMk cId="2230501479" sldId="257"/>
+            <ac:spMk id="34" creationId="{5192FA56-2302-DEAF-116C-280DA70626FD}"/>
+          </ac:spMkLst>
+        </pc:spChg>
+        <pc:spChg chg="add del mod">
+          <ac:chgData name="Fatima Pillosu" userId="a6295d4dc9e22643" providerId="LiveId" clId="{E2B223F2-0B33-4F85-811E-48E98266BFC0}" dt="2023-10-15T21:44:56.814" v="189" actId="21"/>
+          <ac:spMkLst>
+            <pc:docMk/>
+            <pc:sldMk cId="2230501479" sldId="257"/>
+            <ac:spMk id="35" creationId="{3104D6E2-CA9D-F2F0-DC26-6A19625AC980}"/>
+          </ac:spMkLst>
+        </pc:spChg>
+        <pc:spChg chg="add del mod">
+          <ac:chgData name="Fatima Pillosu" userId="a6295d4dc9e22643" providerId="LiveId" clId="{E2B223F2-0B33-4F85-811E-48E98266BFC0}" dt="2023-10-15T21:44:56.814" v="189" actId="21"/>
+          <ac:spMkLst>
+            <pc:docMk/>
+            <pc:sldMk cId="2230501479" sldId="257"/>
+            <ac:spMk id="36" creationId="{CC43E2E1-3C59-B0B1-74BD-87FE336CE541}"/>
+          </ac:spMkLst>
+        </pc:spChg>
+        <pc:spChg chg="add del mod">
+          <ac:chgData name="Fatima Pillosu" userId="a6295d4dc9e22643" providerId="LiveId" clId="{E2B223F2-0B33-4F85-811E-48E98266BFC0}" dt="2023-10-15T21:44:56.814" v="189" actId="21"/>
+          <ac:spMkLst>
+            <pc:docMk/>
+            <pc:sldMk cId="2230501479" sldId="257"/>
+            <ac:spMk id="37" creationId="{36675D7F-33FB-600A-7387-E6DD8AFCB32D}"/>
+          </ac:spMkLst>
+        </pc:spChg>
+        <pc:spChg chg="add del mod">
+          <ac:chgData name="Fatima Pillosu" userId="a6295d4dc9e22643" providerId="LiveId" clId="{E2B223F2-0B33-4F85-811E-48E98266BFC0}" dt="2023-10-15T21:44:56.814" v="189" actId="21"/>
+          <ac:spMkLst>
+            <pc:docMk/>
+            <pc:sldMk cId="2230501479" sldId="257"/>
+            <ac:spMk id="38" creationId="{3AF6DD13-A3B3-1748-4341-F92291048E0C}"/>
+          </ac:spMkLst>
+        </pc:spChg>
+        <pc:spChg chg="add del mod">
+          <ac:chgData name="Fatima Pillosu" userId="a6295d4dc9e22643" providerId="LiveId" clId="{E2B223F2-0B33-4F85-811E-48E98266BFC0}" dt="2023-10-15T21:44:56.814" v="189" actId="21"/>
+          <ac:spMkLst>
+            <pc:docMk/>
+            <pc:sldMk cId="2230501479" sldId="257"/>
+            <ac:spMk id="39" creationId="{E929576B-0A16-E0C8-4055-653F939AE851}"/>
+          </ac:spMkLst>
+        </pc:spChg>
+        <pc:spChg chg="add del mod">
+          <ac:chgData name="Fatima Pillosu" userId="a6295d4dc9e22643" providerId="LiveId" clId="{E2B223F2-0B33-4F85-811E-48E98266BFC0}" dt="2023-10-15T21:44:56.814" v="189" actId="21"/>
+          <ac:spMkLst>
+            <pc:docMk/>
+            <pc:sldMk cId="2230501479" sldId="257"/>
+            <ac:spMk id="40" creationId="{C1A5A86D-CE57-71C4-926B-623EC6ABF68D}"/>
+          </ac:spMkLst>
+        </pc:spChg>
+        <pc:spChg chg="add del mod">
+          <ac:chgData name="Fatima Pillosu" userId="a6295d4dc9e22643" providerId="LiveId" clId="{E2B223F2-0B33-4F85-811E-48E98266BFC0}" dt="2023-10-15T21:44:56.814" v="189" actId="21"/>
+          <ac:spMkLst>
+            <pc:docMk/>
+            <pc:sldMk cId="2230501479" sldId="257"/>
+            <ac:spMk id="41" creationId="{EE4CBB25-ADBB-8500-40CC-2F4A591D0759}"/>
+          </ac:spMkLst>
+        </pc:spChg>
+        <pc:spChg chg="add del mod">
+          <ac:chgData name="Fatima Pillosu" userId="a6295d4dc9e22643" providerId="LiveId" clId="{E2B223F2-0B33-4F85-811E-48E98266BFC0}" dt="2023-10-15T21:44:56.814" v="189" actId="21"/>
+          <ac:spMkLst>
+            <pc:docMk/>
+            <pc:sldMk cId="2230501479" sldId="257"/>
+            <ac:spMk id="42" creationId="{17983B58-51D3-A15C-E203-06B0139CB589}"/>
+          </ac:spMkLst>
+        </pc:spChg>
+        <pc:spChg chg="add del mod">
+          <ac:chgData name="Fatima Pillosu" userId="a6295d4dc9e22643" providerId="LiveId" clId="{E2B223F2-0B33-4F85-811E-48E98266BFC0}" dt="2023-10-15T21:44:56.814" v="189" actId="21"/>
+          <ac:spMkLst>
+            <pc:docMk/>
+            <pc:sldMk cId="2230501479" sldId="257"/>
+            <ac:spMk id="60" creationId="{40831E20-A951-9A61-ACAA-2E7190E032CF}"/>
+          </ac:spMkLst>
+        </pc:spChg>
+        <pc:spChg chg="add del mod">
+          <ac:chgData name="Fatima Pillosu" userId="a6295d4dc9e22643" providerId="LiveId" clId="{E2B223F2-0B33-4F85-811E-48E98266BFC0}" dt="2023-10-15T21:44:56.814" v="189" actId="21"/>
+          <ac:spMkLst>
+            <pc:docMk/>
+            <pc:sldMk cId="2230501479" sldId="257"/>
+            <ac:spMk id="64" creationId="{C0A00F1B-0B24-2B80-CDC4-605115B3B9B6}"/>
+          </ac:spMkLst>
+        </pc:spChg>
+        <pc:spChg chg="add del mod">
+          <ac:chgData name="Fatima Pillosu" userId="a6295d4dc9e22643" providerId="LiveId" clId="{E2B223F2-0B33-4F85-811E-48E98266BFC0}" dt="2023-10-15T21:44:56.814" v="189" actId="21"/>
+          <ac:spMkLst>
+            <pc:docMk/>
+            <pc:sldMk cId="2230501479" sldId="257"/>
+            <ac:spMk id="65" creationId="{0FA005A6-8350-E77F-F4E3-8DDE4DDB0C14}"/>
+          </ac:spMkLst>
+        </pc:spChg>
+        <pc:spChg chg="add del mod">
+          <ac:chgData name="Fatima Pillosu" userId="a6295d4dc9e22643" providerId="LiveId" clId="{E2B223F2-0B33-4F85-811E-48E98266BFC0}" dt="2023-10-15T21:44:56.814" v="189" actId="21"/>
+          <ac:spMkLst>
+            <pc:docMk/>
+            <pc:sldMk cId="2230501479" sldId="257"/>
+            <ac:spMk id="66" creationId="{D25A1494-6BC2-D2A9-B52C-20BB8D6831DC}"/>
+          </ac:spMkLst>
+        </pc:spChg>
+        <pc:spChg chg="add del mod">
+          <ac:chgData name="Fatima Pillosu" userId="a6295d4dc9e22643" providerId="LiveId" clId="{E2B223F2-0B33-4F85-811E-48E98266BFC0}" dt="2023-10-15T21:44:56.814" v="189" actId="21"/>
+          <ac:spMkLst>
+            <pc:docMk/>
+            <pc:sldMk cId="2230501479" sldId="257"/>
+            <ac:spMk id="67" creationId="{A41769A2-2C9F-FA2F-03FF-216A894BB611}"/>
+          </ac:spMkLst>
+        </pc:spChg>
+        <pc:spChg chg="add del mod">
+          <ac:chgData name="Fatima Pillosu" userId="a6295d4dc9e22643" providerId="LiveId" clId="{E2B223F2-0B33-4F85-811E-48E98266BFC0}" dt="2023-10-15T21:44:56.814" v="189" actId="21"/>
+          <ac:spMkLst>
+            <pc:docMk/>
+            <pc:sldMk cId="2230501479" sldId="257"/>
+            <ac:spMk id="69" creationId="{98CDDF3D-79B3-2079-C15B-E86AD5507B6B}"/>
+          </ac:spMkLst>
+        </pc:spChg>
+        <pc:spChg chg="add del mod">
+          <ac:chgData name="Fatima Pillosu" userId="a6295d4dc9e22643" providerId="LiveId" clId="{E2B223F2-0B33-4F85-811E-48E98266BFC0}" dt="2023-10-15T21:44:56.814" v="189" actId="21"/>
+          <ac:spMkLst>
+            <pc:docMk/>
+            <pc:sldMk cId="2230501479" sldId="257"/>
+            <ac:spMk id="71" creationId="{0D57C3E7-A920-1740-DD02-78ADD19B3F39}"/>
+          </ac:spMkLst>
+        </pc:spChg>
+        <pc:spChg chg="add del mod">
+          <ac:chgData name="Fatima Pillosu" userId="a6295d4dc9e22643" providerId="LiveId" clId="{E2B223F2-0B33-4F85-811E-48E98266BFC0}" dt="2023-10-15T21:44:56.814" v="189" actId="21"/>
+          <ac:spMkLst>
+            <pc:docMk/>
+            <pc:sldMk cId="2230501479" sldId="257"/>
+            <ac:spMk id="72" creationId="{CE787402-8130-B016-70E8-D4A610226334}"/>
+          </ac:spMkLst>
+        </pc:spChg>
+        <pc:spChg chg="add del mod">
+          <ac:chgData name="Fatima Pillosu" userId="a6295d4dc9e22643" providerId="LiveId" clId="{E2B223F2-0B33-4F85-811E-48E98266BFC0}" dt="2023-10-15T21:44:56.814" v="189" actId="21"/>
+          <ac:spMkLst>
+            <pc:docMk/>
+            <pc:sldMk cId="2230501479" sldId="257"/>
+            <ac:spMk id="73" creationId="{258C5E57-84F3-7542-5AD6-BAA66567BFFA}"/>
+          </ac:spMkLst>
+        </pc:spChg>
+        <pc:spChg chg="add del mod">
+          <ac:chgData name="Fatima Pillosu" userId="a6295d4dc9e22643" providerId="LiveId" clId="{E2B223F2-0B33-4F85-811E-48E98266BFC0}" dt="2023-10-15T21:44:56.814" v="189" actId="21"/>
+          <ac:spMkLst>
+            <pc:docMk/>
+            <pc:sldMk cId="2230501479" sldId="257"/>
+            <ac:spMk id="74" creationId="{0C58A5B9-C4F8-5448-8CF7-28DA901B9889}"/>
+          </ac:spMkLst>
+        </pc:spChg>
+        <pc:spChg chg="add del mod">
+          <ac:chgData name="Fatima Pillosu" userId="a6295d4dc9e22643" providerId="LiveId" clId="{E2B223F2-0B33-4F85-811E-48E98266BFC0}" dt="2023-10-15T21:44:56.814" v="189" actId="21"/>
+          <ac:spMkLst>
+            <pc:docMk/>
+            <pc:sldMk cId="2230501479" sldId="257"/>
+            <ac:spMk id="75" creationId="{674D6701-45DF-1D68-0185-EF837DDD392B}"/>
+          </ac:spMkLst>
+        </pc:spChg>
+        <pc:spChg chg="add del mod">
+          <ac:chgData name="Fatima Pillosu" userId="a6295d4dc9e22643" providerId="LiveId" clId="{E2B223F2-0B33-4F85-811E-48E98266BFC0}" dt="2023-10-15T21:44:56.814" v="189" actId="21"/>
+          <ac:spMkLst>
+            <pc:docMk/>
+            <pc:sldMk cId="2230501479" sldId="257"/>
+            <ac:spMk id="77" creationId="{FFF2FEDA-4CBB-34B1-9D62-053423902039}"/>
+          </ac:spMkLst>
+        </pc:spChg>
+        <pc:spChg chg="add del mod">
+          <ac:chgData name="Fatima Pillosu" userId="a6295d4dc9e22643" providerId="LiveId" clId="{E2B223F2-0B33-4F85-811E-48E98266BFC0}" dt="2023-10-15T21:44:56.814" v="189" actId="21"/>
+          <ac:spMkLst>
+            <pc:docMk/>
+            <pc:sldMk cId="2230501479" sldId="257"/>
+            <ac:spMk id="78" creationId="{59CC3C4B-CB57-A20E-54DC-E48E76D76B3B}"/>
+          </ac:spMkLst>
+        </pc:spChg>
+        <pc:spChg chg="add del mod">
+          <ac:chgData name="Fatima Pillosu" userId="a6295d4dc9e22643" providerId="LiveId" clId="{E2B223F2-0B33-4F85-811E-48E98266BFC0}" dt="2023-10-15T21:57:00.093" v="582" actId="21"/>
+          <ac:spMkLst>
+            <pc:docMk/>
+            <pc:sldMk cId="2230501479" sldId="257"/>
+            <ac:spMk id="80" creationId="{7E8701B2-ED59-BC8F-8D19-43DEE624AB06}"/>
+          </ac:spMkLst>
+        </pc:spChg>
+        <pc:spChg chg="add del mod">
+          <ac:chgData name="Fatima Pillosu" userId="a6295d4dc9e22643" providerId="LiveId" clId="{E2B223F2-0B33-4F85-811E-48E98266BFC0}" dt="2023-10-15T21:57:00.093" v="582" actId="21"/>
+          <ac:spMkLst>
+            <pc:docMk/>
+            <pc:sldMk cId="2230501479" sldId="257"/>
+            <ac:spMk id="81" creationId="{88ECD8B3-9CFE-DAD7-0DAD-33BC50709854}"/>
+          </ac:spMkLst>
+        </pc:spChg>
+        <pc:spChg chg="add del mod">
+          <ac:chgData name="Fatima Pillosu" userId="a6295d4dc9e22643" providerId="LiveId" clId="{E2B223F2-0B33-4F85-811E-48E98266BFC0}" dt="2023-10-15T21:57:00.093" v="582" actId="21"/>
+          <ac:spMkLst>
+            <pc:docMk/>
+            <pc:sldMk cId="2230501479" sldId="257"/>
+            <ac:spMk id="82" creationId="{B224BD93-545C-4A62-CB5A-DE170FE1497F}"/>
+          </ac:spMkLst>
+        </pc:spChg>
+        <pc:spChg chg="add del mod">
+          <ac:chgData name="Fatima Pillosu" userId="a6295d4dc9e22643" providerId="LiveId" clId="{E2B223F2-0B33-4F85-811E-48E98266BFC0}" dt="2023-10-15T21:57:00.093" v="582" actId="21"/>
+          <ac:spMkLst>
+            <pc:docMk/>
+            <pc:sldMk cId="2230501479" sldId="257"/>
+            <ac:spMk id="85" creationId="{1C4B573B-D150-1734-F472-2D8B22DCECA5}"/>
+          </ac:spMkLst>
+        </pc:spChg>
+        <pc:spChg chg="add del mod">
+          <ac:chgData name="Fatima Pillosu" userId="a6295d4dc9e22643" providerId="LiveId" clId="{E2B223F2-0B33-4F85-811E-48E98266BFC0}" dt="2023-10-15T21:57:00.093" v="582" actId="21"/>
+          <ac:spMkLst>
+            <pc:docMk/>
+            <pc:sldMk cId="2230501479" sldId="257"/>
+            <ac:spMk id="86" creationId="{1E711C2D-0755-338D-1FDE-E46CF3A7F1E1}"/>
+          </ac:spMkLst>
+        </pc:spChg>
+        <pc:spChg chg="add del mod">
+          <ac:chgData name="Fatima Pillosu" userId="a6295d4dc9e22643" providerId="LiveId" clId="{E2B223F2-0B33-4F85-811E-48E98266BFC0}" dt="2023-10-15T21:57:00.093" v="582" actId="21"/>
+          <ac:spMkLst>
+            <pc:docMk/>
+            <pc:sldMk cId="2230501479" sldId="257"/>
+            <ac:spMk id="87" creationId="{2E5B74F5-F1B9-E159-F19A-2BC3F037B0FC}"/>
+          </ac:spMkLst>
+        </pc:spChg>
+        <pc:spChg chg="add del mod">
+          <ac:chgData name="Fatima Pillosu" userId="a6295d4dc9e22643" providerId="LiveId" clId="{E2B223F2-0B33-4F85-811E-48E98266BFC0}" dt="2023-10-15T21:57:00.093" v="582" actId="21"/>
+          <ac:spMkLst>
+            <pc:docMk/>
+            <pc:sldMk cId="2230501479" sldId="257"/>
+            <ac:spMk id="88" creationId="{0984C30C-49A8-FF45-F3B7-F03325473A6E}"/>
+          </ac:spMkLst>
+        </pc:spChg>
+        <pc:spChg chg="add del mod">
+          <ac:chgData name="Fatima Pillosu" userId="a6295d4dc9e22643" providerId="LiveId" clId="{E2B223F2-0B33-4F85-811E-48E98266BFC0}" dt="2023-10-15T21:57:00.093" v="582" actId="21"/>
+          <ac:spMkLst>
+            <pc:docMk/>
+            <pc:sldMk cId="2230501479" sldId="257"/>
+            <ac:spMk id="89" creationId="{BBCEB6D7-A2B8-8359-3D7A-72229552A369}"/>
+          </ac:spMkLst>
+        </pc:spChg>
+        <pc:spChg chg="add del mod">
+          <ac:chgData name="Fatima Pillosu" userId="a6295d4dc9e22643" providerId="LiveId" clId="{E2B223F2-0B33-4F85-811E-48E98266BFC0}" dt="2023-10-15T21:57:00.093" v="582" actId="21"/>
+          <ac:spMkLst>
+            <pc:docMk/>
+            <pc:sldMk cId="2230501479" sldId="257"/>
+            <ac:spMk id="90" creationId="{ED381DCA-1259-A3F2-E0A4-694C271E647B}"/>
+          </ac:spMkLst>
+        </pc:spChg>
+        <pc:spChg chg="add del mod">
+          <ac:chgData name="Fatima Pillosu" userId="a6295d4dc9e22643" providerId="LiveId" clId="{E2B223F2-0B33-4F85-811E-48E98266BFC0}" dt="2023-10-15T21:57:00.093" v="582" actId="21"/>
+          <ac:spMkLst>
+            <pc:docMk/>
+            <pc:sldMk cId="2230501479" sldId="257"/>
+            <ac:spMk id="91" creationId="{130E941D-BD9C-C576-359E-5388A8CEBC86}"/>
+          </ac:spMkLst>
+        </pc:spChg>
+        <pc:spChg chg="add del mod">
+          <ac:chgData name="Fatima Pillosu" userId="a6295d4dc9e22643" providerId="LiveId" clId="{E2B223F2-0B33-4F85-811E-48E98266BFC0}" dt="2023-10-15T21:57:00.093" v="582" actId="21"/>
+          <ac:spMkLst>
+            <pc:docMk/>
+            <pc:sldMk cId="2230501479" sldId="257"/>
+            <ac:spMk id="94" creationId="{C797BA98-0E3D-23B7-C442-ABCA37F6EB1E}"/>
+          </ac:spMkLst>
+        </pc:spChg>
+        <pc:spChg chg="add del mod">
+          <ac:chgData name="Fatima Pillosu" userId="a6295d4dc9e22643" providerId="LiveId" clId="{E2B223F2-0B33-4F85-811E-48E98266BFC0}" dt="2023-10-15T21:57:00.093" v="582" actId="21"/>
+          <ac:spMkLst>
+            <pc:docMk/>
+            <pc:sldMk cId="2230501479" sldId="257"/>
+            <ac:spMk id="95" creationId="{1A9B3DCE-9414-72CC-A987-05D9831C920D}"/>
+          </ac:spMkLst>
+        </pc:spChg>
+        <pc:spChg chg="add del mod">
+          <ac:chgData name="Fatima Pillosu" userId="a6295d4dc9e22643" providerId="LiveId" clId="{E2B223F2-0B33-4F85-811E-48E98266BFC0}" dt="2023-10-15T21:57:00.093" v="582" actId="21"/>
+          <ac:spMkLst>
+            <pc:docMk/>
+            <pc:sldMk cId="2230501479" sldId="257"/>
+            <ac:spMk id="96" creationId="{82A01AA9-88A7-5D5A-90B0-C1220B9CEA6D}"/>
+          </ac:spMkLst>
+        </pc:spChg>
+        <pc:spChg chg="add del mod">
+          <ac:chgData name="Fatima Pillosu" userId="a6295d4dc9e22643" providerId="LiveId" clId="{E2B223F2-0B33-4F85-811E-48E98266BFC0}" dt="2023-10-15T21:57:00.093" v="582" actId="21"/>
+          <ac:spMkLst>
+            <pc:docMk/>
+            <pc:sldMk cId="2230501479" sldId="257"/>
+            <ac:spMk id="97" creationId="{14A3A351-D2FC-FFCA-8A56-286626A8E01A}"/>
+          </ac:spMkLst>
+        </pc:spChg>
+        <pc:spChg chg="add del mod">
+          <ac:chgData name="Fatima Pillosu" userId="a6295d4dc9e22643" providerId="LiveId" clId="{E2B223F2-0B33-4F85-811E-48E98266BFC0}" dt="2023-10-15T21:57:00.093" v="582" actId="21"/>
+          <ac:spMkLst>
+            <pc:docMk/>
+            <pc:sldMk cId="2230501479" sldId="257"/>
+            <ac:spMk id="98" creationId="{30E39229-276A-9645-4F5F-CD9B1F1600C1}"/>
+          </ac:spMkLst>
+        </pc:spChg>
+        <pc:spChg chg="add del mod">
+          <ac:chgData name="Fatima Pillosu" userId="a6295d4dc9e22643" providerId="LiveId" clId="{E2B223F2-0B33-4F85-811E-48E98266BFC0}" dt="2023-10-15T21:57:00.093" v="582" actId="21"/>
+          <ac:spMkLst>
+            <pc:docMk/>
+            <pc:sldMk cId="2230501479" sldId="257"/>
+            <ac:spMk id="99" creationId="{CD586AD7-3D3F-C617-BA2F-BCD1AF91CB7D}"/>
+          </ac:spMkLst>
+        </pc:spChg>
+        <pc:spChg chg="add del mod">
+          <ac:chgData name="Fatima Pillosu" userId="a6295d4dc9e22643" providerId="LiveId" clId="{E2B223F2-0B33-4F85-811E-48E98266BFC0}" dt="2023-10-15T21:57:00.093" v="582" actId="21"/>
+          <ac:spMkLst>
+            <pc:docMk/>
+            <pc:sldMk cId="2230501479" sldId="257"/>
+            <ac:spMk id="100" creationId="{BEFF770D-0FD2-4AC2-CB93-9F52E4ECE4A3}"/>
+          </ac:spMkLst>
+        </pc:spChg>
+        <pc:spChg chg="add del mod">
+          <ac:chgData name="Fatima Pillosu" userId="a6295d4dc9e22643" providerId="LiveId" clId="{E2B223F2-0B33-4F85-811E-48E98266BFC0}" dt="2023-10-15T21:57:00.093" v="582" actId="21"/>
+          <ac:spMkLst>
+            <pc:docMk/>
+            <pc:sldMk cId="2230501479" sldId="257"/>
+            <ac:spMk id="103" creationId="{7DF1BD99-92A8-771A-668D-9838E156E72E}"/>
+          </ac:spMkLst>
+        </pc:spChg>
+        <pc:spChg chg="add del mod">
+          <ac:chgData name="Fatima Pillosu" userId="a6295d4dc9e22643" providerId="LiveId" clId="{E2B223F2-0B33-4F85-811E-48E98266BFC0}" dt="2023-10-15T21:57:00.093" v="582" actId="21"/>
+          <ac:spMkLst>
+            <pc:docMk/>
+            <pc:sldMk cId="2230501479" sldId="257"/>
+            <ac:spMk id="104" creationId="{ECB976AF-A6F7-EA71-A773-F35043639F0D}"/>
+          </ac:spMkLst>
+        </pc:spChg>
+        <pc:spChg chg="add del mod">
+          <ac:chgData name="Fatima Pillosu" userId="a6295d4dc9e22643" providerId="LiveId" clId="{E2B223F2-0B33-4F85-811E-48E98266BFC0}" dt="2023-10-15T21:57:00.093" v="582" actId="21"/>
+          <ac:spMkLst>
+            <pc:docMk/>
+            <pc:sldMk cId="2230501479" sldId="257"/>
+            <ac:spMk id="105" creationId="{4FA0B0BB-B425-6AB2-ECA0-4840979D41B5}"/>
+          </ac:spMkLst>
+        </pc:spChg>
+        <pc:spChg chg="add del mod">
+          <ac:chgData name="Fatima Pillosu" userId="a6295d4dc9e22643" providerId="LiveId" clId="{E2B223F2-0B33-4F85-811E-48E98266BFC0}" dt="2023-10-15T21:57:00.093" v="582" actId="21"/>
+          <ac:spMkLst>
+            <pc:docMk/>
+            <pc:sldMk cId="2230501479" sldId="257"/>
+            <ac:spMk id="106" creationId="{0203B300-CFD7-D789-F4DE-DDB40221044A}"/>
+          </ac:spMkLst>
+        </pc:spChg>
+        <pc:spChg chg="add del mod">
+          <ac:chgData name="Fatima Pillosu" userId="a6295d4dc9e22643" providerId="LiveId" clId="{E2B223F2-0B33-4F85-811E-48E98266BFC0}" dt="2023-10-15T21:57:00.093" v="582" actId="21"/>
+          <ac:spMkLst>
+            <pc:docMk/>
+            <pc:sldMk cId="2230501479" sldId="257"/>
+            <ac:spMk id="107" creationId="{E6BCB3C6-3325-783E-DAD1-418F99ACC77F}"/>
+          </ac:spMkLst>
+        </pc:spChg>
+        <pc:spChg chg="add del mod">
+          <ac:chgData name="Fatima Pillosu" userId="a6295d4dc9e22643" providerId="LiveId" clId="{E2B223F2-0B33-4F85-811E-48E98266BFC0}" dt="2023-10-15T21:57:00.093" v="582" actId="21"/>
+          <ac:spMkLst>
+            <pc:docMk/>
+            <pc:sldMk cId="2230501479" sldId="257"/>
+            <ac:spMk id="108" creationId="{0F985BE3-B1FC-6792-59ED-F4D056D56B93}"/>
+          </ac:spMkLst>
+        </pc:spChg>
+        <pc:spChg chg="add del mod">
+          <ac:chgData name="Fatima Pillosu" userId="a6295d4dc9e22643" providerId="LiveId" clId="{E2B223F2-0B33-4F85-811E-48E98266BFC0}" dt="2023-10-15T21:57:00.093" v="582" actId="21"/>
+          <ac:spMkLst>
+            <pc:docMk/>
+            <pc:sldMk cId="2230501479" sldId="257"/>
+            <ac:spMk id="109" creationId="{31D0B548-41E6-67C8-4D0B-0E8B7004856B}"/>
+          </ac:spMkLst>
+        </pc:spChg>
+        <pc:spChg chg="add del mod">
+          <ac:chgData name="Fatima Pillosu" userId="a6295d4dc9e22643" providerId="LiveId" clId="{E2B223F2-0B33-4F85-811E-48E98266BFC0}" dt="2023-10-15T21:57:00.093" v="582" actId="21"/>
+          <ac:spMkLst>
+            <pc:docMk/>
+            <pc:sldMk cId="2230501479" sldId="257"/>
+            <ac:spMk id="110" creationId="{B44EB991-9EF6-1897-10FD-1DB1A994BA60}"/>
+          </ac:spMkLst>
+        </pc:spChg>
+        <pc:spChg chg="add del mod">
+          <ac:chgData name="Fatima Pillosu" userId="a6295d4dc9e22643" providerId="LiveId" clId="{E2B223F2-0B33-4F85-811E-48E98266BFC0}" dt="2023-10-15T21:57:00.093" v="582" actId="21"/>
+          <ac:spMkLst>
+            <pc:docMk/>
+            <pc:sldMk cId="2230501479" sldId="257"/>
+            <ac:spMk id="111" creationId="{101C5FC3-B22D-87D3-93C2-EE7A9DD421D0}"/>
+          </ac:spMkLst>
+        </pc:spChg>
+        <pc:spChg chg="add del mod">
+          <ac:chgData name="Fatima Pillosu" userId="a6295d4dc9e22643" providerId="LiveId" clId="{E2B223F2-0B33-4F85-811E-48E98266BFC0}" dt="2023-10-15T21:57:00.093" v="582" actId="21"/>
+          <ac:spMkLst>
+            <pc:docMk/>
+            <pc:sldMk cId="2230501479" sldId="257"/>
+            <ac:spMk id="112" creationId="{9A93E3C0-75FE-D8F3-26AC-5C57EDD0396A}"/>
+          </ac:spMkLst>
+        </pc:spChg>
+        <pc:spChg chg="add del mod">
+          <ac:chgData name="Fatima Pillosu" userId="a6295d4dc9e22643" providerId="LiveId" clId="{E2B223F2-0B33-4F85-811E-48E98266BFC0}" dt="2023-10-15T21:57:00.093" v="582" actId="21"/>
+          <ac:spMkLst>
+            <pc:docMk/>
+            <pc:sldMk cId="2230501479" sldId="257"/>
+            <ac:spMk id="113" creationId="{A7854FD9-C5D8-EFC8-903B-54CB7A9BA4C4}"/>
+          </ac:spMkLst>
+        </pc:spChg>
+        <pc:spChg chg="add del mod">
+          <ac:chgData name="Fatima Pillosu" userId="a6295d4dc9e22643" providerId="LiveId" clId="{E2B223F2-0B33-4F85-811E-48E98266BFC0}" dt="2023-10-15T21:57:00.093" v="582" actId="21"/>
+          <ac:spMkLst>
+            <pc:docMk/>
+            <pc:sldMk cId="2230501479" sldId="257"/>
+            <ac:spMk id="114" creationId="{9C6EC0E4-E6E2-BE26-5F27-2EB40E0287D3}"/>
+          </ac:spMkLst>
+        </pc:spChg>
+        <pc:spChg chg="add del mod">
+          <ac:chgData name="Fatima Pillosu" userId="a6295d4dc9e22643" providerId="LiveId" clId="{E2B223F2-0B33-4F85-811E-48E98266BFC0}" dt="2023-10-15T21:57:00.093" v="582" actId="21"/>
+          <ac:spMkLst>
+            <pc:docMk/>
+            <pc:sldMk cId="2230501479" sldId="257"/>
+            <ac:spMk id="118" creationId="{10919E47-E6BC-FC46-B037-B60662322B93}"/>
+          </ac:spMkLst>
+        </pc:spChg>
+        <pc:spChg chg="add del mod">
+          <ac:chgData name="Fatima Pillosu" userId="a6295d4dc9e22643" providerId="LiveId" clId="{E2B223F2-0B33-4F85-811E-48E98266BFC0}" dt="2023-10-15T21:57:00.093" v="582" actId="21"/>
+          <ac:spMkLst>
+            <pc:docMk/>
+            <pc:sldMk cId="2230501479" sldId="257"/>
+            <ac:spMk id="119" creationId="{6F3D713A-FDF3-0A32-0FD8-539651D88BEB}"/>
+          </ac:spMkLst>
+        </pc:spChg>
+        <pc:spChg chg="add del mod">
+          <ac:chgData name="Fatima Pillosu" userId="a6295d4dc9e22643" providerId="LiveId" clId="{E2B223F2-0B33-4F85-811E-48E98266BFC0}" dt="2023-10-15T21:57:00.093" v="582" actId="21"/>
+          <ac:spMkLst>
+            <pc:docMk/>
+            <pc:sldMk cId="2230501479" sldId="257"/>
+            <ac:spMk id="120" creationId="{4059215A-624F-C185-7853-67C5F2ABED1C}"/>
+          </ac:spMkLst>
+        </pc:spChg>
+        <pc:spChg chg="add del mod">
+          <ac:chgData name="Fatima Pillosu" userId="a6295d4dc9e22643" providerId="LiveId" clId="{E2B223F2-0B33-4F85-811E-48E98266BFC0}" dt="2023-10-15T21:57:00.093" v="582" actId="21"/>
+          <ac:spMkLst>
+            <pc:docMk/>
+            <pc:sldMk cId="2230501479" sldId="257"/>
+            <ac:spMk id="121" creationId="{1B6C3387-1405-AAA0-760D-5D072DCB08AA}"/>
+          </ac:spMkLst>
+        </pc:spChg>
+        <pc:spChg chg="add del mod">
+          <ac:chgData name="Fatima Pillosu" userId="a6295d4dc9e22643" providerId="LiveId" clId="{E2B223F2-0B33-4F85-811E-48E98266BFC0}" dt="2023-10-15T21:57:00.093" v="582" actId="21"/>
+          <ac:spMkLst>
+            <pc:docMk/>
+            <pc:sldMk cId="2230501479" sldId="257"/>
+            <ac:spMk id="122" creationId="{F5997D52-B81D-649B-BCA9-BAE8CA1E9953}"/>
+          </ac:spMkLst>
+        </pc:spChg>
+        <pc:spChg chg="add del mod">
+          <ac:chgData name="Fatima Pillosu" userId="a6295d4dc9e22643" providerId="LiveId" clId="{E2B223F2-0B33-4F85-811E-48E98266BFC0}" dt="2023-10-15T21:57:00.093" v="582" actId="21"/>
+          <ac:spMkLst>
+            <pc:docMk/>
+            <pc:sldMk cId="2230501479" sldId="257"/>
+            <ac:spMk id="124" creationId="{2AFB2BBD-005A-C463-9829-EF0C448FECA2}"/>
+          </ac:spMkLst>
+        </pc:spChg>
+        <pc:spChg chg="add del mod">
+          <ac:chgData name="Fatima Pillosu" userId="a6295d4dc9e22643" providerId="LiveId" clId="{E2B223F2-0B33-4F85-811E-48E98266BFC0}" dt="2023-10-15T21:57:00.093" v="582" actId="21"/>
+          <ac:spMkLst>
+            <pc:docMk/>
+            <pc:sldMk cId="2230501479" sldId="257"/>
+            <ac:spMk id="126" creationId="{3B5CF27D-7617-E6BB-0BB6-23429285748E}"/>
+          </ac:spMkLst>
+        </pc:spChg>
+        <pc:spChg chg="add del mod">
+          <ac:chgData name="Fatima Pillosu" userId="a6295d4dc9e22643" providerId="LiveId" clId="{E2B223F2-0B33-4F85-811E-48E98266BFC0}" dt="2023-10-15T21:57:00.093" v="582" actId="21"/>
+          <ac:spMkLst>
+            <pc:docMk/>
+            <pc:sldMk cId="2230501479" sldId="257"/>
+            <ac:spMk id="127" creationId="{6261CF1C-A806-1CA0-72C1-1CB6894390BA}"/>
+          </ac:spMkLst>
+        </pc:spChg>
+        <pc:spChg chg="add del mod">
+          <ac:chgData name="Fatima Pillosu" userId="a6295d4dc9e22643" providerId="LiveId" clId="{E2B223F2-0B33-4F85-811E-48E98266BFC0}" dt="2023-10-15T21:57:00.093" v="582" actId="21"/>
+          <ac:spMkLst>
+            <pc:docMk/>
+            <pc:sldMk cId="2230501479" sldId="257"/>
+            <ac:spMk id="128" creationId="{7D16AA3D-5E83-7347-1D4D-37EE3C7E3FA6}"/>
+          </ac:spMkLst>
+        </pc:spChg>
+        <pc:spChg chg="add del mod">
+          <ac:chgData name="Fatima Pillosu" userId="a6295d4dc9e22643" providerId="LiveId" clId="{E2B223F2-0B33-4F85-811E-48E98266BFC0}" dt="2023-10-15T21:57:00.093" v="582" actId="21"/>
+          <ac:spMkLst>
+            <pc:docMk/>
+            <pc:sldMk cId="2230501479" sldId="257"/>
+            <ac:spMk id="129" creationId="{F0E831C2-9419-1503-1D0D-1CE6E64BD030}"/>
+          </ac:spMkLst>
+        </pc:spChg>
+        <pc:spChg chg="add del mod">
+          <ac:chgData name="Fatima Pillosu" userId="a6295d4dc9e22643" providerId="LiveId" clId="{E2B223F2-0B33-4F85-811E-48E98266BFC0}" dt="2023-10-15T21:57:00.093" v="582" actId="21"/>
+          <ac:spMkLst>
+            <pc:docMk/>
+            <pc:sldMk cId="2230501479" sldId="257"/>
+            <ac:spMk id="130" creationId="{FA5D4036-25C7-32CF-1EC4-34EFC96A80FC}"/>
+          </ac:spMkLst>
+        </pc:spChg>
+        <pc:spChg chg="add del mod">
+          <ac:chgData name="Fatima Pillosu" userId="a6295d4dc9e22643" providerId="LiveId" clId="{E2B223F2-0B33-4F85-811E-48E98266BFC0}" dt="2023-10-15T21:57:00.093" v="582" actId="21"/>
+          <ac:spMkLst>
+            <pc:docMk/>
+            <pc:sldMk cId="2230501479" sldId="257"/>
+            <ac:spMk id="132" creationId="{A477F3A4-6DED-7217-179E-69E38D18FAA6}"/>
+          </ac:spMkLst>
+        </pc:spChg>
+        <pc:spChg chg="add del mod">
+          <ac:chgData name="Fatima Pillosu" userId="a6295d4dc9e22643" providerId="LiveId" clId="{E2B223F2-0B33-4F85-811E-48E98266BFC0}" dt="2023-10-15T21:57:00.093" v="582" actId="21"/>
+          <ac:spMkLst>
+            <pc:docMk/>
+            <pc:sldMk cId="2230501479" sldId="257"/>
+            <ac:spMk id="133" creationId="{36650E48-5671-686D-DE0A-270FB6E66C24}"/>
+          </ac:spMkLst>
+        </pc:spChg>
+        <pc:spChg chg="add del mod">
+          <ac:chgData name="Fatima Pillosu" userId="a6295d4dc9e22643" providerId="LiveId" clId="{E2B223F2-0B33-4F85-811E-48E98266BFC0}" dt="2023-10-15T21:57:00.093" v="582" actId="21"/>
+          <ac:spMkLst>
+            <pc:docMk/>
+            <pc:sldMk cId="2230501479" sldId="257"/>
+            <ac:spMk id="134" creationId="{1FDC801A-6ADB-83F1-DEFB-EE3D2C9F4EBA}"/>
+          </ac:spMkLst>
+        </pc:spChg>
+        <pc:spChg chg="add del">
+          <ac:chgData name="Fatima Pillosu" userId="a6295d4dc9e22643" providerId="LiveId" clId="{E2B223F2-0B33-4F85-811E-48E98266BFC0}" dt="2023-10-15T21:56:56.421" v="581" actId="478"/>
+          <ac:spMkLst>
+            <pc:docMk/>
+            <pc:sldMk cId="2230501479" sldId="257"/>
+            <ac:spMk id="145" creationId="{860A04EE-CBD0-5ACB-C520-45650B9982DA}"/>
+          </ac:spMkLst>
+        </pc:spChg>
+        <pc:spChg chg="add del mod">
+          <ac:chgData name="Fatima Pillosu" userId="a6295d4dc9e22643" providerId="LiveId" clId="{E2B223F2-0B33-4F85-811E-48E98266BFC0}" dt="2023-10-15T21:59:58.097" v="587" actId="21"/>
+          <ac:spMkLst>
+            <pc:docMk/>
+            <pc:sldMk cId="2230501479" sldId="257"/>
+            <ac:spMk id="147" creationId="{50F938A1-4299-C90C-128B-023151D7087F}"/>
+          </ac:spMkLst>
+        </pc:spChg>
+        <pc:spChg chg="add del mod">
+          <ac:chgData name="Fatima Pillosu" userId="a6295d4dc9e22643" providerId="LiveId" clId="{E2B223F2-0B33-4F85-811E-48E98266BFC0}" dt="2023-10-15T21:59:58.097" v="587" actId="21"/>
+          <ac:spMkLst>
+            <pc:docMk/>
+            <pc:sldMk cId="2230501479" sldId="257"/>
+            <ac:spMk id="148" creationId="{398F112A-3CDD-8DB8-BA5B-A7FEBFF668E4}"/>
+          </ac:spMkLst>
+        </pc:spChg>
+        <pc:spChg chg="add del mod">
+          <ac:chgData name="Fatima Pillosu" userId="a6295d4dc9e22643" providerId="LiveId" clId="{E2B223F2-0B33-4F85-811E-48E98266BFC0}" dt="2023-10-15T21:59:58.097" v="587" actId="21"/>
+          <ac:spMkLst>
+            <pc:docMk/>
+            <pc:sldMk cId="2230501479" sldId="257"/>
+            <ac:spMk id="149" creationId="{9CEDA66C-DB54-C9C2-2867-1AC082B4113C}"/>
+          </ac:spMkLst>
+        </pc:spChg>
+        <pc:spChg chg="add del mod">
+          <ac:chgData name="Fatima Pillosu" userId="a6295d4dc9e22643" providerId="LiveId" clId="{E2B223F2-0B33-4F85-811E-48E98266BFC0}" dt="2023-10-15T21:59:58.097" v="587" actId="21"/>
+          <ac:spMkLst>
+            <pc:docMk/>
+            <pc:sldMk cId="2230501479" sldId="257"/>
+            <ac:spMk id="152" creationId="{C04D04E7-5DCA-E9DD-F29C-C809BA96F04B}"/>
+          </ac:spMkLst>
+        </pc:spChg>
+        <pc:spChg chg="add del mod">
+          <ac:chgData name="Fatima Pillosu" userId="a6295d4dc9e22643" providerId="LiveId" clId="{E2B223F2-0B33-4F85-811E-48E98266BFC0}" dt="2023-10-15T21:59:58.097" v="587" actId="21"/>
+          <ac:spMkLst>
+            <pc:docMk/>
+            <pc:sldMk cId="2230501479" sldId="257"/>
+            <ac:spMk id="153" creationId="{69BD44B6-0207-960A-F879-5108298791C3}"/>
+          </ac:spMkLst>
+        </pc:spChg>
+        <pc:spChg chg="add del mod">
+          <ac:chgData name="Fatima Pillosu" userId="a6295d4dc9e22643" providerId="LiveId" clId="{E2B223F2-0B33-4F85-811E-48E98266BFC0}" dt="2023-10-15T21:59:58.097" v="587" actId="21"/>
+          <ac:spMkLst>
+            <pc:docMk/>
+            <pc:sldMk cId="2230501479" sldId="257"/>
+            <ac:spMk id="154" creationId="{04025B19-C666-9F9F-0234-91F0589905C3}"/>
+          </ac:spMkLst>
+        </pc:spChg>
+        <pc:spChg chg="add del mod">
+          <ac:chgData name="Fatima Pillosu" userId="a6295d4dc9e22643" providerId="LiveId" clId="{E2B223F2-0B33-4F85-811E-48E98266BFC0}" dt="2023-10-15T21:59:58.097" v="587" actId="21"/>
+          <ac:spMkLst>
+            <pc:docMk/>
+            <pc:sldMk cId="2230501479" sldId="257"/>
+            <ac:spMk id="155" creationId="{E24D7D80-6C0B-0502-7851-76A1116DA568}"/>
+          </ac:spMkLst>
+        </pc:spChg>
+        <pc:spChg chg="add del mod">
+          <ac:chgData name="Fatima Pillosu" userId="a6295d4dc9e22643" providerId="LiveId" clId="{E2B223F2-0B33-4F85-811E-48E98266BFC0}" dt="2023-10-15T21:59:58.097" v="587" actId="21"/>
+          <ac:spMkLst>
+            <pc:docMk/>
+            <pc:sldMk cId="2230501479" sldId="257"/>
+            <ac:spMk id="156" creationId="{269B5B99-CB3E-6A6B-98F3-57F882940D85}"/>
+          </ac:spMkLst>
+        </pc:spChg>
+        <pc:spChg chg="add del mod">
+          <ac:chgData name="Fatima Pillosu" userId="a6295d4dc9e22643" providerId="LiveId" clId="{E2B223F2-0B33-4F85-811E-48E98266BFC0}" dt="2023-10-15T21:59:58.097" v="587" actId="21"/>
+          <ac:spMkLst>
+            <pc:docMk/>
+            <pc:sldMk cId="2230501479" sldId="257"/>
+            <ac:spMk id="157" creationId="{83E4B353-2809-9AF7-FA0F-9BFF6518EEA7}"/>
+          </ac:spMkLst>
+        </pc:spChg>
+        <pc:spChg chg="add del mod">
+          <ac:chgData name="Fatima Pillosu" userId="a6295d4dc9e22643" providerId="LiveId" clId="{E2B223F2-0B33-4F85-811E-48E98266BFC0}" dt="2023-10-15T21:59:58.097" v="587" actId="21"/>
+          <ac:spMkLst>
+            <pc:docMk/>
+            <pc:sldMk cId="2230501479" sldId="257"/>
+            <ac:spMk id="158" creationId="{B5CDB92B-577F-D7C1-0437-6A03297495CD}"/>
+          </ac:spMkLst>
+        </pc:spChg>
+        <pc:spChg chg="add del mod">
+          <ac:chgData name="Fatima Pillosu" userId="a6295d4dc9e22643" providerId="LiveId" clId="{E2B223F2-0B33-4F85-811E-48E98266BFC0}" dt="2023-10-15T21:59:58.097" v="587" actId="21"/>
+          <ac:spMkLst>
+            <pc:docMk/>
+            <pc:sldMk cId="2230501479" sldId="257"/>
+            <ac:spMk id="161" creationId="{F9635C6F-6B34-4C02-4A7C-8572FA5A7A48}"/>
+          </ac:spMkLst>
+        </pc:spChg>
+        <pc:spChg chg="add del mod">
+          <ac:chgData name="Fatima Pillosu" userId="a6295d4dc9e22643" providerId="LiveId" clId="{E2B223F2-0B33-4F85-811E-48E98266BFC0}" dt="2023-10-15T21:59:58.097" v="587" actId="21"/>
+          <ac:spMkLst>
+            <pc:docMk/>
+            <pc:sldMk cId="2230501479" sldId="257"/>
+            <ac:spMk id="162" creationId="{1B2B9BD4-A0E1-2BA6-B99E-962DA24767C2}"/>
+          </ac:spMkLst>
+        </pc:spChg>
+        <pc:spChg chg="add del mod">
+          <ac:chgData name="Fatima Pillosu" userId="a6295d4dc9e22643" providerId="LiveId" clId="{E2B223F2-0B33-4F85-811E-48E98266BFC0}" dt="2023-10-15T21:59:58.097" v="587" actId="21"/>
+          <ac:spMkLst>
+            <pc:docMk/>
+            <pc:sldMk cId="2230501479" sldId="257"/>
+            <ac:spMk id="163" creationId="{A4DF2B7E-9E88-3F34-6038-39B2631027F7}"/>
+          </ac:spMkLst>
+        </pc:spChg>
+        <pc:spChg chg="add del mod">
+          <ac:chgData name="Fatima Pillosu" userId="a6295d4dc9e22643" providerId="LiveId" clId="{E2B223F2-0B33-4F85-811E-48E98266BFC0}" dt="2023-10-15T21:59:58.097" v="587" actId="21"/>
+          <ac:spMkLst>
+            <pc:docMk/>
+            <pc:sldMk cId="2230501479" sldId="257"/>
+            <ac:spMk id="164" creationId="{7C68BF2E-6AEE-B917-AE56-A5763633351F}"/>
+          </ac:spMkLst>
+        </pc:spChg>
+        <pc:spChg chg="add del mod">
+          <ac:chgData name="Fatima Pillosu" userId="a6295d4dc9e22643" providerId="LiveId" clId="{E2B223F2-0B33-4F85-811E-48E98266BFC0}" dt="2023-10-15T21:59:58.097" v="587" actId="21"/>
+          <ac:spMkLst>
+            <pc:docMk/>
+            <pc:sldMk cId="2230501479" sldId="257"/>
+            <ac:spMk id="165" creationId="{3B315506-B2EA-E5EE-E74E-8B4F192DB9DA}"/>
+          </ac:spMkLst>
+        </pc:spChg>
+        <pc:spChg chg="add del mod">
+          <ac:chgData name="Fatima Pillosu" userId="a6295d4dc9e22643" providerId="LiveId" clId="{E2B223F2-0B33-4F85-811E-48E98266BFC0}" dt="2023-10-15T21:59:58.097" v="587" actId="21"/>
+          <ac:spMkLst>
+            <pc:docMk/>
+            <pc:sldMk cId="2230501479" sldId="257"/>
+            <ac:spMk id="166" creationId="{5AB8AD38-373B-2F9B-F07E-FC6D521B1124}"/>
+          </ac:spMkLst>
+        </pc:spChg>
+        <pc:spChg chg="add del mod">
+          <ac:chgData name="Fatima Pillosu" userId="a6295d4dc9e22643" providerId="LiveId" clId="{E2B223F2-0B33-4F85-811E-48E98266BFC0}" dt="2023-10-15T21:59:58.097" v="587" actId="21"/>
+          <ac:spMkLst>
+            <pc:docMk/>
+            <pc:sldMk cId="2230501479" sldId="257"/>
+            <ac:spMk id="167" creationId="{1046FC86-9A3E-2ADE-5BC8-12E02045E131}"/>
+          </ac:spMkLst>
+        </pc:spChg>
+        <pc:spChg chg="add del mod">
+          <ac:chgData name="Fatima Pillosu" userId="a6295d4dc9e22643" providerId="LiveId" clId="{E2B223F2-0B33-4F85-811E-48E98266BFC0}" dt="2023-10-15T21:59:58.097" v="587" actId="21"/>
+          <ac:spMkLst>
+            <pc:docMk/>
+            <pc:sldMk cId="2230501479" sldId="257"/>
+            <ac:spMk id="170" creationId="{195ADD92-86C4-DB19-C584-64AA4D6B637A}"/>
+          </ac:spMkLst>
+        </pc:spChg>
+        <pc:spChg chg="add del mod">
+          <ac:chgData name="Fatima Pillosu" userId="a6295d4dc9e22643" providerId="LiveId" clId="{E2B223F2-0B33-4F85-811E-48E98266BFC0}" dt="2023-10-15T21:59:58.097" v="587" actId="21"/>
+          <ac:spMkLst>
+            <pc:docMk/>
+            <pc:sldMk cId="2230501479" sldId="257"/>
+            <ac:spMk id="171" creationId="{32638020-9E80-02DB-9F99-16502AE17653}"/>
+          </ac:spMkLst>
+        </pc:spChg>
+        <pc:spChg chg="add del mod">
+          <ac:chgData name="Fatima Pillosu" userId="a6295d4dc9e22643" providerId="LiveId" clId="{E2B223F2-0B33-4F85-811E-48E98266BFC0}" dt="2023-10-15T21:59:58.097" v="587" actId="21"/>
+          <ac:spMkLst>
+            <pc:docMk/>
+            <pc:sldMk cId="2230501479" sldId="257"/>
+            <ac:spMk id="172" creationId="{1EE212A7-F144-2D3B-1F5D-46B189985475}"/>
+          </ac:spMkLst>
+        </pc:spChg>
+        <pc:spChg chg="add del mod">
+          <ac:chgData name="Fatima Pillosu" userId="a6295d4dc9e22643" providerId="LiveId" clId="{E2B223F2-0B33-4F85-811E-48E98266BFC0}" dt="2023-10-15T21:59:58.097" v="587" actId="21"/>
+          <ac:spMkLst>
+            <pc:docMk/>
+            <pc:sldMk cId="2230501479" sldId="257"/>
+            <ac:spMk id="173" creationId="{B4C7AF5E-AE3A-AB2F-07ED-3B2A0CBFC62D}"/>
+          </ac:spMkLst>
+        </pc:spChg>
+        <pc:spChg chg="add del mod">
+          <ac:chgData name="Fatima Pillosu" userId="a6295d4dc9e22643" providerId="LiveId" clId="{E2B223F2-0B33-4F85-811E-48E98266BFC0}" dt="2023-10-15T21:59:58.097" v="587" actId="21"/>
+          <ac:spMkLst>
+            <pc:docMk/>
+            <pc:sldMk cId="2230501479" sldId="257"/>
+            <ac:spMk id="174" creationId="{2326DD6B-1776-6F54-4216-1C50B249612A}"/>
+          </ac:spMkLst>
+        </pc:spChg>
+        <pc:spChg chg="add del mod">
+          <ac:chgData name="Fatima Pillosu" userId="a6295d4dc9e22643" providerId="LiveId" clId="{E2B223F2-0B33-4F85-811E-48E98266BFC0}" dt="2023-10-15T21:59:58.097" v="587" actId="21"/>
+          <ac:spMkLst>
+            <pc:docMk/>
+            <pc:sldMk cId="2230501479" sldId="257"/>
+            <ac:spMk id="175" creationId="{47A1BADD-C0D9-B0DA-A70E-2BCAFE78578E}"/>
+          </ac:spMkLst>
+        </pc:spChg>
+        <pc:spChg chg="add del mod">
+          <ac:chgData name="Fatima Pillosu" userId="a6295d4dc9e22643" providerId="LiveId" clId="{E2B223F2-0B33-4F85-811E-48E98266BFC0}" dt="2023-10-15T21:59:58.097" v="587" actId="21"/>
+          <ac:spMkLst>
+            <pc:docMk/>
+            <pc:sldMk cId="2230501479" sldId="257"/>
+            <ac:spMk id="176" creationId="{F3E8D0E8-0EA2-EFAB-5E01-79C01EC5A31F}"/>
+          </ac:spMkLst>
+        </pc:spChg>
+        <pc:spChg chg="add del mod">
+          <ac:chgData name="Fatima Pillosu" userId="a6295d4dc9e22643" providerId="LiveId" clId="{E2B223F2-0B33-4F85-811E-48E98266BFC0}" dt="2023-10-15T21:59:58.097" v="587" actId="21"/>
+          <ac:spMkLst>
+            <pc:docMk/>
+            <pc:sldMk cId="2230501479" sldId="257"/>
+            <ac:spMk id="177" creationId="{650DED79-29E4-21D6-1B68-4788D1DCE4B1}"/>
+          </ac:spMkLst>
+        </pc:spChg>
+        <pc:spChg chg="add del mod">
+          <ac:chgData name="Fatima Pillosu" userId="a6295d4dc9e22643" providerId="LiveId" clId="{E2B223F2-0B33-4F85-811E-48E98266BFC0}" dt="2023-10-15T21:59:58.097" v="587" actId="21"/>
+          <ac:spMkLst>
+            <pc:docMk/>
+            <pc:sldMk cId="2230501479" sldId="257"/>
+            <ac:spMk id="178" creationId="{1974C6AE-542B-A309-A91E-E1CDCFD060FE}"/>
+          </ac:spMkLst>
+        </pc:spChg>
+        <pc:spChg chg="add del mod">
+          <ac:chgData name="Fatima Pillosu" userId="a6295d4dc9e22643" providerId="LiveId" clId="{E2B223F2-0B33-4F85-811E-48E98266BFC0}" dt="2023-10-15T21:59:58.097" v="587" actId="21"/>
+          <ac:spMkLst>
+            <pc:docMk/>
+            <pc:sldMk cId="2230501479" sldId="257"/>
+            <ac:spMk id="179" creationId="{3549CE47-9157-86D9-705E-B4FF95EAA5D3}"/>
+          </ac:spMkLst>
+        </pc:spChg>
+        <pc:spChg chg="add del mod">
+          <ac:chgData name="Fatima Pillosu" userId="a6295d4dc9e22643" providerId="LiveId" clId="{E2B223F2-0B33-4F85-811E-48E98266BFC0}" dt="2023-10-15T21:59:58.097" v="587" actId="21"/>
+          <ac:spMkLst>
+            <pc:docMk/>
+            <pc:sldMk cId="2230501479" sldId="257"/>
+            <ac:spMk id="180" creationId="{29B755CC-4252-BACF-F97E-A17749BCE7A8}"/>
+          </ac:spMkLst>
+        </pc:spChg>
+        <pc:spChg chg="add del mod">
+          <ac:chgData name="Fatima Pillosu" userId="a6295d4dc9e22643" providerId="LiveId" clId="{E2B223F2-0B33-4F85-811E-48E98266BFC0}" dt="2023-10-15T21:59:58.097" v="587" actId="21"/>
+          <ac:spMkLst>
+            <pc:docMk/>
+            <pc:sldMk cId="2230501479" sldId="257"/>
+            <ac:spMk id="181" creationId="{D3217639-40AF-DCF0-BF05-08722828AC8B}"/>
+          </ac:spMkLst>
+        </pc:spChg>
+        <pc:spChg chg="add del mod">
+          <ac:chgData name="Fatima Pillosu" userId="a6295d4dc9e22643" providerId="LiveId" clId="{E2B223F2-0B33-4F85-811E-48E98266BFC0}" dt="2023-10-15T21:59:58.097" v="587" actId="21"/>
+          <ac:spMkLst>
+            <pc:docMk/>
+            <pc:sldMk cId="2230501479" sldId="257"/>
+            <ac:spMk id="185" creationId="{0D414651-51C8-0A95-8E90-173964410C68}"/>
+          </ac:spMkLst>
+        </pc:spChg>
+        <pc:spChg chg="add del mod">
+          <ac:chgData name="Fatima Pillosu" userId="a6295d4dc9e22643" providerId="LiveId" clId="{E2B223F2-0B33-4F85-811E-48E98266BFC0}" dt="2023-10-15T21:59:58.097" v="587" actId="21"/>
+          <ac:spMkLst>
+            <pc:docMk/>
+            <pc:sldMk cId="2230501479" sldId="257"/>
+            <ac:spMk id="186" creationId="{5D1166AD-0259-D881-0812-6BC7972FF2F0}"/>
+          </ac:spMkLst>
+        </pc:spChg>
+        <pc:spChg chg="add del mod">
+          <ac:chgData name="Fatima Pillosu" userId="a6295d4dc9e22643" providerId="LiveId" clId="{E2B223F2-0B33-4F85-811E-48E98266BFC0}" dt="2023-10-15T21:59:58.097" v="587" actId="21"/>
+          <ac:spMkLst>
+            <pc:docMk/>
+            <pc:sldMk cId="2230501479" sldId="257"/>
+            <ac:spMk id="187" creationId="{0771503D-0844-1A2A-4A1B-37495F1E545D}"/>
+          </ac:spMkLst>
+        </pc:spChg>
+        <pc:spChg chg="add del mod">
+          <ac:chgData name="Fatima Pillosu" userId="a6295d4dc9e22643" providerId="LiveId" clId="{E2B223F2-0B33-4F85-811E-48E98266BFC0}" dt="2023-10-15T21:59:58.097" v="587" actId="21"/>
+          <ac:spMkLst>
+            <pc:docMk/>
+            <pc:sldMk cId="2230501479" sldId="257"/>
+            <ac:spMk id="188" creationId="{4861CFCF-7011-807A-1724-E55C2ED2985B}"/>
+          </ac:spMkLst>
+        </pc:spChg>
+        <pc:spChg chg="add del mod">
+          <ac:chgData name="Fatima Pillosu" userId="a6295d4dc9e22643" providerId="LiveId" clId="{E2B223F2-0B33-4F85-811E-48E98266BFC0}" dt="2023-10-15T21:59:58.097" v="587" actId="21"/>
+          <ac:spMkLst>
+            <pc:docMk/>
+            <pc:sldMk cId="2230501479" sldId="257"/>
+            <ac:spMk id="189" creationId="{115DE25C-1DE2-8EBD-5029-1E0B816C4893}"/>
+          </ac:spMkLst>
+        </pc:spChg>
+        <pc:spChg chg="add del mod">
+          <ac:chgData name="Fatima Pillosu" userId="a6295d4dc9e22643" providerId="LiveId" clId="{E2B223F2-0B33-4F85-811E-48E98266BFC0}" dt="2023-10-15T21:59:58.097" v="587" actId="21"/>
+          <ac:spMkLst>
+            <pc:docMk/>
+            <pc:sldMk cId="2230501479" sldId="257"/>
+            <ac:spMk id="191" creationId="{283EB77B-26C6-6C31-FCCE-9C95EB4DC1D5}"/>
+          </ac:spMkLst>
+        </pc:spChg>
+        <pc:spChg chg="add del mod">
+          <ac:chgData name="Fatima Pillosu" userId="a6295d4dc9e22643" providerId="LiveId" clId="{E2B223F2-0B33-4F85-811E-48E98266BFC0}" dt="2023-10-15T21:59:58.097" v="587" actId="21"/>
+          <ac:spMkLst>
+            <pc:docMk/>
+            <pc:sldMk cId="2230501479" sldId="257"/>
+            <ac:spMk id="193" creationId="{D479A9F4-FC9A-8985-014F-B647D36EB8C1}"/>
+          </ac:spMkLst>
+        </pc:spChg>
+        <pc:spChg chg="add del mod">
+          <ac:chgData name="Fatima Pillosu" userId="a6295d4dc9e22643" providerId="LiveId" clId="{E2B223F2-0B33-4F85-811E-48E98266BFC0}" dt="2023-10-15T21:59:58.097" v="587" actId="21"/>
+          <ac:spMkLst>
+            <pc:docMk/>
+            <pc:sldMk cId="2230501479" sldId="257"/>
+            <ac:spMk id="194" creationId="{7C5BF0FF-F960-E8ED-E75C-699D8860C588}"/>
+          </ac:spMkLst>
+        </pc:spChg>
+        <pc:spChg chg="add del mod">
+          <ac:chgData name="Fatima Pillosu" userId="a6295d4dc9e22643" providerId="LiveId" clId="{E2B223F2-0B33-4F85-811E-48E98266BFC0}" dt="2023-10-15T21:59:58.097" v="587" actId="21"/>
+          <ac:spMkLst>
+            <pc:docMk/>
+            <pc:sldMk cId="2230501479" sldId="257"/>
+            <ac:spMk id="195" creationId="{FF131397-66A1-B137-B057-D4A0BA5379CA}"/>
+          </ac:spMkLst>
+        </pc:spChg>
+        <pc:spChg chg="add del mod">
+          <ac:chgData name="Fatima Pillosu" userId="a6295d4dc9e22643" providerId="LiveId" clId="{E2B223F2-0B33-4F85-811E-48E98266BFC0}" dt="2023-10-15T21:59:58.097" v="587" actId="21"/>
+          <ac:spMkLst>
+            <pc:docMk/>
+            <pc:sldMk cId="2230501479" sldId="257"/>
+            <ac:spMk id="196" creationId="{6F918353-9C4F-DCA0-1293-9B8A5F1A908A}"/>
+          </ac:spMkLst>
+        </pc:spChg>
+        <pc:spChg chg="add del mod">
+          <ac:chgData name="Fatima Pillosu" userId="a6295d4dc9e22643" providerId="LiveId" clId="{E2B223F2-0B33-4F85-811E-48E98266BFC0}" dt="2023-10-15T21:59:58.097" v="587" actId="21"/>
+          <ac:spMkLst>
+            <pc:docMk/>
+            <pc:sldMk cId="2230501479" sldId="257"/>
+            <ac:spMk id="197" creationId="{D60F04A1-A677-782F-408F-A27ADF082578}"/>
+          </ac:spMkLst>
+        </pc:spChg>
+        <pc:spChg chg="add del mod">
+          <ac:chgData name="Fatima Pillosu" userId="a6295d4dc9e22643" providerId="LiveId" clId="{E2B223F2-0B33-4F85-811E-48E98266BFC0}" dt="2023-10-15T21:59:58.097" v="587" actId="21"/>
+          <ac:spMkLst>
+            <pc:docMk/>
+            <pc:sldMk cId="2230501479" sldId="257"/>
+            <ac:spMk id="199" creationId="{965289EE-A035-CB83-ECB9-8BB2E3609A20}"/>
+          </ac:spMkLst>
+        </pc:spChg>
+        <pc:spChg chg="add del mod">
+          <ac:chgData name="Fatima Pillosu" userId="a6295d4dc9e22643" providerId="LiveId" clId="{E2B223F2-0B33-4F85-811E-48E98266BFC0}" dt="2023-10-15T21:59:58.097" v="587" actId="21"/>
+          <ac:spMkLst>
+            <pc:docMk/>
+            <pc:sldMk cId="2230501479" sldId="257"/>
+            <ac:spMk id="200" creationId="{1A828EB6-147A-25B9-16A2-822D6480951C}"/>
+          </ac:spMkLst>
+        </pc:spChg>
+        <pc:spChg chg="add del mod">
+          <ac:chgData name="Fatima Pillosu" userId="a6295d4dc9e22643" providerId="LiveId" clId="{E2B223F2-0B33-4F85-811E-48E98266BFC0}" dt="2023-10-15T21:59:58.097" v="587" actId="21"/>
+          <ac:spMkLst>
+            <pc:docMk/>
+            <pc:sldMk cId="2230501479" sldId="257"/>
+            <ac:spMk id="201" creationId="{9C41C7A3-DA9D-F378-135A-B79972EC90C2}"/>
+          </ac:spMkLst>
+        </pc:spChg>
+        <pc:spChg chg="add del mod">
+          <ac:chgData name="Fatima Pillosu" userId="a6295d4dc9e22643" providerId="LiveId" clId="{E2B223F2-0B33-4F85-811E-48E98266BFC0}" dt="2023-10-15T22:04:52.368" v="896" actId="21"/>
+          <ac:spMkLst>
+            <pc:docMk/>
+            <pc:sldMk cId="2230501479" sldId="257"/>
+            <ac:spMk id="203" creationId="{6E202E68-EA30-14C3-9074-5A8C051356A9}"/>
+          </ac:spMkLst>
+        </pc:spChg>
+        <pc:spChg chg="add del mod">
+          <ac:chgData name="Fatima Pillosu" userId="a6295d4dc9e22643" providerId="LiveId" clId="{E2B223F2-0B33-4F85-811E-48E98266BFC0}" dt="2023-10-15T22:04:52.368" v="896" actId="21"/>
+          <ac:spMkLst>
+            <pc:docMk/>
+            <pc:sldMk cId="2230501479" sldId="257"/>
+            <ac:spMk id="204" creationId="{5CBC580B-7ED3-2803-08C3-03F289026282}"/>
+          </ac:spMkLst>
+        </pc:spChg>
+        <pc:spChg chg="add del mod">
+          <ac:chgData name="Fatima Pillosu" userId="a6295d4dc9e22643" providerId="LiveId" clId="{E2B223F2-0B33-4F85-811E-48E98266BFC0}" dt="2023-10-15T22:04:52.368" v="896" actId="21"/>
+          <ac:spMkLst>
+            <pc:docMk/>
+            <pc:sldMk cId="2230501479" sldId="257"/>
+            <ac:spMk id="205" creationId="{75A2960A-8009-1D11-ED42-51BC6AE503DE}"/>
+          </ac:spMkLst>
+        </pc:spChg>
+        <pc:spChg chg="add del mod">
+          <ac:chgData name="Fatima Pillosu" userId="a6295d4dc9e22643" providerId="LiveId" clId="{E2B223F2-0B33-4F85-811E-48E98266BFC0}" dt="2023-10-15T22:04:52.368" v="896" actId="21"/>
+          <ac:spMkLst>
+            <pc:docMk/>
+            <pc:sldMk cId="2230501479" sldId="257"/>
+            <ac:spMk id="208" creationId="{140935CE-975D-6D7A-1EF4-720EE97B81A0}"/>
+          </ac:spMkLst>
+        </pc:spChg>
+        <pc:spChg chg="add del mod">
+          <ac:chgData name="Fatima Pillosu" userId="a6295d4dc9e22643" providerId="LiveId" clId="{E2B223F2-0B33-4F85-811E-48E98266BFC0}" dt="2023-10-15T22:04:52.368" v="896" actId="21"/>
+          <ac:spMkLst>
+            <pc:docMk/>
+            <pc:sldMk cId="2230501479" sldId="257"/>
+            <ac:spMk id="209" creationId="{822F7B8B-7872-0FC5-C8AE-8503E7E5FE05}"/>
+          </ac:spMkLst>
+        </pc:spChg>
+        <pc:spChg chg="add del mod">
+          <ac:chgData name="Fatima Pillosu" userId="a6295d4dc9e22643" providerId="LiveId" clId="{E2B223F2-0B33-4F85-811E-48E98266BFC0}" dt="2023-10-15T22:04:52.368" v="896" actId="21"/>
+          <ac:spMkLst>
+            <pc:docMk/>
+            <pc:sldMk cId="2230501479" sldId="257"/>
+            <ac:spMk id="210" creationId="{5917F3CA-898A-E503-72B3-2A4BED44F5F4}"/>
+          </ac:spMkLst>
+        </pc:spChg>
+        <pc:spChg chg="add del mod">
+          <ac:chgData name="Fatima Pillosu" userId="a6295d4dc9e22643" providerId="LiveId" clId="{E2B223F2-0B33-4F85-811E-48E98266BFC0}" dt="2023-10-15T22:04:52.368" v="896" actId="21"/>
+          <ac:spMkLst>
+            <pc:docMk/>
+            <pc:sldMk cId="2230501479" sldId="257"/>
+            <ac:spMk id="211" creationId="{0607707D-77F8-FBA7-F620-11B45C96189A}"/>
+          </ac:spMkLst>
+        </pc:spChg>
+        <pc:spChg chg="add del mod">
+          <ac:chgData name="Fatima Pillosu" userId="a6295d4dc9e22643" providerId="LiveId" clId="{E2B223F2-0B33-4F85-811E-48E98266BFC0}" dt="2023-10-15T22:04:52.368" v="896" actId="21"/>
+          <ac:spMkLst>
+            <pc:docMk/>
+            <pc:sldMk cId="2230501479" sldId="257"/>
+            <ac:spMk id="212" creationId="{159A74C7-CD50-C7E6-4267-88048970D7F1}"/>
+          </ac:spMkLst>
+        </pc:spChg>
+        <pc:spChg chg="add del mod">
+          <ac:chgData name="Fatima Pillosu" userId="a6295d4dc9e22643" providerId="LiveId" clId="{E2B223F2-0B33-4F85-811E-48E98266BFC0}" dt="2023-10-15T22:04:52.368" v="896" actId="21"/>
+          <ac:spMkLst>
+            <pc:docMk/>
+            <pc:sldMk cId="2230501479" sldId="257"/>
+            <ac:spMk id="213" creationId="{D219269D-2711-BE9F-8070-7085E8D679B1}"/>
+          </ac:spMkLst>
+        </pc:spChg>
+        <pc:spChg chg="add del mod">
+          <ac:chgData name="Fatima Pillosu" userId="a6295d4dc9e22643" providerId="LiveId" clId="{E2B223F2-0B33-4F85-811E-48E98266BFC0}" dt="2023-10-15T22:04:52.368" v="896" actId="21"/>
+          <ac:spMkLst>
+            <pc:docMk/>
+            <pc:sldMk cId="2230501479" sldId="257"/>
+            <ac:spMk id="214" creationId="{D35A2380-EF96-0927-705E-B3941F8BA657}"/>
+          </ac:spMkLst>
+        </pc:spChg>
+        <pc:spChg chg="add del mod">
+          <ac:chgData name="Fatima Pillosu" userId="a6295d4dc9e22643" providerId="LiveId" clId="{E2B223F2-0B33-4F85-811E-48E98266BFC0}" dt="2023-10-15T22:04:52.368" v="896" actId="21"/>
+          <ac:spMkLst>
+            <pc:docMk/>
+            <pc:sldMk cId="2230501479" sldId="257"/>
+            <ac:spMk id="217" creationId="{F102C481-5CF3-2D1D-6ED7-1E6805CD0D80}"/>
+          </ac:spMkLst>
+        </pc:spChg>
+        <pc:spChg chg="add del mod">
+          <ac:chgData name="Fatima Pillosu" userId="a6295d4dc9e22643" providerId="LiveId" clId="{E2B223F2-0B33-4F85-811E-48E98266BFC0}" dt="2023-10-15T22:04:52.368" v="896" actId="21"/>
+          <ac:spMkLst>
+            <pc:docMk/>
+            <pc:sldMk cId="2230501479" sldId="257"/>
+            <ac:spMk id="218" creationId="{4D251619-A2DC-0427-D2C6-EDE67A8F60F6}"/>
+          </ac:spMkLst>
+        </pc:spChg>
+        <pc:spChg chg="add del mod">
+          <ac:chgData name="Fatima Pillosu" userId="a6295d4dc9e22643" providerId="LiveId" clId="{E2B223F2-0B33-4F85-811E-48E98266BFC0}" dt="2023-10-15T22:04:52.368" v="896" actId="21"/>
+          <ac:spMkLst>
+            <pc:docMk/>
+            <pc:sldMk cId="2230501479" sldId="257"/>
+            <ac:spMk id="219" creationId="{9824C430-3F98-B4E1-A979-DFE29A16BE58}"/>
+          </ac:spMkLst>
+        </pc:spChg>
+        <pc:spChg chg="add del mod">
+          <ac:chgData name="Fatima Pillosu" userId="a6295d4dc9e22643" providerId="LiveId" clId="{E2B223F2-0B33-4F85-811E-48E98266BFC0}" dt="2023-10-15T22:04:52.368" v="896" actId="21"/>
+          <ac:spMkLst>
+            <pc:docMk/>
+            <pc:sldMk cId="2230501479" sldId="257"/>
+            <ac:spMk id="220" creationId="{3E704CDE-41EC-90AE-A835-105987CC7DEC}"/>
+          </ac:spMkLst>
+        </pc:spChg>
+        <pc:spChg chg="add del mod">
+          <ac:chgData name="Fatima Pillosu" userId="a6295d4dc9e22643" providerId="LiveId" clId="{E2B223F2-0B33-4F85-811E-48E98266BFC0}" dt="2023-10-15T22:04:52.368" v="896" actId="21"/>
+          <ac:spMkLst>
+            <pc:docMk/>
+            <pc:sldMk cId="2230501479" sldId="257"/>
+            <ac:spMk id="221" creationId="{694D384C-2B5B-8F19-8B45-59EE9D76B26D}"/>
+          </ac:spMkLst>
+        </pc:spChg>
+        <pc:spChg chg="add del mod">
+          <ac:chgData name="Fatima Pillosu" userId="a6295d4dc9e22643" providerId="LiveId" clId="{E2B223F2-0B33-4F85-811E-48E98266BFC0}" dt="2023-10-15T22:04:52.368" v="896" actId="21"/>
+          <ac:spMkLst>
+            <pc:docMk/>
+            <pc:sldMk cId="2230501479" sldId="257"/>
+            <ac:spMk id="222" creationId="{411B06F5-C53E-FA97-7A11-C58EB93BD7C6}"/>
+          </ac:spMkLst>
+        </pc:spChg>
+        <pc:spChg chg="add del mod">
+          <ac:chgData name="Fatima Pillosu" userId="a6295d4dc9e22643" providerId="LiveId" clId="{E2B223F2-0B33-4F85-811E-48E98266BFC0}" dt="2023-10-15T22:04:52.368" v="896" actId="21"/>
+          <ac:spMkLst>
+            <pc:docMk/>
+            <pc:sldMk cId="2230501479" sldId="257"/>
+            <ac:spMk id="223" creationId="{81421D5E-090A-5B5A-4840-F256451EF62B}"/>
+          </ac:spMkLst>
+        </pc:spChg>
+        <pc:spChg chg="add del mod">
+          <ac:chgData name="Fatima Pillosu" userId="a6295d4dc9e22643" providerId="LiveId" clId="{E2B223F2-0B33-4F85-811E-48E98266BFC0}" dt="2023-10-15T22:04:52.368" v="896" actId="21"/>
+          <ac:spMkLst>
+            <pc:docMk/>
+            <pc:sldMk cId="2230501479" sldId="257"/>
+            <ac:spMk id="226" creationId="{6A93C75C-AE83-E090-2E84-16C8E95756D5}"/>
+          </ac:spMkLst>
+        </pc:spChg>
+        <pc:spChg chg="add del mod">
+          <ac:chgData name="Fatima Pillosu" userId="a6295d4dc9e22643" providerId="LiveId" clId="{E2B223F2-0B33-4F85-811E-48E98266BFC0}" dt="2023-10-15T22:04:52.368" v="896" actId="21"/>
+          <ac:spMkLst>
+            <pc:docMk/>
+            <pc:sldMk cId="2230501479" sldId="257"/>
+            <ac:spMk id="227" creationId="{0B38EA86-05F5-4AD3-21D7-3D8BC5CD278F}"/>
+          </ac:spMkLst>
+        </pc:spChg>
+        <pc:spChg chg="add del mod">
+          <ac:chgData name="Fatima Pillosu" userId="a6295d4dc9e22643" providerId="LiveId" clId="{E2B223F2-0B33-4F85-811E-48E98266BFC0}" dt="2023-10-15T22:04:52.368" v="896" actId="21"/>
+          <ac:spMkLst>
+            <pc:docMk/>
+            <pc:sldMk cId="2230501479" sldId="257"/>
+            <ac:spMk id="228" creationId="{92DF73F9-BF62-9A55-97A0-4DD9F5D77C15}"/>
+          </ac:spMkLst>
+        </pc:spChg>
+        <pc:spChg chg="add del mod">
+          <ac:chgData name="Fatima Pillosu" userId="a6295d4dc9e22643" providerId="LiveId" clId="{E2B223F2-0B33-4F85-811E-48E98266BFC0}" dt="2023-10-15T22:04:52.368" v="896" actId="21"/>
+          <ac:spMkLst>
+            <pc:docMk/>
+            <pc:sldMk cId="2230501479" sldId="257"/>
+            <ac:spMk id="229" creationId="{7C08E335-323B-22B3-E723-EB28744D82D5}"/>
+          </ac:spMkLst>
+        </pc:spChg>
+        <pc:spChg chg="add del mod">
+          <ac:chgData name="Fatima Pillosu" userId="a6295d4dc9e22643" providerId="LiveId" clId="{E2B223F2-0B33-4F85-811E-48E98266BFC0}" dt="2023-10-15T22:04:52.368" v="896" actId="21"/>
+          <ac:spMkLst>
+            <pc:docMk/>
+            <pc:sldMk cId="2230501479" sldId="257"/>
+            <ac:spMk id="230" creationId="{FE6DF53C-551A-84FD-736A-C8DF68262E50}"/>
+          </ac:spMkLst>
+        </pc:spChg>
+        <pc:spChg chg="add del mod">
+          <ac:chgData name="Fatima Pillosu" userId="a6295d4dc9e22643" providerId="LiveId" clId="{E2B223F2-0B33-4F85-811E-48E98266BFC0}" dt="2023-10-15T22:04:52.368" v="896" actId="21"/>
+          <ac:spMkLst>
+            <pc:docMk/>
+            <pc:sldMk cId="2230501479" sldId="257"/>
+            <ac:spMk id="231" creationId="{38A2CA0F-15E3-D10F-0478-EDD2803222CF}"/>
+          </ac:spMkLst>
+        </pc:spChg>
+        <pc:spChg chg="add del mod">
+          <ac:chgData name="Fatima Pillosu" userId="a6295d4dc9e22643" providerId="LiveId" clId="{E2B223F2-0B33-4F85-811E-48E98266BFC0}" dt="2023-10-15T22:04:52.368" v="896" actId="21"/>
+          <ac:spMkLst>
+            <pc:docMk/>
+            <pc:sldMk cId="2230501479" sldId="257"/>
+            <ac:spMk id="232" creationId="{0D9F6EE7-B687-2BEA-3BE9-245031D9E160}"/>
+          </ac:spMkLst>
+        </pc:spChg>
+        <pc:spChg chg="add del mod">
+          <ac:chgData name="Fatima Pillosu" userId="a6295d4dc9e22643" providerId="LiveId" clId="{E2B223F2-0B33-4F85-811E-48E98266BFC0}" dt="2023-10-15T22:04:52.368" v="896" actId="21"/>
+          <ac:spMkLst>
+            <pc:docMk/>
+            <pc:sldMk cId="2230501479" sldId="257"/>
+            <ac:spMk id="233" creationId="{F26330BC-E942-14A4-19EB-414AD7A8C786}"/>
+          </ac:spMkLst>
+        </pc:spChg>
+        <pc:spChg chg="add del mod">
+          <ac:chgData name="Fatima Pillosu" userId="a6295d4dc9e22643" providerId="LiveId" clId="{E2B223F2-0B33-4F85-811E-48E98266BFC0}" dt="2023-10-15T22:04:52.368" v="896" actId="21"/>
+          <ac:spMkLst>
+            <pc:docMk/>
+            <pc:sldMk cId="2230501479" sldId="257"/>
+            <ac:spMk id="234" creationId="{E91F8F38-F4A1-441F-5056-F0C0CC20D1F5}"/>
+          </ac:spMkLst>
+        </pc:spChg>
+        <pc:spChg chg="add del mod">
+          <ac:chgData name="Fatima Pillosu" userId="a6295d4dc9e22643" providerId="LiveId" clId="{E2B223F2-0B33-4F85-811E-48E98266BFC0}" dt="2023-10-15T22:04:52.368" v="896" actId="21"/>
+          <ac:spMkLst>
+            <pc:docMk/>
+            <pc:sldMk cId="2230501479" sldId="257"/>
+            <ac:spMk id="235" creationId="{A6053EBA-D528-4926-8127-5B05970C4BD1}"/>
+          </ac:spMkLst>
+        </pc:spChg>
+        <pc:spChg chg="add del mod">
+          <ac:chgData name="Fatima Pillosu" userId="a6295d4dc9e22643" providerId="LiveId" clId="{E2B223F2-0B33-4F85-811E-48E98266BFC0}" dt="2023-10-15T22:04:52.368" v="896" actId="21"/>
+          <ac:spMkLst>
+            <pc:docMk/>
+            <pc:sldMk cId="2230501479" sldId="257"/>
+            <ac:spMk id="236" creationId="{967A6296-3D54-223F-CF82-8E86739AE53B}"/>
+          </ac:spMkLst>
+        </pc:spChg>
+        <pc:spChg chg="add del mod">
+          <ac:chgData name="Fatima Pillosu" userId="a6295d4dc9e22643" providerId="LiveId" clId="{E2B223F2-0B33-4F85-811E-48E98266BFC0}" dt="2023-10-15T22:04:52.368" v="896" actId="21"/>
+          <ac:spMkLst>
+            <pc:docMk/>
+            <pc:sldMk cId="2230501479" sldId="257"/>
+            <ac:spMk id="237" creationId="{12E93C82-86BD-05B4-2ACF-4C00E4249A99}"/>
+          </ac:spMkLst>
+        </pc:spChg>
+        <pc:spChg chg="add del mod">
+          <ac:chgData name="Fatima Pillosu" userId="a6295d4dc9e22643" providerId="LiveId" clId="{E2B223F2-0B33-4F85-811E-48E98266BFC0}" dt="2023-10-15T22:04:52.368" v="896" actId="21"/>
+          <ac:spMkLst>
+            <pc:docMk/>
+            <pc:sldMk cId="2230501479" sldId="257"/>
+            <ac:spMk id="241" creationId="{BA08D39F-3A0C-C0A0-F3A4-7A450BB1F13A}"/>
+          </ac:spMkLst>
+        </pc:spChg>
+        <pc:spChg chg="add del mod">
+          <ac:chgData name="Fatima Pillosu" userId="a6295d4dc9e22643" providerId="LiveId" clId="{E2B223F2-0B33-4F85-811E-48E98266BFC0}" dt="2023-10-15T22:04:52.368" v="896" actId="21"/>
+          <ac:spMkLst>
+            <pc:docMk/>
+            <pc:sldMk cId="2230501479" sldId="257"/>
+            <ac:spMk id="242" creationId="{622C76B3-95C0-46E3-A32F-E3C05FEB7E1E}"/>
+          </ac:spMkLst>
+        </pc:spChg>
+        <pc:spChg chg="add del mod">
+          <ac:chgData name="Fatima Pillosu" userId="a6295d4dc9e22643" providerId="LiveId" clId="{E2B223F2-0B33-4F85-811E-48E98266BFC0}" dt="2023-10-15T22:04:52.368" v="896" actId="21"/>
+          <ac:spMkLst>
+            <pc:docMk/>
+            <pc:sldMk cId="2230501479" sldId="257"/>
+            <ac:spMk id="243" creationId="{4F1B0DFB-6B0B-2CF7-5286-DFFF370FC078}"/>
+          </ac:spMkLst>
+        </pc:spChg>
+        <pc:spChg chg="add del mod">
+          <ac:chgData name="Fatima Pillosu" userId="a6295d4dc9e22643" providerId="LiveId" clId="{E2B223F2-0B33-4F85-811E-48E98266BFC0}" dt="2023-10-15T22:04:52.368" v="896" actId="21"/>
+          <ac:spMkLst>
+            <pc:docMk/>
+            <pc:sldMk cId="2230501479" sldId="257"/>
+            <ac:spMk id="244" creationId="{8886E357-1B7A-F7E5-B0F5-421172FBB9B7}"/>
+          </ac:spMkLst>
+        </pc:spChg>
+        <pc:spChg chg="add del mod">
+          <ac:chgData name="Fatima Pillosu" userId="a6295d4dc9e22643" providerId="LiveId" clId="{E2B223F2-0B33-4F85-811E-48E98266BFC0}" dt="2023-10-15T22:04:52.368" v="896" actId="21"/>
+          <ac:spMkLst>
+            <pc:docMk/>
+            <pc:sldMk cId="2230501479" sldId="257"/>
+            <ac:spMk id="245" creationId="{3E8F0C9B-C347-1717-D619-C378FDA0860B}"/>
+          </ac:spMkLst>
+        </pc:spChg>
+        <pc:spChg chg="add del mod">
+          <ac:chgData name="Fatima Pillosu" userId="a6295d4dc9e22643" providerId="LiveId" clId="{E2B223F2-0B33-4F85-811E-48E98266BFC0}" dt="2023-10-15T22:04:52.368" v="896" actId="21"/>
+          <ac:spMkLst>
+            <pc:docMk/>
+            <pc:sldMk cId="2230501479" sldId="257"/>
+            <ac:spMk id="247" creationId="{B7D42F36-0A1C-15BB-EB36-BDAAC5D1535F}"/>
+          </ac:spMkLst>
+        </pc:spChg>
+        <pc:spChg chg="add del mod">
+          <ac:chgData name="Fatima Pillosu" userId="a6295d4dc9e22643" providerId="LiveId" clId="{E2B223F2-0B33-4F85-811E-48E98266BFC0}" dt="2023-10-15T22:04:52.368" v="896" actId="21"/>
+          <ac:spMkLst>
+            <pc:docMk/>
+            <pc:sldMk cId="2230501479" sldId="257"/>
+            <ac:spMk id="249" creationId="{1A98EB4E-D5F9-0B29-C893-B10207E69A83}"/>
+          </ac:spMkLst>
+        </pc:spChg>
+        <pc:spChg chg="add del mod">
+          <ac:chgData name="Fatima Pillosu" userId="a6295d4dc9e22643" providerId="LiveId" clId="{E2B223F2-0B33-4F85-811E-48E98266BFC0}" dt="2023-10-15T22:04:52.368" v="896" actId="21"/>
+          <ac:spMkLst>
+            <pc:docMk/>
+            <pc:sldMk cId="2230501479" sldId="257"/>
+            <ac:spMk id="250" creationId="{D7AF2702-8FED-E167-858F-EA97D7B8A89D}"/>
+          </ac:spMkLst>
+        </pc:spChg>
+        <pc:spChg chg="add del mod">
+          <ac:chgData name="Fatima Pillosu" userId="a6295d4dc9e22643" providerId="LiveId" clId="{E2B223F2-0B33-4F85-811E-48E98266BFC0}" dt="2023-10-15T22:04:52.368" v="896" actId="21"/>
+          <ac:spMkLst>
+            <pc:docMk/>
+            <pc:sldMk cId="2230501479" sldId="257"/>
+            <ac:spMk id="251" creationId="{CA68047F-5D31-AF31-DCFB-47FC9899D678}"/>
+          </ac:spMkLst>
+        </pc:spChg>
+        <pc:spChg chg="add del mod">
+          <ac:chgData name="Fatima Pillosu" userId="a6295d4dc9e22643" providerId="LiveId" clId="{E2B223F2-0B33-4F85-811E-48E98266BFC0}" dt="2023-10-15T22:04:52.368" v="896" actId="21"/>
+          <ac:spMkLst>
+            <pc:docMk/>
+            <pc:sldMk cId="2230501479" sldId="257"/>
+            <ac:spMk id="252" creationId="{955ECA56-2268-1D28-E352-8D2D9AFB8EF2}"/>
+          </ac:spMkLst>
+        </pc:spChg>
+        <pc:spChg chg="add del mod">
+          <ac:chgData name="Fatima Pillosu" userId="a6295d4dc9e22643" providerId="LiveId" clId="{E2B223F2-0B33-4F85-811E-48E98266BFC0}" dt="2023-10-15T22:04:52.368" v="896" actId="21"/>
+          <ac:spMkLst>
+            <pc:docMk/>
+            <pc:sldMk cId="2230501479" sldId="257"/>
+            <ac:spMk id="253" creationId="{17B0F86A-CEAE-D6BE-50A2-ACD4C0842AE0}"/>
+          </ac:spMkLst>
+        </pc:spChg>
+        <pc:spChg chg="add del mod">
+          <ac:chgData name="Fatima Pillosu" userId="a6295d4dc9e22643" providerId="LiveId" clId="{E2B223F2-0B33-4F85-811E-48E98266BFC0}" dt="2023-10-15T22:04:52.368" v="896" actId="21"/>
+          <ac:spMkLst>
+            <pc:docMk/>
+            <pc:sldMk cId="2230501479" sldId="257"/>
+            <ac:spMk id="255" creationId="{F36CD08B-CF7A-73CC-D449-2DCED8EB0CE6}"/>
+          </ac:spMkLst>
+        </pc:spChg>
+        <pc:spChg chg="add del mod">
+          <ac:chgData name="Fatima Pillosu" userId="a6295d4dc9e22643" providerId="LiveId" clId="{E2B223F2-0B33-4F85-811E-48E98266BFC0}" dt="2023-10-15T22:04:52.368" v="896" actId="21"/>
+          <ac:spMkLst>
+            <pc:docMk/>
+            <pc:sldMk cId="2230501479" sldId="257"/>
+            <ac:spMk id="256" creationId="{223EB11F-7293-3E23-B810-86AB21DFB6FB}"/>
+          </ac:spMkLst>
+        </pc:spChg>
+        <pc:spChg chg="add del mod">
+          <ac:chgData name="Fatima Pillosu" userId="a6295d4dc9e22643" providerId="LiveId" clId="{E2B223F2-0B33-4F85-811E-48E98266BFC0}" dt="2023-10-15T22:04:52.368" v="896" actId="21"/>
+          <ac:spMkLst>
+            <pc:docMk/>
+            <pc:sldMk cId="2230501479" sldId="257"/>
+            <ac:spMk id="257" creationId="{D49978FB-8F30-C988-DCC5-11196D7E88D0}"/>
+          </ac:spMkLst>
+        </pc:spChg>
+        <pc:spChg chg="add del mod">
+          <ac:chgData name="Fatima Pillosu" userId="a6295d4dc9e22643" providerId="LiveId" clId="{E2B223F2-0B33-4F85-811E-48E98266BFC0}" dt="2023-10-15T22:04:52.368" v="896" actId="21"/>
+          <ac:spMkLst>
+            <pc:docMk/>
+            <pc:sldMk cId="2230501479" sldId="257"/>
+            <ac:spMk id="258" creationId="{C4630AAF-8397-502B-7B9C-B3024441DF08}"/>
+          </ac:spMkLst>
+        </pc:spChg>
+        <pc:spChg chg="add mod">
+          <ac:chgData name="Fatima Pillosu" userId="a6295d4dc9e22643" providerId="LiveId" clId="{E2B223F2-0B33-4F85-811E-48E98266BFC0}" dt="2023-10-15T22:05:09.652" v="897"/>
+          <ac:spMkLst>
+            <pc:docMk/>
+            <pc:sldMk cId="2230501479" sldId="257"/>
+            <ac:spMk id="260" creationId="{70782F13-EA16-B55E-9C8E-88EC31E291E6}"/>
+          </ac:spMkLst>
+        </pc:spChg>
+        <pc:spChg chg="add mod">
+          <ac:chgData name="Fatima Pillosu" userId="a6295d4dc9e22643" providerId="LiveId" clId="{E2B223F2-0B33-4F85-811E-48E98266BFC0}" dt="2023-10-15T22:05:09.652" v="897"/>
+          <ac:spMkLst>
+            <pc:docMk/>
+            <pc:sldMk cId="2230501479" sldId="257"/>
+            <ac:spMk id="261" creationId="{FCEDB6BC-4199-ED78-61CB-CC1EA2B474A0}"/>
+          </ac:spMkLst>
+        </pc:spChg>
+        <pc:spChg chg="add mod">
+          <ac:chgData name="Fatima Pillosu" userId="a6295d4dc9e22643" providerId="LiveId" clId="{E2B223F2-0B33-4F85-811E-48E98266BFC0}" dt="2023-10-15T22:05:09.652" v="897"/>
+          <ac:spMkLst>
+            <pc:docMk/>
+            <pc:sldMk cId="2230501479" sldId="257"/>
+            <ac:spMk id="262" creationId="{2D2908E6-9674-DAE8-247F-C9504BC68AE4}"/>
+          </ac:spMkLst>
+        </pc:spChg>
+        <pc:spChg chg="add mod">
+          <ac:chgData name="Fatima Pillosu" userId="a6295d4dc9e22643" providerId="LiveId" clId="{E2B223F2-0B33-4F85-811E-48E98266BFC0}" dt="2023-10-15T22:05:09.652" v="897"/>
+          <ac:spMkLst>
+            <pc:docMk/>
+            <pc:sldMk cId="2230501479" sldId="257"/>
+            <ac:spMk id="265" creationId="{1FE12FBA-D3BB-BEA8-CACB-BF0C60782ED3}"/>
+          </ac:spMkLst>
+        </pc:spChg>
+        <pc:spChg chg="add mod">
+          <ac:chgData name="Fatima Pillosu" userId="a6295d4dc9e22643" providerId="LiveId" clId="{E2B223F2-0B33-4F85-811E-48E98266BFC0}" dt="2023-10-15T22:05:09.652" v="897"/>
+          <ac:spMkLst>
+            <pc:docMk/>
+            <pc:sldMk cId="2230501479" sldId="257"/>
+            <ac:spMk id="266" creationId="{6862EDBC-3D45-0EBC-74DF-02329855674C}"/>
+          </ac:spMkLst>
+        </pc:spChg>
+        <pc:spChg chg="add mod">
+          <ac:chgData name="Fatima Pillosu" userId="a6295d4dc9e22643" providerId="LiveId" clId="{E2B223F2-0B33-4F85-811E-48E98266BFC0}" dt="2023-10-15T22:05:09.652" v="897"/>
+          <ac:spMkLst>
+            <pc:docMk/>
+            <pc:sldMk cId="2230501479" sldId="257"/>
+            <ac:spMk id="267" creationId="{249B19D2-63D7-E081-65B7-5F2E7FC6CD16}"/>
+          </ac:spMkLst>
+        </pc:spChg>
+        <pc:spChg chg="add mod">
+          <ac:chgData name="Fatima Pillosu" userId="a6295d4dc9e22643" providerId="LiveId" clId="{E2B223F2-0B33-4F85-811E-48E98266BFC0}" dt="2023-10-15T22:15:19.222" v="918" actId="20577"/>
+          <ac:spMkLst>
+            <pc:docMk/>
+            <pc:sldMk cId="2230501479" sldId="257"/>
+            <ac:spMk id="268" creationId="{4F86C39E-00F8-C8B3-2B35-8425FC8F93DF}"/>
+          </ac:spMkLst>
+        </pc:spChg>
+        <pc:spChg chg="add mod">
+          <ac:chgData name="Fatima Pillosu" userId="a6295d4dc9e22643" providerId="LiveId" clId="{E2B223F2-0B33-4F85-811E-48E98266BFC0}" dt="2023-10-15T22:05:09.652" v="897"/>
+          <ac:spMkLst>
+            <pc:docMk/>
+            <pc:sldMk cId="2230501479" sldId="257"/>
+            <ac:spMk id="269" creationId="{43976354-E6FC-7138-543B-3D58B703D93E}"/>
+          </ac:spMkLst>
+        </pc:spChg>
+        <pc:spChg chg="add mod">
+          <ac:chgData name="Fatima Pillosu" userId="a6295d4dc9e22643" providerId="LiveId" clId="{E2B223F2-0B33-4F85-811E-48E98266BFC0}" dt="2023-10-15T22:05:09.652" v="897"/>
+          <ac:spMkLst>
+            <pc:docMk/>
+            <pc:sldMk cId="2230501479" sldId="257"/>
+            <ac:spMk id="270" creationId="{FF4D6FED-3F3F-C316-242D-6E0758A97634}"/>
+          </ac:spMkLst>
+        </pc:spChg>
+        <pc:spChg chg="add mod">
+          <ac:chgData name="Fatima Pillosu" userId="a6295d4dc9e22643" providerId="LiveId" clId="{E2B223F2-0B33-4F85-811E-48E98266BFC0}" dt="2023-10-15T22:05:09.652" v="897"/>
+          <ac:spMkLst>
+            <pc:docMk/>
+            <pc:sldMk cId="2230501479" sldId="257"/>
+            <ac:spMk id="271" creationId="{5CB6F0F6-96A9-0AE0-F92E-6ECBEA13232D}"/>
+          </ac:spMkLst>
+        </pc:spChg>
+        <pc:spChg chg="add mod">
+          <ac:chgData name="Fatima Pillosu" userId="a6295d4dc9e22643" providerId="LiveId" clId="{E2B223F2-0B33-4F85-811E-48E98266BFC0}" dt="2023-10-15T22:05:09.652" v="897"/>
+          <ac:spMkLst>
+            <pc:docMk/>
+            <pc:sldMk cId="2230501479" sldId="257"/>
+            <ac:spMk id="274" creationId="{16FE8170-7D4B-BEBB-3218-3E46A1448BEE}"/>
+          </ac:spMkLst>
+        </pc:spChg>
+        <pc:spChg chg="add mod">
+          <ac:chgData name="Fatima Pillosu" userId="a6295d4dc9e22643" providerId="LiveId" clId="{E2B223F2-0B33-4F85-811E-48E98266BFC0}" dt="2023-10-15T22:05:09.652" v="897"/>
+          <ac:spMkLst>
+            <pc:docMk/>
+            <pc:sldMk cId="2230501479" sldId="257"/>
+            <ac:spMk id="275" creationId="{78007B69-ABD7-9408-E931-682D80838AD9}"/>
+          </ac:spMkLst>
+        </pc:spChg>
+        <pc:spChg chg="add mod">
+          <ac:chgData name="Fatima Pillosu" userId="a6295d4dc9e22643" providerId="LiveId" clId="{E2B223F2-0B33-4F85-811E-48E98266BFC0}" dt="2023-10-15T22:05:09.652" v="897"/>
+          <ac:spMkLst>
+            <pc:docMk/>
+            <pc:sldMk cId="2230501479" sldId="257"/>
+            <ac:spMk id="276" creationId="{A923D732-41A6-7D47-D291-1CE8F455A5EC}"/>
+          </ac:spMkLst>
+        </pc:spChg>
+        <pc:spChg chg="add mod">
+          <ac:chgData name="Fatima Pillosu" userId="a6295d4dc9e22643" providerId="LiveId" clId="{E2B223F2-0B33-4F85-811E-48E98266BFC0}" dt="2023-10-15T22:05:09.652" v="897"/>
+          <ac:spMkLst>
+            <pc:docMk/>
+            <pc:sldMk cId="2230501479" sldId="257"/>
+            <ac:spMk id="277" creationId="{E8BA12D8-3FFB-0764-542B-0E198F31ECD4}"/>
+          </ac:spMkLst>
+        </pc:spChg>
+        <pc:spChg chg="add mod">
+          <ac:chgData name="Fatima Pillosu" userId="a6295d4dc9e22643" providerId="LiveId" clId="{E2B223F2-0B33-4F85-811E-48E98266BFC0}" dt="2023-10-15T22:05:09.652" v="897"/>
+          <ac:spMkLst>
+            <pc:docMk/>
+            <pc:sldMk cId="2230501479" sldId="257"/>
+            <ac:spMk id="278" creationId="{6D99D99F-645B-5A38-17D7-89A0E59C8C43}"/>
+          </ac:spMkLst>
+        </pc:spChg>
+        <pc:spChg chg="add mod">
+          <ac:chgData name="Fatima Pillosu" userId="a6295d4dc9e22643" providerId="LiveId" clId="{E2B223F2-0B33-4F85-811E-48E98266BFC0}" dt="2023-10-15T22:05:09.652" v="897"/>
+          <ac:spMkLst>
+            <pc:docMk/>
+            <pc:sldMk cId="2230501479" sldId="257"/>
+            <ac:spMk id="279" creationId="{7DBD1152-3C90-3EFB-70BD-8BD095F0F432}"/>
+          </ac:spMkLst>
+        </pc:spChg>
+        <pc:spChg chg="add mod">
+          <ac:chgData name="Fatima Pillosu" userId="a6295d4dc9e22643" providerId="LiveId" clId="{E2B223F2-0B33-4F85-811E-48E98266BFC0}" dt="2023-10-15T22:05:09.652" v="897"/>
+          <ac:spMkLst>
+            <pc:docMk/>
+            <pc:sldMk cId="2230501479" sldId="257"/>
+            <ac:spMk id="280" creationId="{764C87BB-7F15-A18B-2AD6-EA79100DD23D}"/>
+          </ac:spMkLst>
+        </pc:spChg>
+        <pc:spChg chg="add mod">
+          <ac:chgData name="Fatima Pillosu" userId="a6295d4dc9e22643" providerId="LiveId" clId="{E2B223F2-0B33-4F85-811E-48E98266BFC0}" dt="2023-10-15T22:05:09.652" v="897"/>
+          <ac:spMkLst>
+            <pc:docMk/>
+            <pc:sldMk cId="2230501479" sldId="257"/>
+            <ac:spMk id="283" creationId="{8DAEF02B-7F28-7789-54C3-D3BD9A60EA02}"/>
+          </ac:spMkLst>
+        </pc:spChg>
+        <pc:spChg chg="add mod">
+          <ac:chgData name="Fatima Pillosu" userId="a6295d4dc9e22643" providerId="LiveId" clId="{E2B223F2-0B33-4F85-811E-48E98266BFC0}" dt="2023-10-15T22:05:09.652" v="897"/>
+          <ac:spMkLst>
+            <pc:docMk/>
+            <pc:sldMk cId="2230501479" sldId="257"/>
+            <ac:spMk id="284" creationId="{60FB7CC3-1FB9-3BDC-DA2B-3AA7B395608E}"/>
+          </ac:spMkLst>
+        </pc:spChg>
+        <pc:spChg chg="add mod">
+          <ac:chgData name="Fatima Pillosu" userId="a6295d4dc9e22643" providerId="LiveId" clId="{E2B223F2-0B33-4F85-811E-48E98266BFC0}" dt="2023-10-15T22:05:09.652" v="897"/>
+          <ac:spMkLst>
+            <pc:docMk/>
+            <pc:sldMk cId="2230501479" sldId="257"/>
+            <ac:spMk id="285" creationId="{E7509D0D-86E3-4926-9CC8-AE723A307616}"/>
+          </ac:spMkLst>
+        </pc:spChg>
+        <pc:spChg chg="add mod">
+          <ac:chgData name="Fatima Pillosu" userId="a6295d4dc9e22643" providerId="LiveId" clId="{E2B223F2-0B33-4F85-811E-48E98266BFC0}" dt="2023-10-15T22:05:09.652" v="897"/>
+          <ac:spMkLst>
+            <pc:docMk/>
+            <pc:sldMk cId="2230501479" sldId="257"/>
+            <ac:spMk id="286" creationId="{F46E4B6D-9B34-0B61-333F-075563FFA06B}"/>
+          </ac:spMkLst>
+        </pc:spChg>
+        <pc:spChg chg="add mod">
+          <ac:chgData name="Fatima Pillosu" userId="a6295d4dc9e22643" providerId="LiveId" clId="{E2B223F2-0B33-4F85-811E-48E98266BFC0}" dt="2023-10-15T22:05:09.652" v="897"/>
+          <ac:spMkLst>
+            <pc:docMk/>
+            <pc:sldMk cId="2230501479" sldId="257"/>
+            <ac:spMk id="287" creationId="{4944B0E1-955E-9DE6-ADFC-001F04CEFA81}"/>
+          </ac:spMkLst>
+        </pc:spChg>
+        <pc:spChg chg="add mod">
+          <ac:chgData name="Fatima Pillosu" userId="a6295d4dc9e22643" providerId="LiveId" clId="{E2B223F2-0B33-4F85-811E-48E98266BFC0}" dt="2023-10-15T22:05:09.652" v="897"/>
+          <ac:spMkLst>
+            <pc:docMk/>
+            <pc:sldMk cId="2230501479" sldId="257"/>
+            <ac:spMk id="288" creationId="{BBF92DA2-6C38-4A7D-24CD-B7EA958F7FF7}"/>
+          </ac:spMkLst>
+        </pc:spChg>
+        <pc:spChg chg="add mod">
+          <ac:chgData name="Fatima Pillosu" userId="a6295d4dc9e22643" providerId="LiveId" clId="{E2B223F2-0B33-4F85-811E-48E98266BFC0}" dt="2023-10-15T22:05:09.652" v="897"/>
+          <ac:spMkLst>
+            <pc:docMk/>
+            <pc:sldMk cId="2230501479" sldId="257"/>
+            <ac:spMk id="289" creationId="{A08D0FF9-801C-046D-B701-AB0BA34FC6EA}"/>
+          </ac:spMkLst>
+        </pc:spChg>
+        <pc:spChg chg="add mod">
+          <ac:chgData name="Fatima Pillosu" userId="a6295d4dc9e22643" providerId="LiveId" clId="{E2B223F2-0B33-4F85-811E-48E98266BFC0}" dt="2023-10-15T22:05:09.652" v="897"/>
+          <ac:spMkLst>
+            <pc:docMk/>
+            <pc:sldMk cId="2230501479" sldId="257"/>
+            <ac:spMk id="290" creationId="{C5758BBF-EF0E-0C56-8F70-AC16141C8541}"/>
+          </ac:spMkLst>
+        </pc:spChg>
+        <pc:spChg chg="add mod">
+          <ac:chgData name="Fatima Pillosu" userId="a6295d4dc9e22643" providerId="LiveId" clId="{E2B223F2-0B33-4F85-811E-48E98266BFC0}" dt="2023-10-15T22:05:09.652" v="897"/>
+          <ac:spMkLst>
+            <pc:docMk/>
+            <pc:sldMk cId="2230501479" sldId="257"/>
+            <ac:spMk id="291" creationId="{DA53CE5F-4586-0BC7-F36E-E929D03B8FA9}"/>
+          </ac:spMkLst>
+        </pc:spChg>
+        <pc:spChg chg="add mod">
+          <ac:chgData name="Fatima Pillosu" userId="a6295d4dc9e22643" providerId="LiveId" clId="{E2B223F2-0B33-4F85-811E-48E98266BFC0}" dt="2023-10-15T22:05:09.652" v="897"/>
+          <ac:spMkLst>
+            <pc:docMk/>
+            <pc:sldMk cId="2230501479" sldId="257"/>
+            <ac:spMk id="292" creationId="{67A4D0C6-60C4-152C-5E66-22B53EDB3ECB}"/>
+          </ac:spMkLst>
+        </pc:spChg>
+        <pc:spChg chg="add mod">
+          <ac:chgData name="Fatima Pillosu" userId="a6295d4dc9e22643" providerId="LiveId" clId="{E2B223F2-0B33-4F85-811E-48E98266BFC0}" dt="2023-10-15T22:05:09.652" v="897"/>
+          <ac:spMkLst>
+            <pc:docMk/>
+            <pc:sldMk cId="2230501479" sldId="257"/>
+            <ac:spMk id="293" creationId="{CE9C72AA-72BE-DB65-44E5-47E6FF965EC4}"/>
+          </ac:spMkLst>
+        </pc:spChg>
+        <pc:spChg chg="add mod">
+          <ac:chgData name="Fatima Pillosu" userId="a6295d4dc9e22643" providerId="LiveId" clId="{E2B223F2-0B33-4F85-811E-48E98266BFC0}" dt="2023-10-15T22:05:09.652" v="897"/>
+          <ac:spMkLst>
+            <pc:docMk/>
+            <pc:sldMk cId="2230501479" sldId="257"/>
+            <ac:spMk id="294" creationId="{32F6C435-7488-6440-8B1E-9FE44AD35028}"/>
+          </ac:spMkLst>
+        </pc:spChg>
+        <pc:spChg chg="add mod">
+          <ac:chgData name="Fatima Pillosu" userId="a6295d4dc9e22643" providerId="LiveId" clId="{E2B223F2-0B33-4F85-811E-48E98266BFC0}" dt="2023-10-15T22:05:09.652" v="897"/>
+          <ac:spMkLst>
+            <pc:docMk/>
+            <pc:sldMk cId="2230501479" sldId="257"/>
+            <ac:spMk id="298" creationId="{23CB8159-2307-EC5F-7E79-5F9443C99796}"/>
+          </ac:spMkLst>
+        </pc:spChg>
+        <pc:spChg chg="add mod">
+          <ac:chgData name="Fatima Pillosu" userId="a6295d4dc9e22643" providerId="LiveId" clId="{E2B223F2-0B33-4F85-811E-48E98266BFC0}" dt="2023-10-15T22:05:09.652" v="897"/>
+          <ac:spMkLst>
+            <pc:docMk/>
+            <pc:sldMk cId="2230501479" sldId="257"/>
+            <ac:spMk id="299" creationId="{A339BDD9-8A39-A58E-3080-698940BA7602}"/>
+          </ac:spMkLst>
+        </pc:spChg>
+        <pc:spChg chg="add mod">
+          <ac:chgData name="Fatima Pillosu" userId="a6295d4dc9e22643" providerId="LiveId" clId="{E2B223F2-0B33-4F85-811E-48E98266BFC0}" dt="2023-10-15T22:05:09.652" v="897"/>
+          <ac:spMkLst>
+            <pc:docMk/>
+            <pc:sldMk cId="2230501479" sldId="257"/>
+            <ac:spMk id="300" creationId="{FBFDAD91-7905-7BBE-3092-B6B3ECF4BF22}"/>
+          </ac:spMkLst>
+        </pc:spChg>
+        <pc:spChg chg="add mod">
+          <ac:chgData name="Fatima Pillosu" userId="a6295d4dc9e22643" providerId="LiveId" clId="{E2B223F2-0B33-4F85-811E-48E98266BFC0}" dt="2023-10-15T22:05:09.652" v="897"/>
+          <ac:spMkLst>
+            <pc:docMk/>
+            <pc:sldMk cId="2230501479" sldId="257"/>
+            <ac:spMk id="301" creationId="{4A8ABDDE-1A98-C659-E0C0-70958461A6DD}"/>
+          </ac:spMkLst>
+        </pc:spChg>
+        <pc:spChg chg="add mod">
+          <ac:chgData name="Fatima Pillosu" userId="a6295d4dc9e22643" providerId="LiveId" clId="{E2B223F2-0B33-4F85-811E-48E98266BFC0}" dt="2023-10-15T22:05:09.652" v="897"/>
+          <ac:spMkLst>
+            <pc:docMk/>
+            <pc:sldMk cId="2230501479" sldId="257"/>
+            <ac:spMk id="302" creationId="{84CE5B07-8E86-3D46-AE22-D17644225A62}"/>
+          </ac:spMkLst>
+        </pc:spChg>
+        <pc:spChg chg="add mod">
+          <ac:chgData name="Fatima Pillosu" userId="a6295d4dc9e22643" providerId="LiveId" clId="{E2B223F2-0B33-4F85-811E-48E98266BFC0}" dt="2023-10-15T22:05:09.652" v="897"/>
+          <ac:spMkLst>
+            <pc:docMk/>
+            <pc:sldMk cId="2230501479" sldId="257"/>
+            <ac:spMk id="304" creationId="{A6E8B822-9EEE-8BF3-9A9C-D65596F5E22B}"/>
+          </ac:spMkLst>
+        </pc:spChg>
+        <pc:spChg chg="add mod">
+          <ac:chgData name="Fatima Pillosu" userId="a6295d4dc9e22643" providerId="LiveId" clId="{E2B223F2-0B33-4F85-811E-48E98266BFC0}" dt="2023-10-15T22:05:09.652" v="897"/>
+          <ac:spMkLst>
+            <pc:docMk/>
+            <pc:sldMk cId="2230501479" sldId="257"/>
+            <ac:spMk id="306" creationId="{B4CA7901-5DBD-023C-40AF-83DF69C1EFDA}"/>
+          </ac:spMkLst>
+        </pc:spChg>
+        <pc:spChg chg="add mod">
+          <ac:chgData name="Fatima Pillosu" userId="a6295d4dc9e22643" providerId="LiveId" clId="{E2B223F2-0B33-4F85-811E-48E98266BFC0}" dt="2023-10-15T22:05:09.652" v="897"/>
+          <ac:spMkLst>
+            <pc:docMk/>
+            <pc:sldMk cId="2230501479" sldId="257"/>
+            <ac:spMk id="307" creationId="{4B9C1286-779E-9841-2536-837CC2573407}"/>
+          </ac:spMkLst>
+        </pc:spChg>
+        <pc:spChg chg="add mod">
+          <ac:chgData name="Fatima Pillosu" userId="a6295d4dc9e22643" providerId="LiveId" clId="{E2B223F2-0B33-4F85-811E-48E98266BFC0}" dt="2023-10-15T22:05:09.652" v="897"/>
+          <ac:spMkLst>
+            <pc:docMk/>
+            <pc:sldMk cId="2230501479" sldId="257"/>
+            <ac:spMk id="308" creationId="{4CD4775E-2630-9C87-6F3A-9951A2D20ED3}"/>
+          </ac:spMkLst>
+        </pc:spChg>
+        <pc:spChg chg="add mod">
+          <ac:chgData name="Fatima Pillosu" userId="a6295d4dc9e22643" providerId="LiveId" clId="{E2B223F2-0B33-4F85-811E-48E98266BFC0}" dt="2023-10-15T22:05:09.652" v="897"/>
+          <ac:spMkLst>
+            <pc:docMk/>
+            <pc:sldMk cId="2230501479" sldId="257"/>
+            <ac:spMk id="309" creationId="{A39F95E1-8908-A08A-E45F-F78388183FDE}"/>
+          </ac:spMkLst>
+        </pc:spChg>
+        <pc:spChg chg="add mod">
+          <ac:chgData name="Fatima Pillosu" userId="a6295d4dc9e22643" providerId="LiveId" clId="{E2B223F2-0B33-4F85-811E-48E98266BFC0}" dt="2023-10-15T22:05:09.652" v="897"/>
+          <ac:spMkLst>
+            <pc:docMk/>
+            <pc:sldMk cId="2230501479" sldId="257"/>
+            <ac:spMk id="310" creationId="{954DA63F-C322-DDD1-4321-7866BEDF9F27}"/>
+          </ac:spMkLst>
+        </pc:spChg>
+        <pc:spChg chg="add mod">
+          <ac:chgData name="Fatima Pillosu" userId="a6295d4dc9e22643" providerId="LiveId" clId="{E2B223F2-0B33-4F85-811E-48E98266BFC0}" dt="2023-10-15T22:05:09.652" v="897"/>
+          <ac:spMkLst>
+            <pc:docMk/>
+            <pc:sldMk cId="2230501479" sldId="257"/>
+            <ac:spMk id="312" creationId="{0E23FDA5-E4A8-2B8B-023B-D135C3787631}"/>
+          </ac:spMkLst>
+        </pc:spChg>
+        <pc:spChg chg="add mod">
+          <ac:chgData name="Fatima Pillosu" userId="a6295d4dc9e22643" providerId="LiveId" clId="{E2B223F2-0B33-4F85-811E-48E98266BFC0}" dt="2023-10-15T22:05:09.652" v="897"/>
+          <ac:spMkLst>
+            <pc:docMk/>
+            <pc:sldMk cId="2230501479" sldId="257"/>
+            <ac:spMk id="313" creationId="{6D4F101C-3582-FD11-2E27-37EA70A7408E}"/>
+          </ac:spMkLst>
+        </pc:spChg>
+        <pc:spChg chg="add mod">
+          <ac:chgData name="Fatima Pillosu" userId="a6295d4dc9e22643" providerId="LiveId" clId="{E2B223F2-0B33-4F85-811E-48E98266BFC0}" dt="2023-10-15T22:05:09.652" v="897"/>
+          <ac:spMkLst>
+            <pc:docMk/>
+            <pc:sldMk cId="2230501479" sldId="257"/>
+            <ac:spMk id="314" creationId="{05E7FB0E-6110-6630-7A97-447EEF021088}"/>
+          </ac:spMkLst>
+        </pc:spChg>
+        <pc:spChg chg="add mod">
+          <ac:chgData name="Fatima Pillosu" userId="a6295d4dc9e22643" providerId="LiveId" clId="{E2B223F2-0B33-4F85-811E-48E98266BFC0}" dt="2023-10-15T22:05:09.652" v="897"/>
+          <ac:spMkLst>
+            <pc:docMk/>
+            <pc:sldMk cId="2230501479" sldId="257"/>
+            <ac:spMk id="315" creationId="{7C1AAA59-A4B0-A520-561F-3289E8DC2226}"/>
+          </ac:spMkLst>
+        </pc:spChg>
+        <pc:picChg chg="add del mod">
+          <ac:chgData name="Fatima Pillosu" userId="a6295d4dc9e22643" providerId="LiveId" clId="{E2B223F2-0B33-4F85-811E-48E98266BFC0}" dt="2023-10-15T21:22:35.605" v="4" actId="478"/>
+          <ac:picMkLst>
+            <pc:docMk/>
+            <pc:sldMk cId="2230501479" sldId="257"/>
+            <ac:picMk id="5" creationId="{782D21EB-0423-AE5E-A8F4-B1BAF40D65B6}"/>
+          </ac:picMkLst>
+        </pc:picChg>
+        <pc:picChg chg="add del mod modCrop">
+          <ac:chgData name="Fatima Pillosu" userId="a6295d4dc9e22643" providerId="LiveId" clId="{E2B223F2-0B33-4F85-811E-48E98266BFC0}" dt="2023-10-15T21:44:56.814" v="189" actId="21"/>
+          <ac:picMkLst>
+            <pc:docMk/>
+            <pc:sldMk cId="2230501479" sldId="257"/>
+            <ac:picMk id="7" creationId="{AF16D660-AA3A-1150-3FD2-E5CBB55BAF58}"/>
+          </ac:picMkLst>
+        </pc:picChg>
+        <pc:picChg chg="add del mod">
+          <ac:chgData name="Fatima Pillosu" userId="a6295d4dc9e22643" providerId="LiveId" clId="{E2B223F2-0B33-4F85-811E-48E98266BFC0}" dt="2023-10-15T21:57:00.093" v="582" actId="21"/>
+          <ac:picMkLst>
+            <pc:docMk/>
+            <pc:sldMk cId="2230501479" sldId="257"/>
+            <ac:picMk id="79" creationId="{1743B4A8-3511-8815-947B-5686DF8B1360}"/>
+          </ac:picMkLst>
+        </pc:picChg>
+        <pc:picChg chg="add del mod">
+          <ac:chgData name="Fatima Pillosu" userId="a6295d4dc9e22643" providerId="LiveId" clId="{E2B223F2-0B33-4F85-811E-48E98266BFC0}" dt="2023-10-15T21:59:58.097" v="587" actId="21"/>
+          <ac:picMkLst>
+            <pc:docMk/>
+            <pc:sldMk cId="2230501479" sldId="257"/>
+            <ac:picMk id="146" creationId="{3175BE4F-94C3-6120-D037-FAF40088594B}"/>
+          </ac:picMkLst>
+        </pc:picChg>
+        <pc:picChg chg="add del mod">
+          <ac:chgData name="Fatima Pillosu" userId="a6295d4dc9e22643" providerId="LiveId" clId="{E2B223F2-0B33-4F85-811E-48E98266BFC0}" dt="2023-10-15T22:04:52.368" v="896" actId="21"/>
+          <ac:picMkLst>
+            <pc:docMk/>
+            <pc:sldMk cId="2230501479" sldId="257"/>
+            <ac:picMk id="202" creationId="{867E5C2E-80CA-85DA-0DFB-F02CE2BE9BD2}"/>
+          </ac:picMkLst>
+        </pc:picChg>
+        <pc:picChg chg="add mod">
+          <ac:chgData name="Fatima Pillosu" userId="a6295d4dc9e22643" providerId="LiveId" clId="{E2B223F2-0B33-4F85-811E-48E98266BFC0}" dt="2023-10-15T22:05:09.652" v="897"/>
+          <ac:picMkLst>
+            <pc:docMk/>
+            <pc:sldMk cId="2230501479" sldId="257"/>
+            <ac:picMk id="259" creationId="{717F2E6B-4AF5-63E2-90E7-62E9FDAFA3CA}"/>
+          </ac:picMkLst>
+        </pc:picChg>
+        <pc:cxnChg chg="add del mod">
+          <ac:chgData name="Fatima Pillosu" userId="a6295d4dc9e22643" providerId="LiveId" clId="{E2B223F2-0B33-4F85-811E-48E98266BFC0}" dt="2023-10-15T21:44:56.814" v="189" actId="21"/>
+          <ac:cxnSpMkLst>
+            <pc:docMk/>
+            <pc:sldMk cId="2230501479" sldId="257"/>
+            <ac:cxnSpMk id="11" creationId="{4F24EE53-6CCD-43A5-BE67-2A69776D3D74}"/>
+          </ac:cxnSpMkLst>
+        </pc:cxnChg>
+        <pc:cxnChg chg="add del mod">
+          <ac:chgData name="Fatima Pillosu" userId="a6295d4dc9e22643" providerId="LiveId" clId="{E2B223F2-0B33-4F85-811E-48E98266BFC0}" dt="2023-10-15T21:44:56.814" v="189" actId="21"/>
+          <ac:cxnSpMkLst>
+            <pc:docMk/>
+            <pc:sldMk cId="2230501479" sldId="257"/>
+            <ac:cxnSpMk id="12" creationId="{9E8CFF1B-4175-F943-F30A-2FA92D675352}"/>
+          </ac:cxnSpMkLst>
+        </pc:cxnChg>
+        <pc:cxnChg chg="add del mod">
+          <ac:chgData name="Fatima Pillosu" userId="a6295d4dc9e22643" providerId="LiveId" clId="{E2B223F2-0B33-4F85-811E-48E98266BFC0}" dt="2023-10-15T21:44:56.814" v="189" actId="21"/>
+          <ac:cxnSpMkLst>
+            <pc:docMk/>
+            <pc:sldMk cId="2230501479" sldId="257"/>
+            <ac:cxnSpMk id="20" creationId="{A07E1BF2-816C-9390-39C7-51487E796E52}"/>
+          </ac:cxnSpMkLst>
+        </pc:cxnChg>
+        <pc:cxnChg chg="add del mod">
+          <ac:chgData name="Fatima Pillosu" userId="a6295d4dc9e22643" providerId="LiveId" clId="{E2B223F2-0B33-4F85-811E-48E98266BFC0}" dt="2023-10-15T21:44:56.814" v="189" actId="21"/>
+          <ac:cxnSpMkLst>
+            <pc:docMk/>
+            <pc:sldMk cId="2230501479" sldId="257"/>
+            <ac:cxnSpMk id="21" creationId="{F848BB85-FCA8-1F3D-DB11-2E0276427CC7}"/>
+          </ac:cxnSpMkLst>
+        </pc:cxnChg>
+        <pc:cxnChg chg="add del mod">
+          <ac:chgData name="Fatima Pillosu" userId="a6295d4dc9e22643" providerId="LiveId" clId="{E2B223F2-0B33-4F85-811E-48E98266BFC0}" dt="2023-10-15T21:44:56.814" v="189" actId="21"/>
+          <ac:cxnSpMkLst>
+            <pc:docMk/>
+            <pc:sldMk cId="2230501479" sldId="257"/>
+            <ac:cxnSpMk id="29" creationId="{DA722F39-96FA-5FB6-9AF2-D00F41CC46C4}"/>
+          </ac:cxnSpMkLst>
+        </pc:cxnChg>
+        <pc:cxnChg chg="add del mod">
+          <ac:chgData name="Fatima Pillosu" userId="a6295d4dc9e22643" providerId="LiveId" clId="{E2B223F2-0B33-4F85-811E-48E98266BFC0}" dt="2023-10-15T21:44:56.814" v="189" actId="21"/>
+          <ac:cxnSpMkLst>
+            <pc:docMk/>
+            <pc:sldMk cId="2230501479" sldId="257"/>
+            <ac:cxnSpMk id="30" creationId="{072E55E7-4604-51ED-4FCB-34A3CC75EE60}"/>
+          </ac:cxnSpMkLst>
+        </pc:cxnChg>
+        <pc:cxnChg chg="add del mod">
+          <ac:chgData name="Fatima Pillosu" userId="a6295d4dc9e22643" providerId="LiveId" clId="{E2B223F2-0B33-4F85-811E-48E98266BFC0}" dt="2023-10-15T21:44:56.814" v="189" actId="21"/>
+          <ac:cxnSpMkLst>
+            <pc:docMk/>
+            <pc:sldMk cId="2230501479" sldId="257"/>
+            <ac:cxnSpMk id="48" creationId="{C6E67E5C-D12D-55E8-FFF8-EB8F445C905E}"/>
+          </ac:cxnSpMkLst>
+        </pc:cxnChg>
+        <pc:cxnChg chg="add del mod">
+          <ac:chgData name="Fatima Pillosu" userId="a6295d4dc9e22643" providerId="LiveId" clId="{E2B223F2-0B33-4F85-811E-48E98266BFC0}" dt="2023-10-15T21:44:56.814" v="189" actId="21"/>
+          <ac:cxnSpMkLst>
+            <pc:docMk/>
+            <pc:sldMk cId="2230501479" sldId="257"/>
+            <ac:cxnSpMk id="52" creationId="{7FC52993-22EA-F793-6D90-5D9B72775862}"/>
+          </ac:cxnSpMkLst>
+        </pc:cxnChg>
+        <pc:cxnChg chg="add del mod">
+          <ac:chgData name="Fatima Pillosu" userId="a6295d4dc9e22643" providerId="LiveId" clId="{E2B223F2-0B33-4F85-811E-48E98266BFC0}" dt="2023-10-15T21:44:56.814" v="189" actId="21"/>
+          <ac:cxnSpMkLst>
+            <pc:docMk/>
+            <pc:sldMk cId="2230501479" sldId="257"/>
+            <ac:cxnSpMk id="57" creationId="{273CE8AE-9AF9-B2F5-CC5D-3B09BBDFCD7B}"/>
+          </ac:cxnSpMkLst>
+        </pc:cxnChg>
+        <pc:cxnChg chg="add del mod">
+          <ac:chgData name="Fatima Pillosu" userId="a6295d4dc9e22643" providerId="LiveId" clId="{E2B223F2-0B33-4F85-811E-48E98266BFC0}" dt="2023-10-15T21:44:56.814" v="189" actId="21"/>
+          <ac:cxnSpMkLst>
+            <pc:docMk/>
+            <pc:sldMk cId="2230501479" sldId="257"/>
+            <ac:cxnSpMk id="68" creationId="{F436C063-4D42-19B7-2970-D944BC343FE6}"/>
+          </ac:cxnSpMkLst>
+        </pc:cxnChg>
+        <pc:cxnChg chg="add del mod">
+          <ac:chgData name="Fatima Pillosu" userId="a6295d4dc9e22643" providerId="LiveId" clId="{E2B223F2-0B33-4F85-811E-48E98266BFC0}" dt="2023-10-15T21:44:56.814" v="189" actId="21"/>
+          <ac:cxnSpMkLst>
+            <pc:docMk/>
+            <pc:sldMk cId="2230501479" sldId="257"/>
+            <ac:cxnSpMk id="70" creationId="{947321F4-AD82-B3DA-6B28-27A811B26FB6}"/>
+          </ac:cxnSpMkLst>
+        </pc:cxnChg>
+        <pc:cxnChg chg="add del mod">
+          <ac:chgData name="Fatima Pillosu" userId="a6295d4dc9e22643" providerId="LiveId" clId="{E2B223F2-0B33-4F85-811E-48E98266BFC0}" dt="2023-10-15T21:44:56.814" v="189" actId="21"/>
+          <ac:cxnSpMkLst>
+            <pc:docMk/>
+            <pc:sldMk cId="2230501479" sldId="257"/>
+            <ac:cxnSpMk id="76" creationId="{DE98278C-E98A-D3CD-596B-589048A95AAA}"/>
+          </ac:cxnSpMkLst>
+        </pc:cxnChg>
+        <pc:cxnChg chg="add del mod">
+          <ac:chgData name="Fatima Pillosu" userId="a6295d4dc9e22643" providerId="LiveId" clId="{E2B223F2-0B33-4F85-811E-48E98266BFC0}" dt="2023-10-15T21:57:00.093" v="582" actId="21"/>
+          <ac:cxnSpMkLst>
+            <pc:docMk/>
+            <pc:sldMk cId="2230501479" sldId="257"/>
+            <ac:cxnSpMk id="83" creationId="{DE7D66AA-A1A7-1E22-F1EE-13E05CE7C3A6}"/>
+          </ac:cxnSpMkLst>
+        </pc:cxnChg>
+        <pc:cxnChg chg="add del mod">
+          <ac:chgData name="Fatima Pillosu" userId="a6295d4dc9e22643" providerId="LiveId" clId="{E2B223F2-0B33-4F85-811E-48E98266BFC0}" dt="2023-10-15T21:57:00.093" v="582" actId="21"/>
+          <ac:cxnSpMkLst>
+            <pc:docMk/>
+            <pc:sldMk cId="2230501479" sldId="257"/>
+            <ac:cxnSpMk id="84" creationId="{48668319-1A33-1BB2-0A13-538D8E4A9CFF}"/>
+          </ac:cxnSpMkLst>
+        </pc:cxnChg>
+        <pc:cxnChg chg="add del mod">
+          <ac:chgData name="Fatima Pillosu" userId="a6295d4dc9e22643" providerId="LiveId" clId="{E2B223F2-0B33-4F85-811E-48E98266BFC0}" dt="2023-10-15T21:57:00.093" v="582" actId="21"/>
+          <ac:cxnSpMkLst>
+            <pc:docMk/>
+            <pc:sldMk cId="2230501479" sldId="257"/>
+            <ac:cxnSpMk id="92" creationId="{7D29F3EE-9936-EF4D-0A21-09611BA9061F}"/>
+          </ac:cxnSpMkLst>
+        </pc:cxnChg>
+        <pc:cxnChg chg="add del mod">
+          <ac:chgData name="Fatima Pillosu" userId="a6295d4dc9e22643" providerId="LiveId" clId="{E2B223F2-0B33-4F85-811E-48E98266BFC0}" dt="2023-10-15T21:57:00.093" v="582" actId="21"/>
+          <ac:cxnSpMkLst>
+            <pc:docMk/>
+            <pc:sldMk cId="2230501479" sldId="257"/>
+            <ac:cxnSpMk id="93" creationId="{6B5B3F95-E9D9-03D9-0F61-756342179926}"/>
+          </ac:cxnSpMkLst>
+        </pc:cxnChg>
+        <pc:cxnChg chg="add del mod">
+          <ac:chgData name="Fatima Pillosu" userId="a6295d4dc9e22643" providerId="LiveId" clId="{E2B223F2-0B33-4F85-811E-48E98266BFC0}" dt="2023-10-15T21:57:00.093" v="582" actId="21"/>
+          <ac:cxnSpMkLst>
+            <pc:docMk/>
+            <pc:sldMk cId="2230501479" sldId="257"/>
+            <ac:cxnSpMk id="101" creationId="{68AD7F30-4A71-07F0-DF1F-BF5DCD646E3F}"/>
+          </ac:cxnSpMkLst>
+        </pc:cxnChg>
+        <pc:cxnChg chg="add del mod">
+          <ac:chgData name="Fatima Pillosu" userId="a6295d4dc9e22643" providerId="LiveId" clId="{E2B223F2-0B33-4F85-811E-48E98266BFC0}" dt="2023-10-15T21:57:00.093" v="582" actId="21"/>
+          <ac:cxnSpMkLst>
+            <pc:docMk/>
+            <pc:sldMk cId="2230501479" sldId="257"/>
+            <ac:cxnSpMk id="102" creationId="{FC9BC29D-D1EC-98DC-E0BB-B6505105E750}"/>
+          </ac:cxnSpMkLst>
+        </pc:cxnChg>
+        <pc:cxnChg chg="add del mod">
+          <ac:chgData name="Fatima Pillosu" userId="a6295d4dc9e22643" providerId="LiveId" clId="{E2B223F2-0B33-4F85-811E-48E98266BFC0}" dt="2023-10-15T21:57:00.093" v="582" actId="21"/>
+          <ac:cxnSpMkLst>
+            <pc:docMk/>
+            <pc:sldMk cId="2230501479" sldId="257"/>
+            <ac:cxnSpMk id="115" creationId="{860CABD9-3994-8F2D-D15C-2CE55CB9B169}"/>
+          </ac:cxnSpMkLst>
+        </pc:cxnChg>
+        <pc:cxnChg chg="add del mod">
+          <ac:chgData name="Fatima Pillosu" userId="a6295d4dc9e22643" providerId="LiveId" clId="{E2B223F2-0B33-4F85-811E-48E98266BFC0}" dt="2023-10-15T21:57:00.093" v="582" actId="21"/>
+          <ac:cxnSpMkLst>
+            <pc:docMk/>
+            <pc:sldMk cId="2230501479" sldId="257"/>
+            <ac:cxnSpMk id="116" creationId="{3E2EE442-3814-97AF-1474-D5EF4EB17D9D}"/>
+          </ac:cxnSpMkLst>
+        </pc:cxnChg>
+        <pc:cxnChg chg="add del mod">
+          <ac:chgData name="Fatima Pillosu" userId="a6295d4dc9e22643" providerId="LiveId" clId="{E2B223F2-0B33-4F85-811E-48E98266BFC0}" dt="2023-10-15T21:57:00.093" v="582" actId="21"/>
+          <ac:cxnSpMkLst>
+            <pc:docMk/>
+            <pc:sldMk cId="2230501479" sldId="257"/>
+            <ac:cxnSpMk id="117" creationId="{E5EB2E61-2E71-9E99-B2D5-0858C828FA9F}"/>
+          </ac:cxnSpMkLst>
+        </pc:cxnChg>
+        <pc:cxnChg chg="add del mod">
+          <ac:chgData name="Fatima Pillosu" userId="a6295d4dc9e22643" providerId="LiveId" clId="{E2B223F2-0B33-4F85-811E-48E98266BFC0}" dt="2023-10-15T21:57:00.093" v="582" actId="21"/>
+          <ac:cxnSpMkLst>
+            <pc:docMk/>
+            <pc:sldMk cId="2230501479" sldId="257"/>
+            <ac:cxnSpMk id="123" creationId="{B754249F-0C45-15E0-60F3-F28ADAB48832}"/>
+          </ac:cxnSpMkLst>
+        </pc:cxnChg>
+        <pc:cxnChg chg="add del mod">
+          <ac:chgData name="Fatima Pillosu" userId="a6295d4dc9e22643" providerId="LiveId" clId="{E2B223F2-0B33-4F85-811E-48E98266BFC0}" dt="2023-10-15T21:57:00.093" v="582" actId="21"/>
+          <ac:cxnSpMkLst>
+            <pc:docMk/>
+            <pc:sldMk cId="2230501479" sldId="257"/>
+            <ac:cxnSpMk id="125" creationId="{39F2F54A-82D1-B21E-0184-4D6F78FF8A1C}"/>
+          </ac:cxnSpMkLst>
+        </pc:cxnChg>
+        <pc:cxnChg chg="add del mod">
+          <ac:chgData name="Fatima Pillosu" userId="a6295d4dc9e22643" providerId="LiveId" clId="{E2B223F2-0B33-4F85-811E-48E98266BFC0}" dt="2023-10-15T21:57:00.093" v="582" actId="21"/>
+          <ac:cxnSpMkLst>
+            <pc:docMk/>
+            <pc:sldMk cId="2230501479" sldId="257"/>
+            <ac:cxnSpMk id="131" creationId="{4F546823-6620-1C1C-7567-A87E823F40EB}"/>
+          </ac:cxnSpMkLst>
+        </pc:cxnChg>
+        <pc:cxnChg chg="add del mod">
+          <ac:chgData name="Fatima Pillosu" userId="a6295d4dc9e22643" providerId="LiveId" clId="{E2B223F2-0B33-4F85-811E-48E98266BFC0}" dt="2023-10-15T21:59:58.097" v="587" actId="21"/>
+          <ac:cxnSpMkLst>
+            <pc:docMk/>
+            <pc:sldMk cId="2230501479" sldId="257"/>
+            <ac:cxnSpMk id="150" creationId="{F9540778-DAD2-F5D9-AEE9-D586383FD0B9}"/>
+          </ac:cxnSpMkLst>
+        </pc:cxnChg>
+        <pc:cxnChg chg="add del mod">
+          <ac:chgData name="Fatima Pillosu" userId="a6295d4dc9e22643" providerId="LiveId" clId="{E2B223F2-0B33-4F85-811E-48E98266BFC0}" dt="2023-10-15T21:59:58.097" v="587" actId="21"/>
+          <ac:cxnSpMkLst>
+            <pc:docMk/>
+            <pc:sldMk cId="2230501479" sldId="257"/>
+            <ac:cxnSpMk id="151" creationId="{EEBC0BF6-A139-7924-FBBD-CC29A53FB5F0}"/>
+          </ac:cxnSpMkLst>
+        </pc:cxnChg>
+        <pc:cxnChg chg="add del mod">
+          <ac:chgData name="Fatima Pillosu" userId="a6295d4dc9e22643" providerId="LiveId" clId="{E2B223F2-0B33-4F85-811E-48E98266BFC0}" dt="2023-10-15T21:59:58.097" v="587" actId="21"/>
+          <ac:cxnSpMkLst>
+            <pc:docMk/>
+            <pc:sldMk cId="2230501479" sldId="257"/>
+            <ac:cxnSpMk id="159" creationId="{1C04E7EF-59AF-862E-2D40-30F6F5070C9A}"/>
+          </ac:cxnSpMkLst>
+        </pc:cxnChg>
+        <pc:cxnChg chg="add del mod">
+          <ac:chgData name="Fatima Pillosu" userId="a6295d4dc9e22643" providerId="LiveId" clId="{E2B223F2-0B33-4F85-811E-48E98266BFC0}" dt="2023-10-15T21:59:58.097" v="587" actId="21"/>
+          <ac:cxnSpMkLst>
+            <pc:docMk/>
+            <pc:sldMk cId="2230501479" sldId="257"/>
+            <ac:cxnSpMk id="160" creationId="{6D3691FD-C6E7-CB54-0A22-81AB6FE158A9}"/>
+          </ac:cxnSpMkLst>
+        </pc:cxnChg>
+        <pc:cxnChg chg="add del mod">
+          <ac:chgData name="Fatima Pillosu" userId="a6295d4dc9e22643" providerId="LiveId" clId="{E2B223F2-0B33-4F85-811E-48E98266BFC0}" dt="2023-10-15T21:59:58.097" v="587" actId="21"/>
+          <ac:cxnSpMkLst>
+            <pc:docMk/>
+            <pc:sldMk cId="2230501479" sldId="257"/>
+            <ac:cxnSpMk id="168" creationId="{293B6E5B-F38B-A8EA-B3A9-59690140831D}"/>
+          </ac:cxnSpMkLst>
+        </pc:cxnChg>
+        <pc:cxnChg chg="add del mod">
+          <ac:chgData name="Fatima Pillosu" userId="a6295d4dc9e22643" providerId="LiveId" clId="{E2B223F2-0B33-4F85-811E-48E98266BFC0}" dt="2023-10-15T21:59:58.097" v="587" actId="21"/>
+          <ac:cxnSpMkLst>
+            <pc:docMk/>
+            <pc:sldMk cId="2230501479" sldId="257"/>
+            <ac:cxnSpMk id="169" creationId="{4E90F675-3BAD-D594-7FC3-174F252AA499}"/>
+          </ac:cxnSpMkLst>
+        </pc:cxnChg>
+        <pc:cxnChg chg="add del mod">
+          <ac:chgData name="Fatima Pillosu" userId="a6295d4dc9e22643" providerId="LiveId" clId="{E2B223F2-0B33-4F85-811E-48E98266BFC0}" dt="2023-10-15T21:59:58.097" v="587" actId="21"/>
+          <ac:cxnSpMkLst>
+            <pc:docMk/>
+            <pc:sldMk cId="2230501479" sldId="257"/>
+            <ac:cxnSpMk id="182" creationId="{3184F63B-A02A-1D15-ED12-E1C76723B11F}"/>
+          </ac:cxnSpMkLst>
+        </pc:cxnChg>
+        <pc:cxnChg chg="add del mod">
+          <ac:chgData name="Fatima Pillosu" userId="a6295d4dc9e22643" providerId="LiveId" clId="{E2B223F2-0B33-4F85-811E-48E98266BFC0}" dt="2023-10-15T21:59:58.097" v="587" actId="21"/>
+          <ac:cxnSpMkLst>
+            <pc:docMk/>
+            <pc:sldMk cId="2230501479" sldId="257"/>
+            <ac:cxnSpMk id="183" creationId="{1A489565-D3BB-3253-363A-F7C0BE211A36}"/>
+          </ac:cxnSpMkLst>
+        </pc:cxnChg>
+        <pc:cxnChg chg="add del mod">
+          <ac:chgData name="Fatima Pillosu" userId="a6295d4dc9e22643" providerId="LiveId" clId="{E2B223F2-0B33-4F85-811E-48E98266BFC0}" dt="2023-10-15T21:59:58.097" v="587" actId="21"/>
+          <ac:cxnSpMkLst>
+            <pc:docMk/>
+            <pc:sldMk cId="2230501479" sldId="257"/>
+            <ac:cxnSpMk id="184" creationId="{E0EBCF56-7B67-18B2-9AFF-1B9CCE860B6A}"/>
+          </ac:cxnSpMkLst>
+        </pc:cxnChg>
+        <pc:cxnChg chg="add del mod">
+          <ac:chgData name="Fatima Pillosu" userId="a6295d4dc9e22643" providerId="LiveId" clId="{E2B223F2-0B33-4F85-811E-48E98266BFC0}" dt="2023-10-15T21:59:58.097" v="587" actId="21"/>
+          <ac:cxnSpMkLst>
+            <pc:docMk/>
+            <pc:sldMk cId="2230501479" sldId="257"/>
+            <ac:cxnSpMk id="190" creationId="{1A9805B7-74A2-99FF-C844-AFE80A918644}"/>
+          </ac:cxnSpMkLst>
+        </pc:cxnChg>
+        <pc:cxnChg chg="add del mod">
+          <ac:chgData name="Fatima Pillosu" userId="a6295d4dc9e22643" providerId="LiveId" clId="{E2B223F2-0B33-4F85-811E-48E98266BFC0}" dt="2023-10-15T21:59:58.097" v="587" actId="21"/>
+          <ac:cxnSpMkLst>
+            <pc:docMk/>
+            <pc:sldMk cId="2230501479" sldId="257"/>
+            <ac:cxnSpMk id="192" creationId="{5D24E99E-F22B-DD32-D5E9-061FBDEFC49B}"/>
+          </ac:cxnSpMkLst>
+        </pc:cxnChg>
+        <pc:cxnChg chg="add del mod">
+          <ac:chgData name="Fatima Pillosu" userId="a6295d4dc9e22643" providerId="LiveId" clId="{E2B223F2-0B33-4F85-811E-48E98266BFC0}" dt="2023-10-15T21:59:58.097" v="587" actId="21"/>
+          <ac:cxnSpMkLst>
+            <pc:docMk/>
+            <pc:sldMk cId="2230501479" sldId="257"/>
+            <ac:cxnSpMk id="198" creationId="{1382FAD1-0D75-9723-9EE9-3E91F459A8CE}"/>
+          </ac:cxnSpMkLst>
+        </pc:cxnChg>
+        <pc:cxnChg chg="add del mod">
+          <ac:chgData name="Fatima Pillosu" userId="a6295d4dc9e22643" providerId="LiveId" clId="{E2B223F2-0B33-4F85-811E-48E98266BFC0}" dt="2023-10-15T22:04:52.368" v="896" actId="21"/>
+          <ac:cxnSpMkLst>
+            <pc:docMk/>
+            <pc:sldMk cId="2230501479" sldId="257"/>
+            <ac:cxnSpMk id="206" creationId="{6B02D9C7-B734-506C-772E-835A09D30E00}"/>
+          </ac:cxnSpMkLst>
+        </pc:cxnChg>
+        <pc:cxnChg chg="add del mod">
+          <ac:chgData name="Fatima Pillosu" userId="a6295d4dc9e22643" providerId="LiveId" clId="{E2B223F2-0B33-4F85-811E-48E98266BFC0}" dt="2023-10-15T22:04:52.368" v="896" actId="21"/>
+          <ac:cxnSpMkLst>
+            <pc:docMk/>
+            <pc:sldMk cId="2230501479" sldId="257"/>
+            <ac:cxnSpMk id="207" creationId="{2134F11F-6F27-93B2-02AE-EEA33ABD9416}"/>
+          </ac:cxnSpMkLst>
+        </pc:cxnChg>
+        <pc:cxnChg chg="add del mod">
+          <ac:chgData name="Fatima Pillosu" userId="a6295d4dc9e22643" providerId="LiveId" clId="{E2B223F2-0B33-4F85-811E-48E98266BFC0}" dt="2023-10-15T22:04:52.368" v="896" actId="21"/>
+          <ac:cxnSpMkLst>
+            <pc:docMk/>
+            <pc:sldMk cId="2230501479" sldId="257"/>
+            <ac:cxnSpMk id="215" creationId="{481F31AA-1097-0382-6528-AFC242B61BF3}"/>
+          </ac:cxnSpMkLst>
+        </pc:cxnChg>
+        <pc:cxnChg chg="add del mod">
+          <ac:chgData name="Fatima Pillosu" userId="a6295d4dc9e22643" providerId="LiveId" clId="{E2B223F2-0B33-4F85-811E-48E98266BFC0}" dt="2023-10-15T22:04:52.368" v="896" actId="21"/>
+          <ac:cxnSpMkLst>
+            <pc:docMk/>
+            <pc:sldMk cId="2230501479" sldId="257"/>
+            <ac:cxnSpMk id="216" creationId="{FE456B05-559C-E018-BDA8-BF7EA14D077C}"/>
+          </ac:cxnSpMkLst>
+        </pc:cxnChg>
+        <pc:cxnChg chg="add del mod">
+          <ac:chgData name="Fatima Pillosu" userId="a6295d4dc9e22643" providerId="LiveId" clId="{E2B223F2-0B33-4F85-811E-48E98266BFC0}" dt="2023-10-15T22:04:52.368" v="896" actId="21"/>
+          <ac:cxnSpMkLst>
+            <pc:docMk/>
+            <pc:sldMk cId="2230501479" sldId="257"/>
+            <ac:cxnSpMk id="224" creationId="{818B9BE6-E7C5-5630-C13D-9DB90EE3FBAE}"/>
+          </ac:cxnSpMkLst>
+        </pc:cxnChg>
+        <pc:cxnChg chg="add del mod">
+          <ac:chgData name="Fatima Pillosu" userId="a6295d4dc9e22643" providerId="LiveId" clId="{E2B223F2-0B33-4F85-811E-48E98266BFC0}" dt="2023-10-15T22:04:52.368" v="896" actId="21"/>
+          <ac:cxnSpMkLst>
+            <pc:docMk/>
+            <pc:sldMk cId="2230501479" sldId="257"/>
+            <ac:cxnSpMk id="225" creationId="{88A2A7D1-6CA9-2239-D0A6-456DC59A46DA}"/>
+          </ac:cxnSpMkLst>
+        </pc:cxnChg>
+        <pc:cxnChg chg="add del mod">
+          <ac:chgData name="Fatima Pillosu" userId="a6295d4dc9e22643" providerId="LiveId" clId="{E2B223F2-0B33-4F85-811E-48E98266BFC0}" dt="2023-10-15T22:04:52.368" v="896" actId="21"/>
+          <ac:cxnSpMkLst>
+            <pc:docMk/>
+            <pc:sldMk cId="2230501479" sldId="257"/>
+            <ac:cxnSpMk id="238" creationId="{A9B373F9-491C-6032-1DF5-D1871F1D74E8}"/>
+          </ac:cxnSpMkLst>
+        </pc:cxnChg>
+        <pc:cxnChg chg="add del mod">
+          <ac:chgData name="Fatima Pillosu" userId="a6295d4dc9e22643" providerId="LiveId" clId="{E2B223F2-0B33-4F85-811E-48E98266BFC0}" dt="2023-10-15T22:04:52.368" v="896" actId="21"/>
+          <ac:cxnSpMkLst>
+            <pc:docMk/>
+            <pc:sldMk cId="2230501479" sldId="257"/>
+            <ac:cxnSpMk id="239" creationId="{F069D00E-0EF2-C652-6D7C-94A0E8B9CCD3}"/>
+          </ac:cxnSpMkLst>
+        </pc:cxnChg>
+        <pc:cxnChg chg="add del mod">
+          <ac:chgData name="Fatima Pillosu" userId="a6295d4dc9e22643" providerId="LiveId" clId="{E2B223F2-0B33-4F85-811E-48E98266BFC0}" dt="2023-10-15T22:04:52.368" v="896" actId="21"/>
+          <ac:cxnSpMkLst>
+            <pc:docMk/>
+            <pc:sldMk cId="2230501479" sldId="257"/>
+            <ac:cxnSpMk id="240" creationId="{672D305B-5BC5-9033-531C-82AB2BBBDB16}"/>
+          </ac:cxnSpMkLst>
+        </pc:cxnChg>
+        <pc:cxnChg chg="add del mod">
+          <ac:chgData name="Fatima Pillosu" userId="a6295d4dc9e22643" providerId="LiveId" clId="{E2B223F2-0B33-4F85-811E-48E98266BFC0}" dt="2023-10-15T22:04:52.368" v="896" actId="21"/>
+          <ac:cxnSpMkLst>
+            <pc:docMk/>
+            <pc:sldMk cId="2230501479" sldId="257"/>
+            <ac:cxnSpMk id="246" creationId="{675F31C1-4000-4342-EBC4-A087AE2695F7}"/>
+          </ac:cxnSpMkLst>
+        </pc:cxnChg>
+        <pc:cxnChg chg="add del mod">
+          <ac:chgData name="Fatima Pillosu" userId="a6295d4dc9e22643" providerId="LiveId" clId="{E2B223F2-0B33-4F85-811E-48E98266BFC0}" dt="2023-10-15T22:04:52.368" v="896" actId="21"/>
+          <ac:cxnSpMkLst>
+            <pc:docMk/>
+            <pc:sldMk cId="2230501479" sldId="257"/>
+            <ac:cxnSpMk id="248" creationId="{D584EF04-CDD2-3B09-EE80-BD1EA40A4EAE}"/>
+          </ac:cxnSpMkLst>
+        </pc:cxnChg>
+        <pc:cxnChg chg="add del mod">
+          <ac:chgData name="Fatima Pillosu" userId="a6295d4dc9e22643" providerId="LiveId" clId="{E2B223F2-0B33-4F85-811E-48E98266BFC0}" dt="2023-10-15T22:04:52.368" v="896" actId="21"/>
+          <ac:cxnSpMkLst>
+            <pc:docMk/>
+            <pc:sldMk cId="2230501479" sldId="257"/>
+            <ac:cxnSpMk id="254" creationId="{213CE7E4-EC8E-6DA9-E1ED-64E41983812E}"/>
+          </ac:cxnSpMkLst>
+        </pc:cxnChg>
+        <pc:cxnChg chg="add mod">
+          <ac:chgData name="Fatima Pillosu" userId="a6295d4dc9e22643" providerId="LiveId" clId="{E2B223F2-0B33-4F85-811E-48E98266BFC0}" dt="2023-10-15T22:05:09.652" v="897"/>
+          <ac:cxnSpMkLst>
+            <pc:docMk/>
+            <pc:sldMk cId="2230501479" sldId="257"/>
+            <ac:cxnSpMk id="263" creationId="{2B2A0AB1-C218-E5B8-5AFA-C8F9FD6C8713}"/>
+          </ac:cxnSpMkLst>
+        </pc:cxnChg>
+        <pc:cxnChg chg="add mod">
+          <ac:chgData name="Fatima Pillosu" userId="a6295d4dc9e22643" providerId="LiveId" clId="{E2B223F2-0B33-4F85-811E-48E98266BFC0}" dt="2023-10-15T22:05:09.652" v="897"/>
+          <ac:cxnSpMkLst>
+            <pc:docMk/>
+            <pc:sldMk cId="2230501479" sldId="257"/>
+            <ac:cxnSpMk id="264" creationId="{4FBBCABC-6433-38F2-8BAE-16E978A35EE8}"/>
+          </ac:cxnSpMkLst>
+        </pc:cxnChg>
+        <pc:cxnChg chg="add mod">
+          <ac:chgData name="Fatima Pillosu" userId="a6295d4dc9e22643" providerId="LiveId" clId="{E2B223F2-0B33-4F85-811E-48E98266BFC0}" dt="2023-10-15T22:05:09.652" v="897"/>
+          <ac:cxnSpMkLst>
+            <pc:docMk/>
+            <pc:sldMk cId="2230501479" sldId="257"/>
+            <ac:cxnSpMk id="272" creationId="{C7931972-4F2C-7EEE-9658-A1C82488244E}"/>
+          </ac:cxnSpMkLst>
+        </pc:cxnChg>
+        <pc:cxnChg chg="add mod">
+          <ac:chgData name="Fatima Pillosu" userId="a6295d4dc9e22643" providerId="LiveId" clId="{E2B223F2-0B33-4F85-811E-48E98266BFC0}" dt="2023-10-15T22:05:09.652" v="897"/>
+          <ac:cxnSpMkLst>
+            <pc:docMk/>
+            <pc:sldMk cId="2230501479" sldId="257"/>
+            <ac:cxnSpMk id="273" creationId="{406EDDF7-5F65-61FF-1F4B-BB0DD625A751}"/>
+          </ac:cxnSpMkLst>
+        </pc:cxnChg>
+        <pc:cxnChg chg="add mod">
+          <ac:chgData name="Fatima Pillosu" userId="a6295d4dc9e22643" providerId="LiveId" clId="{E2B223F2-0B33-4F85-811E-48E98266BFC0}" dt="2023-10-15T22:05:09.652" v="897"/>
+          <ac:cxnSpMkLst>
+            <pc:docMk/>
+            <pc:sldMk cId="2230501479" sldId="257"/>
+            <ac:cxnSpMk id="281" creationId="{DD5D2813-A0EA-EB3E-06B0-4381B16BF8D7}"/>
+          </ac:cxnSpMkLst>
+        </pc:cxnChg>
+        <pc:cxnChg chg="add mod">
+          <ac:chgData name="Fatima Pillosu" userId="a6295d4dc9e22643" providerId="LiveId" clId="{E2B223F2-0B33-4F85-811E-48E98266BFC0}" dt="2023-10-15T22:05:09.652" v="897"/>
+          <ac:cxnSpMkLst>
+            <pc:docMk/>
+            <pc:sldMk cId="2230501479" sldId="257"/>
+            <ac:cxnSpMk id="282" creationId="{3D663A79-05D2-E760-A305-4A4AF8E13538}"/>
+          </ac:cxnSpMkLst>
+        </pc:cxnChg>
+        <pc:cxnChg chg="add mod">
+          <ac:chgData name="Fatima Pillosu" userId="a6295d4dc9e22643" providerId="LiveId" clId="{E2B223F2-0B33-4F85-811E-48E98266BFC0}" dt="2023-10-15T22:05:09.652" v="897"/>
+          <ac:cxnSpMkLst>
+            <pc:docMk/>
+            <pc:sldMk cId="2230501479" sldId="257"/>
+            <ac:cxnSpMk id="295" creationId="{F6B305A1-1590-1C3E-06F5-657DB1FA0109}"/>
+          </ac:cxnSpMkLst>
+        </pc:cxnChg>
+        <pc:cxnChg chg="add mod">
+          <ac:chgData name="Fatima Pillosu" userId="a6295d4dc9e22643" providerId="LiveId" clId="{E2B223F2-0B33-4F85-811E-48E98266BFC0}" dt="2023-10-15T22:05:09.652" v="897"/>
+          <ac:cxnSpMkLst>
+            <pc:docMk/>
+            <pc:sldMk cId="2230501479" sldId="257"/>
+            <ac:cxnSpMk id="296" creationId="{A4288397-A3FA-A153-D6AD-6C4A2BAC9CE6}"/>
+          </ac:cxnSpMkLst>
+        </pc:cxnChg>
+        <pc:cxnChg chg="add mod">
+          <ac:chgData name="Fatima Pillosu" userId="a6295d4dc9e22643" providerId="LiveId" clId="{E2B223F2-0B33-4F85-811E-48E98266BFC0}" dt="2023-10-15T22:05:09.652" v="897"/>
+          <ac:cxnSpMkLst>
+            <pc:docMk/>
+            <pc:sldMk cId="2230501479" sldId="257"/>
+            <ac:cxnSpMk id="297" creationId="{D39A1A55-910E-C9CB-CBC2-F6FEEFA5C061}"/>
+          </ac:cxnSpMkLst>
+        </pc:cxnChg>
+        <pc:cxnChg chg="add mod">
+          <ac:chgData name="Fatima Pillosu" userId="a6295d4dc9e22643" providerId="LiveId" clId="{E2B223F2-0B33-4F85-811E-48E98266BFC0}" dt="2023-10-15T22:05:09.652" v="897"/>
+          <ac:cxnSpMkLst>
+            <pc:docMk/>
+            <pc:sldMk cId="2230501479" sldId="257"/>
+            <ac:cxnSpMk id="303" creationId="{0669BD32-4CFA-E029-1953-60C2A5ECFE87}"/>
+          </ac:cxnSpMkLst>
+        </pc:cxnChg>
+        <pc:cxnChg chg="add mod">
+          <ac:chgData name="Fatima Pillosu" userId="a6295d4dc9e22643" providerId="LiveId" clId="{E2B223F2-0B33-4F85-811E-48E98266BFC0}" dt="2023-10-15T22:05:09.652" v="897"/>
+          <ac:cxnSpMkLst>
+            <pc:docMk/>
+            <pc:sldMk cId="2230501479" sldId="257"/>
+            <ac:cxnSpMk id="305" creationId="{305D71CB-B233-CEB4-B3C2-4F20DD75B02D}"/>
+          </ac:cxnSpMkLst>
+        </pc:cxnChg>
+        <pc:cxnChg chg="add mod">
+          <ac:chgData name="Fatima Pillosu" userId="a6295d4dc9e22643" providerId="LiveId" clId="{E2B223F2-0B33-4F85-811E-48E98266BFC0}" dt="2023-10-15T22:05:09.652" v="897"/>
+          <ac:cxnSpMkLst>
+            <pc:docMk/>
+            <pc:sldMk cId="2230501479" sldId="257"/>
+            <ac:cxnSpMk id="311" creationId="{6C6532A5-8F65-E36A-EC45-E648F439AA14}"/>
           </ac:cxnSpMkLst>
         </pc:cxnChg>
       </pc:sldChg>
@@ -1882,15 +4185,15 @@
         </p:nvSpPr>
         <p:spPr>
           <a:xfrm>
-            <a:off x="810022" y="630290"/>
-            <a:ext cx="4860131" cy="1340814"/>
+            <a:off x="857250" y="689266"/>
+            <a:ext cx="5143500" cy="1466274"/>
           </a:xfrm>
         </p:spPr>
         <p:txBody>
           <a:bodyPr anchor="b"/>
           <a:lstStyle>
             <a:lvl1pPr algn="ctr">
-              <a:defRPr sz="3189"/>
+              <a:defRPr sz="3375"/>
             </a:lvl1pPr>
           </a:lstStyle>
           <a:p>
@@ -1914,8 +4217,8 @@
         </p:nvSpPr>
         <p:spPr>
           <a:xfrm>
-            <a:off x="810022" y="2022811"/>
-            <a:ext cx="4860131" cy="929833"/>
+            <a:off x="857250" y="2212085"/>
+            <a:ext cx="5143500" cy="1016837"/>
           </a:xfrm>
         </p:spPr>
         <p:txBody>
@@ -1923,39 +4226,39 @@
           <a:lstStyle>
             <a:lvl1pPr marL="0" indent="0" algn="ctr">
               <a:buNone/>
-              <a:defRPr sz="1276"/>
+              <a:defRPr sz="1350"/>
             </a:lvl1pPr>
-            <a:lvl2pPr marL="243002" indent="0" algn="ctr">
+            <a:lvl2pPr marL="257175" indent="0" algn="ctr">
               <a:buNone/>
-              <a:defRPr sz="1063"/>
+              <a:defRPr sz="1125"/>
             </a:lvl2pPr>
-            <a:lvl3pPr marL="486004" indent="0" algn="ctr">
+            <a:lvl3pPr marL="514350" indent="0" algn="ctr">
               <a:buNone/>
-              <a:defRPr sz="957"/>
+              <a:defRPr sz="1013"/>
             </a:lvl3pPr>
-            <a:lvl4pPr marL="729005" indent="0" algn="ctr">
+            <a:lvl4pPr marL="771525" indent="0" algn="ctr">
               <a:buNone/>
-              <a:defRPr sz="850"/>
+              <a:defRPr sz="900"/>
             </a:lvl4pPr>
-            <a:lvl5pPr marL="972007" indent="0" algn="ctr">
+            <a:lvl5pPr marL="1028700" indent="0" algn="ctr">
               <a:buNone/>
-              <a:defRPr sz="850"/>
+              <a:defRPr sz="900"/>
             </a:lvl5pPr>
-            <a:lvl6pPr marL="1215009" indent="0" algn="ctr">
+            <a:lvl6pPr marL="1285875" indent="0" algn="ctr">
               <a:buNone/>
-              <a:defRPr sz="850"/>
+              <a:defRPr sz="900"/>
             </a:lvl6pPr>
-            <a:lvl7pPr marL="1458011" indent="0" algn="ctr">
+            <a:lvl7pPr marL="1543050" indent="0" algn="ctr">
               <a:buNone/>
-              <a:defRPr sz="850"/>
+              <a:defRPr sz="900"/>
             </a:lvl7pPr>
-            <a:lvl8pPr marL="1701013" indent="0" algn="ctr">
+            <a:lvl8pPr marL="1800225" indent="0" algn="ctr">
               <a:buNone/>
-              <a:defRPr sz="850"/>
+              <a:defRPr sz="900"/>
             </a:lvl8pPr>
-            <a:lvl9pPr marL="1944014" indent="0" algn="ctr">
+            <a:lvl9pPr marL="2057400" indent="0" algn="ctr">
               <a:buNone/>
-              <a:defRPr sz="850"/>
+              <a:defRPr sz="900"/>
             </a:lvl9pPr>
           </a:lstStyle>
           <a:p>
@@ -1984,7 +4287,7 @@
           <a:p>
             <a:fld id="{ECF8A5AB-4FEB-4DE2-90BB-D554FBAEAC0F}" type="datetimeFigureOut">
               <a:rPr lang="en-GB" smtClean="0"/>
-              <a:t>26/09/2022</a:t>
+              <a:t>15/10/2023</a:t>
             </a:fld>
             <a:endParaRPr lang="en-GB"/>
           </a:p>
@@ -2026,7 +4329,7 @@
           <a:p>
             <a:fld id="{C8412E9A-3B95-40E3-A7A7-1D9879B1CEE8}" type="slidenum">
               <a:rPr lang="en-GB" smtClean="0"/>
-              <a:t>‹#›</a:t>
+              <a:t>‹N›</a:t>
             </a:fld>
             <a:endParaRPr lang="en-GB"/>
           </a:p>
@@ -2035,7 +4338,7 @@
     </p:spTree>
     <p:extLst>
       <p:ext uri="{BB962C8B-B14F-4D97-AF65-F5344CB8AC3E}">
-        <p14:creationId xmlns:p14="http://schemas.microsoft.com/office/powerpoint/2010/main" val="1695936458"/>
+        <p14:creationId xmlns:p14="http://schemas.microsoft.com/office/powerpoint/2010/main" val="2180055633"/>
       </p:ext>
     </p:extLst>
   </p:cSld>
@@ -2154,7 +4457,7 @@
           <a:p>
             <a:fld id="{ECF8A5AB-4FEB-4DE2-90BB-D554FBAEAC0F}" type="datetimeFigureOut">
               <a:rPr lang="en-GB" smtClean="0"/>
-              <a:t>26/09/2022</a:t>
+              <a:t>15/10/2023</a:t>
             </a:fld>
             <a:endParaRPr lang="en-GB"/>
           </a:p>
@@ -2196,7 +4499,7 @@
           <a:p>
             <a:fld id="{C8412E9A-3B95-40E3-A7A7-1D9879B1CEE8}" type="slidenum">
               <a:rPr lang="en-GB" smtClean="0"/>
-              <a:t>‹#›</a:t>
+              <a:t>‹N›</a:t>
             </a:fld>
             <a:endParaRPr lang="en-GB"/>
           </a:p>
@@ -2205,7 +4508,7 @@
     </p:spTree>
     <p:extLst>
       <p:ext uri="{BB962C8B-B14F-4D97-AF65-F5344CB8AC3E}">
-        <p14:creationId xmlns:p14="http://schemas.microsoft.com/office/powerpoint/2010/main" val="3701403647"/>
+        <p14:creationId xmlns:p14="http://schemas.microsoft.com/office/powerpoint/2010/main" val="1389924265"/>
       </p:ext>
     </p:extLst>
   </p:cSld>
@@ -2244,8 +4547,8 @@
         </p:nvSpPr>
         <p:spPr>
           <a:xfrm>
-            <a:off x="4637375" y="205045"/>
-            <a:ext cx="1397288" cy="3263778"/>
+            <a:off x="4907756" y="224230"/>
+            <a:ext cx="1478756" cy="3569169"/>
           </a:xfrm>
         </p:spPr>
         <p:txBody>
@@ -2272,8 +4575,8 @@
         </p:nvSpPr>
         <p:spPr>
           <a:xfrm>
-            <a:off x="445512" y="205045"/>
-            <a:ext cx="4110861" cy="3263778"/>
+            <a:off x="471487" y="224230"/>
+            <a:ext cx="4350544" cy="3569169"/>
           </a:xfrm>
         </p:spPr>
         <p:txBody>
@@ -2334,7 +4637,7 @@
           <a:p>
             <a:fld id="{ECF8A5AB-4FEB-4DE2-90BB-D554FBAEAC0F}" type="datetimeFigureOut">
               <a:rPr lang="en-GB" smtClean="0"/>
-              <a:t>26/09/2022</a:t>
+              <a:t>15/10/2023</a:t>
             </a:fld>
             <a:endParaRPr lang="en-GB"/>
           </a:p>
@@ -2376,7 +4679,7 @@
           <a:p>
             <a:fld id="{C8412E9A-3B95-40E3-A7A7-1D9879B1CEE8}" type="slidenum">
               <a:rPr lang="en-GB" smtClean="0"/>
-              <a:t>‹#›</a:t>
+              <a:t>‹N›</a:t>
             </a:fld>
             <a:endParaRPr lang="en-GB"/>
           </a:p>
@@ -2385,7 +4688,7 @@
     </p:spTree>
     <p:extLst>
       <p:ext uri="{BB962C8B-B14F-4D97-AF65-F5344CB8AC3E}">
-        <p14:creationId xmlns:p14="http://schemas.microsoft.com/office/powerpoint/2010/main" val="604396019"/>
+        <p14:creationId xmlns:p14="http://schemas.microsoft.com/office/powerpoint/2010/main" val="206669728"/>
       </p:ext>
     </p:extLst>
   </p:cSld>
@@ -2504,7 +4807,7 @@
           <a:p>
             <a:fld id="{ECF8A5AB-4FEB-4DE2-90BB-D554FBAEAC0F}" type="datetimeFigureOut">
               <a:rPr lang="en-GB" smtClean="0"/>
-              <a:t>26/09/2022</a:t>
+              <a:t>15/10/2023</a:t>
             </a:fld>
             <a:endParaRPr lang="en-GB"/>
           </a:p>
@@ -2546,7 +4849,7 @@
           <a:p>
             <a:fld id="{C8412E9A-3B95-40E3-A7A7-1D9879B1CEE8}" type="slidenum">
               <a:rPr lang="en-GB" smtClean="0"/>
-              <a:t>‹#›</a:t>
+              <a:t>‹N›</a:t>
             </a:fld>
             <a:endParaRPr lang="en-GB"/>
           </a:p>
@@ -2555,7 +4858,7 @@
     </p:spTree>
     <p:extLst>
       <p:ext uri="{BB962C8B-B14F-4D97-AF65-F5344CB8AC3E}">
-        <p14:creationId xmlns:p14="http://schemas.microsoft.com/office/powerpoint/2010/main" val="102803070"/>
+        <p14:creationId xmlns:p14="http://schemas.microsoft.com/office/powerpoint/2010/main" val="3555287487"/>
       </p:ext>
     </p:extLst>
   </p:cSld>
@@ -2594,15 +4897,15 @@
         </p:nvSpPr>
         <p:spPr>
           <a:xfrm>
-            <a:off x="442137" y="960145"/>
-            <a:ext cx="5589151" cy="1602023"/>
+            <a:off x="467916" y="1049985"/>
+            <a:ext cx="5915025" cy="1751924"/>
           </a:xfrm>
         </p:spPr>
         <p:txBody>
           <a:bodyPr anchor="b"/>
           <a:lstStyle>
             <a:lvl1pPr>
-              <a:defRPr sz="3189"/>
+              <a:defRPr sz="3375"/>
             </a:lvl1pPr>
           </a:lstStyle>
           <a:p>
@@ -2626,8 +4929,8 @@
         </p:nvSpPr>
         <p:spPr>
           <a:xfrm>
-            <a:off x="442137" y="2577324"/>
-            <a:ext cx="5589151" cy="842466"/>
+            <a:off x="467916" y="2818483"/>
+            <a:ext cx="5915025" cy="921296"/>
           </a:xfrm>
         </p:spPr>
         <p:txBody>
@@ -2635,7 +4938,7 @@
           <a:lstStyle>
             <a:lvl1pPr marL="0" indent="0">
               <a:buNone/>
-              <a:defRPr sz="1276">
+              <a:defRPr sz="1350">
                 <a:solidFill>
                   <a:schemeClr val="tx1">
                     <a:tint val="75000"/>
@@ -2643,9 +4946,9 @@
                 </a:solidFill>
               </a:defRPr>
             </a:lvl1pPr>
-            <a:lvl2pPr marL="243002" indent="0">
+            <a:lvl2pPr marL="257175" indent="0">
               <a:buNone/>
-              <a:defRPr sz="1063">
+              <a:defRPr sz="1125">
                 <a:solidFill>
                   <a:schemeClr val="tx1">
                     <a:tint val="75000"/>
@@ -2653,9 +4956,9 @@
                 </a:solidFill>
               </a:defRPr>
             </a:lvl2pPr>
-            <a:lvl3pPr marL="486004" indent="0">
+            <a:lvl3pPr marL="514350" indent="0">
               <a:buNone/>
-              <a:defRPr sz="957">
+              <a:defRPr sz="1013">
                 <a:solidFill>
                   <a:schemeClr val="tx1">
                     <a:tint val="75000"/>
@@ -2663,9 +4966,9 @@
                 </a:solidFill>
               </a:defRPr>
             </a:lvl3pPr>
-            <a:lvl4pPr marL="729005" indent="0">
+            <a:lvl4pPr marL="771525" indent="0">
               <a:buNone/>
-              <a:defRPr sz="850">
+              <a:defRPr sz="900">
                 <a:solidFill>
                   <a:schemeClr val="tx1">
                     <a:tint val="75000"/>
@@ -2673,9 +4976,9 @@
                 </a:solidFill>
               </a:defRPr>
             </a:lvl4pPr>
-            <a:lvl5pPr marL="972007" indent="0">
+            <a:lvl5pPr marL="1028700" indent="0">
               <a:buNone/>
-              <a:defRPr sz="850">
+              <a:defRPr sz="900">
                 <a:solidFill>
                   <a:schemeClr val="tx1">
                     <a:tint val="75000"/>
@@ -2683,9 +4986,9 @@
                 </a:solidFill>
               </a:defRPr>
             </a:lvl5pPr>
-            <a:lvl6pPr marL="1215009" indent="0">
+            <a:lvl6pPr marL="1285875" indent="0">
               <a:buNone/>
-              <a:defRPr sz="850">
+              <a:defRPr sz="900">
                 <a:solidFill>
                   <a:schemeClr val="tx1">
                     <a:tint val="75000"/>
@@ -2693,9 +4996,9 @@
                 </a:solidFill>
               </a:defRPr>
             </a:lvl6pPr>
-            <a:lvl7pPr marL="1458011" indent="0">
+            <a:lvl7pPr marL="1543050" indent="0">
               <a:buNone/>
-              <a:defRPr sz="850">
+              <a:defRPr sz="900">
                 <a:solidFill>
                   <a:schemeClr val="tx1">
                     <a:tint val="75000"/>
@@ -2703,9 +5006,9 @@
                 </a:solidFill>
               </a:defRPr>
             </a:lvl7pPr>
-            <a:lvl8pPr marL="1701013" indent="0">
+            <a:lvl8pPr marL="1800225" indent="0">
               <a:buNone/>
-              <a:defRPr sz="850">
+              <a:defRPr sz="900">
                 <a:solidFill>
                   <a:schemeClr val="tx1">
                     <a:tint val="75000"/>
@@ -2713,9 +5016,9 @@
                 </a:solidFill>
               </a:defRPr>
             </a:lvl8pPr>
-            <a:lvl9pPr marL="1944014" indent="0">
+            <a:lvl9pPr marL="2057400" indent="0">
               <a:buNone/>
-              <a:defRPr sz="850">
+              <a:defRPr sz="900">
                 <a:solidFill>
                   <a:schemeClr val="tx1">
                     <a:tint val="75000"/>
@@ -2750,7 +5053,7 @@
           <a:p>
             <a:fld id="{ECF8A5AB-4FEB-4DE2-90BB-D554FBAEAC0F}" type="datetimeFigureOut">
               <a:rPr lang="en-GB" smtClean="0"/>
-              <a:t>26/09/2022</a:t>
+              <a:t>15/10/2023</a:t>
             </a:fld>
             <a:endParaRPr lang="en-GB"/>
           </a:p>
@@ -2792,7 +5095,7 @@
           <a:p>
             <a:fld id="{C8412E9A-3B95-40E3-A7A7-1D9879B1CEE8}" type="slidenum">
               <a:rPr lang="en-GB" smtClean="0"/>
-              <a:t>‹#›</a:t>
+              <a:t>‹N›</a:t>
             </a:fld>
             <a:endParaRPr lang="en-GB"/>
           </a:p>
@@ -2801,7 +5104,7 @@
     </p:spTree>
     <p:extLst>
       <p:ext uri="{BB962C8B-B14F-4D97-AF65-F5344CB8AC3E}">
-        <p14:creationId xmlns:p14="http://schemas.microsoft.com/office/powerpoint/2010/main" val="1969290930"/>
+        <p14:creationId xmlns:p14="http://schemas.microsoft.com/office/powerpoint/2010/main" val="155563417"/>
       </p:ext>
     </p:extLst>
   </p:cSld>
@@ -2863,8 +5166,8 @@
         </p:nvSpPr>
         <p:spPr>
           <a:xfrm>
-            <a:off x="445512" y="1025223"/>
-            <a:ext cx="2754074" cy="2443599"/>
+            <a:off x="471488" y="1121153"/>
+            <a:ext cx="2914650" cy="2672246"/>
           </a:xfrm>
         </p:spPr>
         <p:txBody>
@@ -2920,8 +5223,8 @@
         </p:nvSpPr>
         <p:spPr>
           <a:xfrm>
-            <a:off x="3280589" y="1025223"/>
-            <a:ext cx="2754074" cy="2443599"/>
+            <a:off x="3471863" y="1121153"/>
+            <a:ext cx="2914650" cy="2672246"/>
           </a:xfrm>
         </p:spPr>
         <p:txBody>
@@ -2982,7 +5285,7 @@
           <a:p>
             <a:fld id="{ECF8A5AB-4FEB-4DE2-90BB-D554FBAEAC0F}" type="datetimeFigureOut">
               <a:rPr lang="en-GB" smtClean="0"/>
-              <a:t>26/09/2022</a:t>
+              <a:t>15/10/2023</a:t>
             </a:fld>
             <a:endParaRPr lang="en-GB"/>
           </a:p>
@@ -3024,7 +5327,7 @@
           <a:p>
             <a:fld id="{C8412E9A-3B95-40E3-A7A7-1D9879B1CEE8}" type="slidenum">
               <a:rPr lang="en-GB" smtClean="0"/>
-              <a:t>‹#›</a:t>
+              <a:t>‹N›</a:t>
             </a:fld>
             <a:endParaRPr lang="en-GB"/>
           </a:p>
@@ -3033,7 +5336,7 @@
     </p:spTree>
     <p:extLst>
       <p:ext uri="{BB962C8B-B14F-4D97-AF65-F5344CB8AC3E}">
-        <p14:creationId xmlns:p14="http://schemas.microsoft.com/office/powerpoint/2010/main" val="1328243584"/>
+        <p14:creationId xmlns:p14="http://schemas.microsoft.com/office/powerpoint/2010/main" val="3806300168"/>
       </p:ext>
     </p:extLst>
   </p:cSld>
@@ -3072,8 +5375,8 @@
         </p:nvSpPr>
         <p:spPr>
           <a:xfrm>
-            <a:off x="446356" y="205045"/>
-            <a:ext cx="5589151" cy="744402"/>
+            <a:off x="472381" y="224231"/>
+            <a:ext cx="5915025" cy="814055"/>
           </a:xfrm>
         </p:spPr>
         <p:txBody>
@@ -3100,8 +5403,8 @@
         </p:nvSpPr>
         <p:spPr>
           <a:xfrm>
-            <a:off x="446356" y="944097"/>
-            <a:ext cx="2741418" cy="462688"/>
+            <a:off x="472381" y="1032437"/>
+            <a:ext cx="2901255" cy="505981"/>
           </a:xfrm>
         </p:spPr>
         <p:txBody>
@@ -3109,39 +5412,39 @@
           <a:lstStyle>
             <a:lvl1pPr marL="0" indent="0">
               <a:buNone/>
-              <a:defRPr sz="1276" b="1"/>
+              <a:defRPr sz="1350" b="1"/>
             </a:lvl1pPr>
-            <a:lvl2pPr marL="243002" indent="0">
+            <a:lvl2pPr marL="257175" indent="0">
               <a:buNone/>
-              <a:defRPr sz="1063" b="1"/>
+              <a:defRPr sz="1125" b="1"/>
             </a:lvl2pPr>
-            <a:lvl3pPr marL="486004" indent="0">
+            <a:lvl3pPr marL="514350" indent="0">
               <a:buNone/>
-              <a:defRPr sz="957" b="1"/>
+              <a:defRPr sz="1013" b="1"/>
             </a:lvl3pPr>
-            <a:lvl4pPr marL="729005" indent="0">
+            <a:lvl4pPr marL="771525" indent="0">
               <a:buNone/>
-              <a:defRPr sz="850" b="1"/>
+              <a:defRPr sz="900" b="1"/>
             </a:lvl4pPr>
-            <a:lvl5pPr marL="972007" indent="0">
+            <a:lvl5pPr marL="1028700" indent="0">
               <a:buNone/>
-              <a:defRPr sz="850" b="1"/>
+              <a:defRPr sz="900" b="1"/>
             </a:lvl5pPr>
-            <a:lvl6pPr marL="1215009" indent="0">
+            <a:lvl6pPr marL="1285875" indent="0">
               <a:buNone/>
-              <a:defRPr sz="850" b="1"/>
+              <a:defRPr sz="900" b="1"/>
             </a:lvl6pPr>
-            <a:lvl7pPr marL="1458011" indent="0">
+            <a:lvl7pPr marL="1543050" indent="0">
               <a:buNone/>
-              <a:defRPr sz="850" b="1"/>
+              <a:defRPr sz="900" b="1"/>
             </a:lvl7pPr>
-            <a:lvl8pPr marL="1701013" indent="0">
+            <a:lvl8pPr marL="1800225" indent="0">
               <a:buNone/>
-              <a:defRPr sz="850" b="1"/>
+              <a:defRPr sz="900" b="1"/>
             </a:lvl8pPr>
-            <a:lvl9pPr marL="1944014" indent="0">
+            <a:lvl9pPr marL="2057400" indent="0">
               <a:buNone/>
-              <a:defRPr sz="850" b="1"/>
+              <a:defRPr sz="900" b="1"/>
             </a:lvl9pPr>
           </a:lstStyle>
           <a:p>
@@ -3165,8 +5468,8 @@
         </p:nvSpPr>
         <p:spPr>
           <a:xfrm>
-            <a:off x="446356" y="1406785"/>
-            <a:ext cx="2741418" cy="2069169"/>
+            <a:off x="472381" y="1538418"/>
+            <a:ext cx="2901255" cy="2262781"/>
           </a:xfrm>
         </p:spPr>
         <p:txBody>
@@ -3222,8 +5525,8 @@
         </p:nvSpPr>
         <p:spPr>
           <a:xfrm>
-            <a:off x="3280589" y="944097"/>
-            <a:ext cx="2754918" cy="462688"/>
+            <a:off x="3471863" y="1032437"/>
+            <a:ext cx="2915543" cy="505981"/>
           </a:xfrm>
         </p:spPr>
         <p:txBody>
@@ -3231,39 +5534,39 @@
           <a:lstStyle>
             <a:lvl1pPr marL="0" indent="0">
               <a:buNone/>
-              <a:defRPr sz="1276" b="1"/>
+              <a:defRPr sz="1350" b="1"/>
             </a:lvl1pPr>
-            <a:lvl2pPr marL="243002" indent="0">
+            <a:lvl2pPr marL="257175" indent="0">
               <a:buNone/>
-              <a:defRPr sz="1063" b="1"/>
+              <a:defRPr sz="1125" b="1"/>
             </a:lvl2pPr>
-            <a:lvl3pPr marL="486004" indent="0">
+            <a:lvl3pPr marL="514350" indent="0">
               <a:buNone/>
-              <a:defRPr sz="957" b="1"/>
+              <a:defRPr sz="1013" b="1"/>
             </a:lvl3pPr>
-            <a:lvl4pPr marL="729005" indent="0">
+            <a:lvl4pPr marL="771525" indent="0">
               <a:buNone/>
-              <a:defRPr sz="850" b="1"/>
+              <a:defRPr sz="900" b="1"/>
             </a:lvl4pPr>
-            <a:lvl5pPr marL="972007" indent="0">
+            <a:lvl5pPr marL="1028700" indent="0">
               <a:buNone/>
-              <a:defRPr sz="850" b="1"/>
+              <a:defRPr sz="900" b="1"/>
             </a:lvl5pPr>
-            <a:lvl6pPr marL="1215009" indent="0">
+            <a:lvl6pPr marL="1285875" indent="0">
               <a:buNone/>
-              <a:defRPr sz="850" b="1"/>
+              <a:defRPr sz="900" b="1"/>
             </a:lvl6pPr>
-            <a:lvl7pPr marL="1458011" indent="0">
+            <a:lvl7pPr marL="1543050" indent="0">
               <a:buNone/>
-              <a:defRPr sz="850" b="1"/>
+              <a:defRPr sz="900" b="1"/>
             </a:lvl7pPr>
-            <a:lvl8pPr marL="1701013" indent="0">
+            <a:lvl8pPr marL="1800225" indent="0">
               <a:buNone/>
-              <a:defRPr sz="850" b="1"/>
+              <a:defRPr sz="900" b="1"/>
             </a:lvl8pPr>
-            <a:lvl9pPr marL="1944014" indent="0">
+            <a:lvl9pPr marL="2057400" indent="0">
               <a:buNone/>
-              <a:defRPr sz="850" b="1"/>
+              <a:defRPr sz="900" b="1"/>
             </a:lvl9pPr>
           </a:lstStyle>
           <a:p>
@@ -3287,8 +5590,8 @@
         </p:nvSpPr>
         <p:spPr>
           <a:xfrm>
-            <a:off x="3280589" y="1406785"/>
-            <a:ext cx="2754918" cy="2069169"/>
+            <a:off x="3471863" y="1538418"/>
+            <a:ext cx="2915543" cy="2262781"/>
           </a:xfrm>
         </p:spPr>
         <p:txBody>
@@ -3349,7 +5652,7 @@
           <a:p>
             <a:fld id="{ECF8A5AB-4FEB-4DE2-90BB-D554FBAEAC0F}" type="datetimeFigureOut">
               <a:rPr lang="en-GB" smtClean="0"/>
-              <a:t>26/09/2022</a:t>
+              <a:t>15/10/2023</a:t>
             </a:fld>
             <a:endParaRPr lang="en-GB"/>
           </a:p>
@@ -3391,7 +5694,7 @@
           <a:p>
             <a:fld id="{C8412E9A-3B95-40E3-A7A7-1D9879B1CEE8}" type="slidenum">
               <a:rPr lang="en-GB" smtClean="0"/>
-              <a:t>‹#›</a:t>
+              <a:t>‹N›</a:t>
             </a:fld>
             <a:endParaRPr lang="en-GB"/>
           </a:p>
@@ -3400,7 +5703,7 @@
     </p:spTree>
     <p:extLst>
       <p:ext uri="{BB962C8B-B14F-4D97-AF65-F5344CB8AC3E}">
-        <p14:creationId xmlns:p14="http://schemas.microsoft.com/office/powerpoint/2010/main" val="2444902376"/>
+        <p14:creationId xmlns:p14="http://schemas.microsoft.com/office/powerpoint/2010/main" val="1285204231"/>
       </p:ext>
     </p:extLst>
   </p:cSld>
@@ -3467,7 +5770,7 @@
           <a:p>
             <a:fld id="{ECF8A5AB-4FEB-4DE2-90BB-D554FBAEAC0F}" type="datetimeFigureOut">
               <a:rPr lang="en-GB" smtClean="0"/>
-              <a:t>26/09/2022</a:t>
+              <a:t>15/10/2023</a:t>
             </a:fld>
             <a:endParaRPr lang="en-GB"/>
           </a:p>
@@ -3509,7 +5812,7 @@
           <a:p>
             <a:fld id="{C8412E9A-3B95-40E3-A7A7-1D9879B1CEE8}" type="slidenum">
               <a:rPr lang="en-GB" smtClean="0"/>
-              <a:t>‹#›</a:t>
+              <a:t>‹N›</a:t>
             </a:fld>
             <a:endParaRPr lang="en-GB"/>
           </a:p>
@@ -3518,7 +5821,7 @@
     </p:spTree>
     <p:extLst>
       <p:ext uri="{BB962C8B-B14F-4D97-AF65-F5344CB8AC3E}">
-        <p14:creationId xmlns:p14="http://schemas.microsoft.com/office/powerpoint/2010/main" val="1143668299"/>
+        <p14:creationId xmlns:p14="http://schemas.microsoft.com/office/powerpoint/2010/main" val="1411081833"/>
       </p:ext>
     </p:extLst>
   </p:cSld>
@@ -3562,7 +5865,7 @@
           <a:p>
             <a:fld id="{ECF8A5AB-4FEB-4DE2-90BB-D554FBAEAC0F}" type="datetimeFigureOut">
               <a:rPr lang="en-GB" smtClean="0"/>
-              <a:t>26/09/2022</a:t>
+              <a:t>15/10/2023</a:t>
             </a:fld>
             <a:endParaRPr lang="en-GB"/>
           </a:p>
@@ -3604,7 +5907,7 @@
           <a:p>
             <a:fld id="{C8412E9A-3B95-40E3-A7A7-1D9879B1CEE8}" type="slidenum">
               <a:rPr lang="en-GB" smtClean="0"/>
-              <a:t>‹#›</a:t>
+              <a:t>‹N›</a:t>
             </a:fld>
             <a:endParaRPr lang="en-GB"/>
           </a:p>
@@ -3613,7 +5916,7 @@
     </p:spTree>
     <p:extLst>
       <p:ext uri="{BB962C8B-B14F-4D97-AF65-F5344CB8AC3E}">
-        <p14:creationId xmlns:p14="http://schemas.microsoft.com/office/powerpoint/2010/main" val="2394379642"/>
+        <p14:creationId xmlns:p14="http://schemas.microsoft.com/office/powerpoint/2010/main" val="918271520"/>
       </p:ext>
     </p:extLst>
   </p:cSld>
@@ -3652,15 +5955,15 @@
         </p:nvSpPr>
         <p:spPr>
           <a:xfrm>
-            <a:off x="446356" y="256752"/>
-            <a:ext cx="2090025" cy="898631"/>
+            <a:off x="472381" y="280776"/>
+            <a:ext cx="2211883" cy="982716"/>
           </a:xfrm>
         </p:spPr>
         <p:txBody>
           <a:bodyPr anchor="b"/>
           <a:lstStyle>
             <a:lvl1pPr>
-              <a:defRPr sz="1701"/>
+              <a:defRPr sz="1800"/>
             </a:lvl1pPr>
           </a:lstStyle>
           <a:p>
@@ -3684,39 +5987,39 @@
         </p:nvSpPr>
         <p:spPr>
           <a:xfrm>
-            <a:off x="2754918" y="554513"/>
-            <a:ext cx="3280589" cy="2736901"/>
+            <a:off x="2915543" y="606398"/>
+            <a:ext cx="3471863" cy="2992993"/>
           </a:xfrm>
         </p:spPr>
         <p:txBody>
           <a:bodyPr/>
           <a:lstStyle>
             <a:lvl1pPr>
-              <a:defRPr sz="1701"/>
+              <a:defRPr sz="1800"/>
             </a:lvl1pPr>
             <a:lvl2pPr>
-              <a:defRPr sz="1488"/>
+              <a:defRPr sz="1575"/>
             </a:lvl2pPr>
             <a:lvl3pPr>
-              <a:defRPr sz="1276"/>
+              <a:defRPr sz="1350"/>
             </a:lvl3pPr>
             <a:lvl4pPr>
-              <a:defRPr sz="1063"/>
+              <a:defRPr sz="1125"/>
             </a:lvl4pPr>
             <a:lvl5pPr>
-              <a:defRPr sz="1063"/>
+              <a:defRPr sz="1125"/>
             </a:lvl5pPr>
             <a:lvl6pPr>
-              <a:defRPr sz="1063"/>
+              <a:defRPr sz="1125"/>
             </a:lvl6pPr>
             <a:lvl7pPr>
-              <a:defRPr sz="1063"/>
+              <a:defRPr sz="1125"/>
             </a:lvl7pPr>
             <a:lvl8pPr>
-              <a:defRPr sz="1063"/>
+              <a:defRPr sz="1125"/>
             </a:lvl8pPr>
             <a:lvl9pPr>
-              <a:defRPr sz="1063"/>
+              <a:defRPr sz="1125"/>
             </a:lvl9pPr>
           </a:lstStyle>
           <a:p>
@@ -3769,8 +6072,8 @@
         </p:nvSpPr>
         <p:spPr>
           <a:xfrm>
-            <a:off x="446356" y="1155383"/>
-            <a:ext cx="2090025" cy="2140489"/>
+            <a:off x="472381" y="1263491"/>
+            <a:ext cx="2211883" cy="2340774"/>
           </a:xfrm>
         </p:spPr>
         <p:txBody>
@@ -3778,39 +6081,39 @@
           <a:lstStyle>
             <a:lvl1pPr marL="0" indent="0">
               <a:buNone/>
-              <a:defRPr sz="850"/>
+              <a:defRPr sz="900"/>
             </a:lvl1pPr>
-            <a:lvl2pPr marL="243002" indent="0">
+            <a:lvl2pPr marL="257175" indent="0">
               <a:buNone/>
-              <a:defRPr sz="744"/>
+              <a:defRPr sz="788"/>
             </a:lvl2pPr>
-            <a:lvl3pPr marL="486004" indent="0">
+            <a:lvl3pPr marL="514350" indent="0">
               <a:buNone/>
-              <a:defRPr sz="638"/>
+              <a:defRPr sz="675"/>
             </a:lvl3pPr>
-            <a:lvl4pPr marL="729005" indent="0">
+            <a:lvl4pPr marL="771525" indent="0">
               <a:buNone/>
-              <a:defRPr sz="532"/>
+              <a:defRPr sz="563"/>
             </a:lvl4pPr>
-            <a:lvl5pPr marL="972007" indent="0">
+            <a:lvl5pPr marL="1028700" indent="0">
               <a:buNone/>
-              <a:defRPr sz="532"/>
+              <a:defRPr sz="563"/>
             </a:lvl5pPr>
-            <a:lvl6pPr marL="1215009" indent="0">
+            <a:lvl6pPr marL="1285875" indent="0">
               <a:buNone/>
-              <a:defRPr sz="532"/>
+              <a:defRPr sz="563"/>
             </a:lvl6pPr>
-            <a:lvl7pPr marL="1458011" indent="0">
+            <a:lvl7pPr marL="1543050" indent="0">
               <a:buNone/>
-              <a:defRPr sz="532"/>
+              <a:defRPr sz="563"/>
             </a:lvl7pPr>
-            <a:lvl8pPr marL="1701013" indent="0">
+            <a:lvl8pPr marL="1800225" indent="0">
               <a:buNone/>
-              <a:defRPr sz="532"/>
+              <a:defRPr sz="563"/>
             </a:lvl8pPr>
-            <a:lvl9pPr marL="1944014" indent="0">
+            <a:lvl9pPr marL="2057400" indent="0">
               <a:buNone/>
-              <a:defRPr sz="532"/>
+              <a:defRPr sz="563"/>
             </a:lvl9pPr>
           </a:lstStyle>
           <a:p>
@@ -3839,7 +6142,7 @@
           <a:p>
             <a:fld id="{ECF8A5AB-4FEB-4DE2-90BB-D554FBAEAC0F}" type="datetimeFigureOut">
               <a:rPr lang="en-GB" smtClean="0"/>
-              <a:t>26/09/2022</a:t>
+              <a:t>15/10/2023</a:t>
             </a:fld>
             <a:endParaRPr lang="en-GB"/>
           </a:p>
@@ -3881,7 +6184,7 @@
           <a:p>
             <a:fld id="{C8412E9A-3B95-40E3-A7A7-1D9879B1CEE8}" type="slidenum">
               <a:rPr lang="en-GB" smtClean="0"/>
-              <a:t>‹#›</a:t>
+              <a:t>‹N›</a:t>
             </a:fld>
             <a:endParaRPr lang="en-GB"/>
           </a:p>
@@ -3890,7 +6193,7 @@
     </p:spTree>
     <p:extLst>
       <p:ext uri="{BB962C8B-B14F-4D97-AF65-F5344CB8AC3E}">
-        <p14:creationId xmlns:p14="http://schemas.microsoft.com/office/powerpoint/2010/main" val="2991604892"/>
+        <p14:creationId xmlns:p14="http://schemas.microsoft.com/office/powerpoint/2010/main" val="2836338339"/>
       </p:ext>
     </p:extLst>
   </p:cSld>
@@ -3929,15 +6232,15 @@
         </p:nvSpPr>
         <p:spPr>
           <a:xfrm>
-            <a:off x="446356" y="256752"/>
-            <a:ext cx="2090025" cy="898631"/>
+            <a:off x="472381" y="280776"/>
+            <a:ext cx="2211883" cy="982716"/>
           </a:xfrm>
         </p:spPr>
         <p:txBody>
           <a:bodyPr anchor="b"/>
           <a:lstStyle>
             <a:lvl1pPr>
-              <a:defRPr sz="1701"/>
+              <a:defRPr sz="1800"/>
             </a:lvl1pPr>
           </a:lstStyle>
           <a:p>
@@ -3961,8 +6264,8 @@
         </p:nvSpPr>
         <p:spPr>
           <a:xfrm>
-            <a:off x="2754918" y="554513"/>
-            <a:ext cx="3280589" cy="2736901"/>
+            <a:off x="2915543" y="606398"/>
+            <a:ext cx="3471863" cy="2992993"/>
           </a:xfrm>
         </p:spPr>
         <p:txBody>
@@ -3970,39 +6273,39 @@
           <a:lstStyle>
             <a:lvl1pPr marL="0" indent="0">
               <a:buNone/>
-              <a:defRPr sz="1701"/>
+              <a:defRPr sz="1800"/>
             </a:lvl1pPr>
-            <a:lvl2pPr marL="243002" indent="0">
+            <a:lvl2pPr marL="257175" indent="0">
               <a:buNone/>
-              <a:defRPr sz="1488"/>
+              <a:defRPr sz="1575"/>
             </a:lvl2pPr>
-            <a:lvl3pPr marL="486004" indent="0">
+            <a:lvl3pPr marL="514350" indent="0">
               <a:buNone/>
-              <a:defRPr sz="1276"/>
+              <a:defRPr sz="1350"/>
             </a:lvl3pPr>
-            <a:lvl4pPr marL="729005" indent="0">
+            <a:lvl4pPr marL="771525" indent="0">
               <a:buNone/>
-              <a:defRPr sz="1063"/>
+              <a:defRPr sz="1125"/>
             </a:lvl4pPr>
-            <a:lvl5pPr marL="972007" indent="0">
+            <a:lvl5pPr marL="1028700" indent="0">
               <a:buNone/>
-              <a:defRPr sz="1063"/>
+              <a:defRPr sz="1125"/>
             </a:lvl5pPr>
-            <a:lvl6pPr marL="1215009" indent="0">
+            <a:lvl6pPr marL="1285875" indent="0">
               <a:buNone/>
-              <a:defRPr sz="1063"/>
+              <a:defRPr sz="1125"/>
             </a:lvl6pPr>
-            <a:lvl7pPr marL="1458011" indent="0">
+            <a:lvl7pPr marL="1543050" indent="0">
               <a:buNone/>
-              <a:defRPr sz="1063"/>
+              <a:defRPr sz="1125"/>
             </a:lvl7pPr>
-            <a:lvl8pPr marL="1701013" indent="0">
+            <a:lvl8pPr marL="1800225" indent="0">
               <a:buNone/>
-              <a:defRPr sz="1063"/>
+              <a:defRPr sz="1125"/>
             </a:lvl8pPr>
-            <a:lvl9pPr marL="1944014" indent="0">
+            <a:lvl9pPr marL="2057400" indent="0">
               <a:buNone/>
-              <a:defRPr sz="1063"/>
+              <a:defRPr sz="1125"/>
             </a:lvl9pPr>
           </a:lstStyle>
           <a:p>
@@ -4026,8 +6329,8 @@
         </p:nvSpPr>
         <p:spPr>
           <a:xfrm>
-            <a:off x="446356" y="1155383"/>
-            <a:ext cx="2090025" cy="2140489"/>
+            <a:off x="472381" y="1263491"/>
+            <a:ext cx="2211883" cy="2340774"/>
           </a:xfrm>
         </p:spPr>
         <p:txBody>
@@ -4035,39 +6338,39 @@
           <a:lstStyle>
             <a:lvl1pPr marL="0" indent="0">
               <a:buNone/>
-              <a:defRPr sz="850"/>
+              <a:defRPr sz="900"/>
             </a:lvl1pPr>
-            <a:lvl2pPr marL="243002" indent="0">
+            <a:lvl2pPr marL="257175" indent="0">
               <a:buNone/>
-              <a:defRPr sz="744"/>
+              <a:defRPr sz="788"/>
             </a:lvl2pPr>
-            <a:lvl3pPr marL="486004" indent="0">
+            <a:lvl3pPr marL="514350" indent="0">
               <a:buNone/>
-              <a:defRPr sz="638"/>
+              <a:defRPr sz="675"/>
             </a:lvl3pPr>
-            <a:lvl4pPr marL="729005" indent="0">
+            <a:lvl4pPr marL="771525" indent="0">
               <a:buNone/>
-              <a:defRPr sz="532"/>
+              <a:defRPr sz="563"/>
             </a:lvl4pPr>
-            <a:lvl5pPr marL="972007" indent="0">
+            <a:lvl5pPr marL="1028700" indent="0">
               <a:buNone/>
-              <a:defRPr sz="532"/>
+              <a:defRPr sz="563"/>
             </a:lvl5pPr>
-            <a:lvl6pPr marL="1215009" indent="0">
+            <a:lvl6pPr marL="1285875" indent="0">
               <a:buNone/>
-              <a:defRPr sz="532"/>
+              <a:defRPr sz="563"/>
             </a:lvl6pPr>
-            <a:lvl7pPr marL="1458011" indent="0">
+            <a:lvl7pPr marL="1543050" indent="0">
               <a:buNone/>
-              <a:defRPr sz="532"/>
+              <a:defRPr sz="563"/>
             </a:lvl7pPr>
-            <a:lvl8pPr marL="1701013" indent="0">
+            <a:lvl8pPr marL="1800225" indent="0">
               <a:buNone/>
-              <a:defRPr sz="532"/>
+              <a:defRPr sz="563"/>
             </a:lvl8pPr>
-            <a:lvl9pPr marL="1944014" indent="0">
+            <a:lvl9pPr marL="2057400" indent="0">
               <a:buNone/>
-              <a:defRPr sz="532"/>
+              <a:defRPr sz="563"/>
             </a:lvl9pPr>
           </a:lstStyle>
           <a:p>
@@ -4096,7 +6399,7 @@
           <a:p>
             <a:fld id="{ECF8A5AB-4FEB-4DE2-90BB-D554FBAEAC0F}" type="datetimeFigureOut">
               <a:rPr lang="en-GB" smtClean="0"/>
-              <a:t>26/09/2022</a:t>
+              <a:t>15/10/2023</a:t>
             </a:fld>
             <a:endParaRPr lang="en-GB"/>
           </a:p>
@@ -4138,7 +6441,7 @@
           <a:p>
             <a:fld id="{C8412E9A-3B95-40E3-A7A7-1D9879B1CEE8}" type="slidenum">
               <a:rPr lang="en-GB" smtClean="0"/>
-              <a:t>‹#›</a:t>
+              <a:t>‹N›</a:t>
             </a:fld>
             <a:endParaRPr lang="en-GB"/>
           </a:p>
@@ -4147,7 +6450,7 @@
     </p:spTree>
     <p:extLst>
       <p:ext uri="{BB962C8B-B14F-4D97-AF65-F5344CB8AC3E}">
-        <p14:creationId xmlns:p14="http://schemas.microsoft.com/office/powerpoint/2010/main" val="3881610611"/>
+        <p14:creationId xmlns:p14="http://schemas.microsoft.com/office/powerpoint/2010/main" val="1967980264"/>
       </p:ext>
     </p:extLst>
   </p:cSld>
@@ -4191,8 +6494,8 @@
         </p:nvSpPr>
         <p:spPr>
           <a:xfrm>
-            <a:off x="445512" y="205045"/>
-            <a:ext cx="5589151" cy="744402"/>
+            <a:off x="471488" y="224231"/>
+            <a:ext cx="5915025" cy="814055"/>
           </a:xfrm>
           <a:prstGeom prst="rect">
             <a:avLst/>
@@ -4224,8 +6527,8 @@
         </p:nvSpPr>
         <p:spPr>
           <a:xfrm>
-            <a:off x="445512" y="1025223"/>
-            <a:ext cx="5589151" cy="2443599"/>
+            <a:off x="471488" y="1121153"/>
+            <a:ext cx="5915025" cy="2672246"/>
           </a:xfrm>
           <a:prstGeom prst="rect">
             <a:avLst/>
@@ -4286,8 +6589,8 @@
         </p:nvSpPr>
         <p:spPr>
           <a:xfrm>
-            <a:off x="445512" y="3569562"/>
-            <a:ext cx="1458039" cy="205045"/>
+            <a:off x="471488" y="3903565"/>
+            <a:ext cx="1543050" cy="224231"/>
           </a:xfrm>
           <a:prstGeom prst="rect">
             <a:avLst/>
@@ -4297,7 +6600,7 @@
           <a:bodyPr vert="horz" lIns="91440" tIns="45720" rIns="91440" bIns="45720" rtlCol="0" anchor="ctr"/>
           <a:lstStyle>
             <a:lvl1pPr algn="l">
-              <a:defRPr sz="638">
+              <a:defRPr sz="675">
                 <a:solidFill>
                   <a:schemeClr val="tx1">
                     <a:tint val="75000"/>
@@ -4309,7 +6612,7 @@
           <a:p>
             <a:fld id="{ECF8A5AB-4FEB-4DE2-90BB-D554FBAEAC0F}" type="datetimeFigureOut">
               <a:rPr lang="en-GB" smtClean="0"/>
-              <a:t>26/09/2022</a:t>
+              <a:t>15/10/2023</a:t>
             </a:fld>
             <a:endParaRPr lang="en-GB"/>
           </a:p>
@@ -4327,8 +6630,8 @@
         </p:nvSpPr>
         <p:spPr>
           <a:xfrm>
-            <a:off x="2146558" y="3569562"/>
-            <a:ext cx="2187059" cy="205045"/>
+            <a:off x="2271713" y="3903565"/>
+            <a:ext cx="2314575" cy="224231"/>
           </a:xfrm>
           <a:prstGeom prst="rect">
             <a:avLst/>
@@ -4338,7 +6641,7 @@
           <a:bodyPr vert="horz" lIns="91440" tIns="45720" rIns="91440" bIns="45720" rtlCol="0" anchor="ctr"/>
           <a:lstStyle>
             <a:lvl1pPr algn="ctr">
-              <a:defRPr sz="638">
+              <a:defRPr sz="675">
                 <a:solidFill>
                   <a:schemeClr val="tx1">
                     <a:tint val="75000"/>
@@ -4364,8 +6667,8 @@
         </p:nvSpPr>
         <p:spPr>
           <a:xfrm>
-            <a:off x="4576624" y="3569562"/>
-            <a:ext cx="1458039" cy="205045"/>
+            <a:off x="4843463" y="3903565"/>
+            <a:ext cx="1543050" cy="224231"/>
           </a:xfrm>
           <a:prstGeom prst="rect">
             <a:avLst/>
@@ -4375,7 +6678,7 @@
           <a:bodyPr vert="horz" lIns="91440" tIns="45720" rIns="91440" bIns="45720" rtlCol="0" anchor="ctr"/>
           <a:lstStyle>
             <a:lvl1pPr algn="r">
-              <a:defRPr sz="638">
+              <a:defRPr sz="675">
                 <a:solidFill>
                   <a:schemeClr val="tx1">
                     <a:tint val="75000"/>
@@ -4387,7 +6690,7 @@
           <a:p>
             <a:fld id="{C8412E9A-3B95-40E3-A7A7-1D9879B1CEE8}" type="slidenum">
               <a:rPr lang="en-GB" smtClean="0"/>
-              <a:t>‹#›</a:t>
+              <a:t>‹N›</a:t>
             </a:fld>
             <a:endParaRPr lang="en-GB"/>
           </a:p>
@@ -4396,27 +6699,27 @@
     </p:spTree>
     <p:extLst>
       <p:ext uri="{BB962C8B-B14F-4D97-AF65-F5344CB8AC3E}">
-        <p14:creationId xmlns:p14="http://schemas.microsoft.com/office/powerpoint/2010/main" val="3461369180"/>
+        <p14:creationId xmlns:p14="http://schemas.microsoft.com/office/powerpoint/2010/main" val="3180639946"/>
       </p:ext>
     </p:extLst>
   </p:cSld>
   <p:clrMap bg1="lt1" tx1="dk1" bg2="lt2" tx2="dk2" accent1="accent1" accent2="accent2" accent3="accent3" accent4="accent4" accent5="accent5" accent6="accent6" hlink="hlink" folHlink="folHlink"/>
   <p:sldLayoutIdLst>
-    <p:sldLayoutId id="2147483673" r:id="rId1"/>
-    <p:sldLayoutId id="2147483674" r:id="rId2"/>
-    <p:sldLayoutId id="2147483675" r:id="rId3"/>
-    <p:sldLayoutId id="2147483676" r:id="rId4"/>
-    <p:sldLayoutId id="2147483677" r:id="rId5"/>
-    <p:sldLayoutId id="2147483678" r:id="rId6"/>
-    <p:sldLayoutId id="2147483679" r:id="rId7"/>
-    <p:sldLayoutId id="2147483680" r:id="rId8"/>
-    <p:sldLayoutId id="2147483681" r:id="rId9"/>
-    <p:sldLayoutId id="2147483682" r:id="rId10"/>
-    <p:sldLayoutId id="2147483683" r:id="rId11"/>
+    <p:sldLayoutId id="2147483733" r:id="rId1"/>
+    <p:sldLayoutId id="2147483734" r:id="rId2"/>
+    <p:sldLayoutId id="2147483735" r:id="rId3"/>
+    <p:sldLayoutId id="2147483736" r:id="rId4"/>
+    <p:sldLayoutId id="2147483737" r:id="rId5"/>
+    <p:sldLayoutId id="2147483738" r:id="rId6"/>
+    <p:sldLayoutId id="2147483739" r:id="rId7"/>
+    <p:sldLayoutId id="2147483740" r:id="rId8"/>
+    <p:sldLayoutId id="2147483741" r:id="rId9"/>
+    <p:sldLayoutId id="2147483742" r:id="rId10"/>
+    <p:sldLayoutId id="2147483743" r:id="rId11"/>
   </p:sldLayoutIdLst>
   <p:txStyles>
     <p:titleStyle>
-      <a:lvl1pPr algn="l" defTabSz="486004" rtl="0" eaLnBrk="1" latinLnBrk="0" hangingPunct="1">
+      <a:lvl1pPr algn="l" defTabSz="514350" rtl="0" eaLnBrk="1" latinLnBrk="0" hangingPunct="1">
         <a:lnSpc>
           <a:spcPct val="90000"/>
         </a:lnSpc>
@@ -4424,7 +6727,7 @@
           <a:spcPct val="0"/>
         </a:spcBef>
         <a:buNone/>
-        <a:defRPr sz="2339" kern="1200">
+        <a:defRPr sz="2475" kern="1200">
           <a:solidFill>
             <a:schemeClr val="tx1"/>
           </a:solidFill>
@@ -4435,16 +6738,16 @@
       </a:lvl1pPr>
     </p:titleStyle>
     <p:bodyStyle>
-      <a:lvl1pPr marL="121501" indent="-121501" algn="l" defTabSz="486004" rtl="0" eaLnBrk="1" latinLnBrk="0" hangingPunct="1">
+      <a:lvl1pPr marL="128588" indent="-128588" algn="l" defTabSz="514350" rtl="0" eaLnBrk="1" latinLnBrk="0" hangingPunct="1">
         <a:lnSpc>
           <a:spcPct val="90000"/>
         </a:lnSpc>
         <a:spcBef>
-          <a:spcPts val="532"/>
+          <a:spcPts val="563"/>
         </a:spcBef>
         <a:buFont typeface="Arial" panose="020B0604020202020204" pitchFamily="34" charset="0"/>
         <a:buChar char="•"/>
-        <a:defRPr sz="1488" kern="1200">
+        <a:defRPr sz="1575" kern="1200">
           <a:solidFill>
             <a:schemeClr val="tx1"/>
           </a:solidFill>
@@ -4453,16 +6756,16 @@
           <a:cs typeface="+mn-cs"/>
         </a:defRPr>
       </a:lvl1pPr>
-      <a:lvl2pPr marL="364503" indent="-121501" algn="l" defTabSz="486004" rtl="0" eaLnBrk="1" latinLnBrk="0" hangingPunct="1">
+      <a:lvl2pPr marL="385763" indent="-128588" algn="l" defTabSz="514350" rtl="0" eaLnBrk="1" latinLnBrk="0" hangingPunct="1">
         <a:lnSpc>
           <a:spcPct val="90000"/>
         </a:lnSpc>
         <a:spcBef>
-          <a:spcPts val="266"/>
+          <a:spcPts val="281"/>
         </a:spcBef>
         <a:buFont typeface="Arial" panose="020B0604020202020204" pitchFamily="34" charset="0"/>
         <a:buChar char="•"/>
-        <a:defRPr sz="1276" kern="1200">
+        <a:defRPr sz="1350" kern="1200">
           <a:solidFill>
             <a:schemeClr val="tx1"/>
           </a:solidFill>
@@ -4471,16 +6774,16 @@
           <a:cs typeface="+mn-cs"/>
         </a:defRPr>
       </a:lvl2pPr>
-      <a:lvl3pPr marL="607505" indent="-121501" algn="l" defTabSz="486004" rtl="0" eaLnBrk="1" latinLnBrk="0" hangingPunct="1">
+      <a:lvl3pPr marL="642938" indent="-128588" algn="l" defTabSz="514350" rtl="0" eaLnBrk="1" latinLnBrk="0" hangingPunct="1">
         <a:lnSpc>
           <a:spcPct val="90000"/>
         </a:lnSpc>
         <a:spcBef>
-          <a:spcPts val="266"/>
+          <a:spcPts val="281"/>
         </a:spcBef>
         <a:buFont typeface="Arial" panose="020B0604020202020204" pitchFamily="34" charset="0"/>
         <a:buChar char="•"/>
-        <a:defRPr sz="1063" kern="1200">
+        <a:defRPr sz="1125" kern="1200">
           <a:solidFill>
             <a:schemeClr val="tx1"/>
           </a:solidFill>
@@ -4489,16 +6792,16 @@
           <a:cs typeface="+mn-cs"/>
         </a:defRPr>
       </a:lvl3pPr>
-      <a:lvl4pPr marL="850506" indent="-121501" algn="l" defTabSz="486004" rtl="0" eaLnBrk="1" latinLnBrk="0" hangingPunct="1">
+      <a:lvl4pPr marL="900113" indent="-128588" algn="l" defTabSz="514350" rtl="0" eaLnBrk="1" latinLnBrk="0" hangingPunct="1">
         <a:lnSpc>
           <a:spcPct val="90000"/>
         </a:lnSpc>
         <a:spcBef>
-          <a:spcPts val="266"/>
+          <a:spcPts val="281"/>
         </a:spcBef>
         <a:buFont typeface="Arial" panose="020B0604020202020204" pitchFamily="34" charset="0"/>
         <a:buChar char="•"/>
-        <a:defRPr sz="957" kern="1200">
+        <a:defRPr sz="1013" kern="1200">
           <a:solidFill>
             <a:schemeClr val="tx1"/>
           </a:solidFill>
@@ -4507,16 +6810,16 @@
           <a:cs typeface="+mn-cs"/>
         </a:defRPr>
       </a:lvl4pPr>
-      <a:lvl5pPr marL="1093508" indent="-121501" algn="l" defTabSz="486004" rtl="0" eaLnBrk="1" latinLnBrk="0" hangingPunct="1">
+      <a:lvl5pPr marL="1157288" indent="-128588" algn="l" defTabSz="514350" rtl="0" eaLnBrk="1" latinLnBrk="0" hangingPunct="1">
         <a:lnSpc>
           <a:spcPct val="90000"/>
         </a:lnSpc>
         <a:spcBef>
-          <a:spcPts val="266"/>
+          <a:spcPts val="281"/>
         </a:spcBef>
         <a:buFont typeface="Arial" panose="020B0604020202020204" pitchFamily="34" charset="0"/>
         <a:buChar char="•"/>
-        <a:defRPr sz="957" kern="1200">
+        <a:defRPr sz="1013" kern="1200">
           <a:solidFill>
             <a:schemeClr val="tx1"/>
           </a:solidFill>
@@ -4525,16 +6828,16 @@
           <a:cs typeface="+mn-cs"/>
         </a:defRPr>
       </a:lvl5pPr>
-      <a:lvl6pPr marL="1336510" indent="-121501" algn="l" defTabSz="486004" rtl="0" eaLnBrk="1" latinLnBrk="0" hangingPunct="1">
+      <a:lvl6pPr marL="1414463" indent="-128588" algn="l" defTabSz="514350" rtl="0" eaLnBrk="1" latinLnBrk="0" hangingPunct="1">
         <a:lnSpc>
           <a:spcPct val="90000"/>
         </a:lnSpc>
         <a:spcBef>
-          <a:spcPts val="266"/>
+          <a:spcPts val="281"/>
         </a:spcBef>
         <a:buFont typeface="Arial" panose="020B0604020202020204" pitchFamily="34" charset="0"/>
         <a:buChar char="•"/>
-        <a:defRPr sz="957" kern="1200">
+        <a:defRPr sz="1013" kern="1200">
           <a:solidFill>
             <a:schemeClr val="tx1"/>
           </a:solidFill>
@@ -4543,16 +6846,16 @@
           <a:cs typeface="+mn-cs"/>
         </a:defRPr>
       </a:lvl6pPr>
-      <a:lvl7pPr marL="1579512" indent="-121501" algn="l" defTabSz="486004" rtl="0" eaLnBrk="1" latinLnBrk="0" hangingPunct="1">
+      <a:lvl7pPr marL="1671638" indent="-128588" algn="l" defTabSz="514350" rtl="0" eaLnBrk="1" latinLnBrk="0" hangingPunct="1">
         <a:lnSpc>
           <a:spcPct val="90000"/>
         </a:lnSpc>
         <a:spcBef>
-          <a:spcPts val="266"/>
+          <a:spcPts val="281"/>
         </a:spcBef>
         <a:buFont typeface="Arial" panose="020B0604020202020204" pitchFamily="34" charset="0"/>
         <a:buChar char="•"/>
-        <a:defRPr sz="957" kern="1200">
+        <a:defRPr sz="1013" kern="1200">
           <a:solidFill>
             <a:schemeClr val="tx1"/>
           </a:solidFill>
@@ -4561,16 +6864,16 @@
           <a:cs typeface="+mn-cs"/>
         </a:defRPr>
       </a:lvl7pPr>
-      <a:lvl8pPr marL="1822514" indent="-121501" algn="l" defTabSz="486004" rtl="0" eaLnBrk="1" latinLnBrk="0" hangingPunct="1">
+      <a:lvl8pPr marL="1928813" indent="-128588" algn="l" defTabSz="514350" rtl="0" eaLnBrk="1" latinLnBrk="0" hangingPunct="1">
         <a:lnSpc>
           <a:spcPct val="90000"/>
         </a:lnSpc>
         <a:spcBef>
-          <a:spcPts val="266"/>
+          <a:spcPts val="281"/>
         </a:spcBef>
         <a:buFont typeface="Arial" panose="020B0604020202020204" pitchFamily="34" charset="0"/>
         <a:buChar char="•"/>
-        <a:defRPr sz="957" kern="1200">
+        <a:defRPr sz="1013" kern="1200">
           <a:solidFill>
             <a:schemeClr val="tx1"/>
           </a:solidFill>
@@ -4579,16 +6882,16 @@
           <a:cs typeface="+mn-cs"/>
         </a:defRPr>
       </a:lvl8pPr>
-      <a:lvl9pPr marL="2065515" indent="-121501" algn="l" defTabSz="486004" rtl="0" eaLnBrk="1" latinLnBrk="0" hangingPunct="1">
+      <a:lvl9pPr marL="2185988" indent="-128588" algn="l" defTabSz="514350" rtl="0" eaLnBrk="1" latinLnBrk="0" hangingPunct="1">
         <a:lnSpc>
           <a:spcPct val="90000"/>
         </a:lnSpc>
         <a:spcBef>
-          <a:spcPts val="266"/>
+          <a:spcPts val="281"/>
         </a:spcBef>
         <a:buFont typeface="Arial" panose="020B0604020202020204" pitchFamily="34" charset="0"/>
         <a:buChar char="•"/>
-        <a:defRPr sz="957" kern="1200">
+        <a:defRPr sz="1013" kern="1200">
           <a:solidFill>
             <a:schemeClr val="tx1"/>
           </a:solidFill>
@@ -4602,8 +6905,8 @@
       <a:defPPr>
         <a:defRPr lang="en-US"/>
       </a:defPPr>
-      <a:lvl1pPr marL="0" algn="l" defTabSz="486004" rtl="0" eaLnBrk="1" latinLnBrk="0" hangingPunct="1">
-        <a:defRPr sz="957" kern="1200">
+      <a:lvl1pPr marL="0" algn="l" defTabSz="514350" rtl="0" eaLnBrk="1" latinLnBrk="0" hangingPunct="1">
+        <a:defRPr sz="1013" kern="1200">
           <a:solidFill>
             <a:schemeClr val="tx1"/>
           </a:solidFill>
@@ -4612,8 +6915,8 @@
           <a:cs typeface="+mn-cs"/>
         </a:defRPr>
       </a:lvl1pPr>
-      <a:lvl2pPr marL="243002" algn="l" defTabSz="486004" rtl="0" eaLnBrk="1" latinLnBrk="0" hangingPunct="1">
-        <a:defRPr sz="957" kern="1200">
+      <a:lvl2pPr marL="257175" algn="l" defTabSz="514350" rtl="0" eaLnBrk="1" latinLnBrk="0" hangingPunct="1">
+        <a:defRPr sz="1013" kern="1200">
           <a:solidFill>
             <a:schemeClr val="tx1"/>
           </a:solidFill>
@@ -4622,8 +6925,8 @@
           <a:cs typeface="+mn-cs"/>
         </a:defRPr>
       </a:lvl2pPr>
-      <a:lvl3pPr marL="486004" algn="l" defTabSz="486004" rtl="0" eaLnBrk="1" latinLnBrk="0" hangingPunct="1">
-        <a:defRPr sz="957" kern="1200">
+      <a:lvl3pPr marL="514350" algn="l" defTabSz="514350" rtl="0" eaLnBrk="1" latinLnBrk="0" hangingPunct="1">
+        <a:defRPr sz="1013" kern="1200">
           <a:solidFill>
             <a:schemeClr val="tx1"/>
           </a:solidFill>
@@ -4632,8 +6935,8 @@
           <a:cs typeface="+mn-cs"/>
         </a:defRPr>
       </a:lvl3pPr>
-      <a:lvl4pPr marL="729005" algn="l" defTabSz="486004" rtl="0" eaLnBrk="1" latinLnBrk="0" hangingPunct="1">
-        <a:defRPr sz="957" kern="1200">
+      <a:lvl4pPr marL="771525" algn="l" defTabSz="514350" rtl="0" eaLnBrk="1" latinLnBrk="0" hangingPunct="1">
+        <a:defRPr sz="1013" kern="1200">
           <a:solidFill>
             <a:schemeClr val="tx1"/>
           </a:solidFill>
@@ -4642,8 +6945,8 @@
           <a:cs typeface="+mn-cs"/>
         </a:defRPr>
       </a:lvl4pPr>
-      <a:lvl5pPr marL="972007" algn="l" defTabSz="486004" rtl="0" eaLnBrk="1" latinLnBrk="0" hangingPunct="1">
-        <a:defRPr sz="957" kern="1200">
+      <a:lvl5pPr marL="1028700" algn="l" defTabSz="514350" rtl="0" eaLnBrk="1" latinLnBrk="0" hangingPunct="1">
+        <a:defRPr sz="1013" kern="1200">
           <a:solidFill>
             <a:schemeClr val="tx1"/>
           </a:solidFill>
@@ -4652,8 +6955,8 @@
           <a:cs typeface="+mn-cs"/>
         </a:defRPr>
       </a:lvl5pPr>
-      <a:lvl6pPr marL="1215009" algn="l" defTabSz="486004" rtl="0" eaLnBrk="1" latinLnBrk="0" hangingPunct="1">
-        <a:defRPr sz="957" kern="1200">
+      <a:lvl6pPr marL="1285875" algn="l" defTabSz="514350" rtl="0" eaLnBrk="1" latinLnBrk="0" hangingPunct="1">
+        <a:defRPr sz="1013" kern="1200">
           <a:solidFill>
             <a:schemeClr val="tx1"/>
           </a:solidFill>
@@ -4662,8 +6965,8 @@
           <a:cs typeface="+mn-cs"/>
         </a:defRPr>
       </a:lvl6pPr>
-      <a:lvl7pPr marL="1458011" algn="l" defTabSz="486004" rtl="0" eaLnBrk="1" latinLnBrk="0" hangingPunct="1">
-        <a:defRPr sz="957" kern="1200">
+      <a:lvl7pPr marL="1543050" algn="l" defTabSz="514350" rtl="0" eaLnBrk="1" latinLnBrk="0" hangingPunct="1">
+        <a:defRPr sz="1013" kern="1200">
           <a:solidFill>
             <a:schemeClr val="tx1"/>
           </a:solidFill>
@@ -4672,8 +6975,8 @@
           <a:cs typeface="+mn-cs"/>
         </a:defRPr>
       </a:lvl7pPr>
-      <a:lvl8pPr marL="1701013" algn="l" defTabSz="486004" rtl="0" eaLnBrk="1" latinLnBrk="0" hangingPunct="1">
-        <a:defRPr sz="957" kern="1200">
+      <a:lvl8pPr marL="1800225" algn="l" defTabSz="514350" rtl="0" eaLnBrk="1" latinLnBrk="0" hangingPunct="1">
+        <a:defRPr sz="1013" kern="1200">
           <a:solidFill>
             <a:schemeClr val="tx1"/>
           </a:solidFill>
@@ -4682,8 +6985,8 @@
           <a:cs typeface="+mn-cs"/>
         </a:defRPr>
       </a:lvl8pPr>
-      <a:lvl9pPr marL="1944014" algn="l" defTabSz="486004" rtl="0" eaLnBrk="1" latinLnBrk="0" hangingPunct="1">
-        <a:defRPr sz="957" kern="1200">
+      <a:lvl9pPr marL="2057400" algn="l" defTabSz="514350" rtl="0" eaLnBrk="1" latinLnBrk="0" hangingPunct="1">
+        <a:defRPr sz="1013" kern="1200">
           <a:solidFill>
             <a:schemeClr val="tx1"/>
           </a:solidFill>
@@ -4714,123 +7017,47 @@
           <a:chExt cx="0" cy="0"/>
         </a:xfrm>
       </p:grpSpPr>
-      <p:grpSp>
-        <p:nvGrpSpPr>
-          <p:cNvPr id="116" name="Group 64">
+      <p:pic>
+        <p:nvPicPr>
+          <p:cNvPr id="259" name="Immagine 258" descr="Immagine che contiene diagramma, testo, mappa&#10;&#10;Descrizione generata automaticamente">
             <a:extLst>
               <a:ext uri="{FF2B5EF4-FFF2-40B4-BE49-F238E27FC236}">
-                <a16:creationId xmlns:a16="http://schemas.microsoft.com/office/drawing/2014/main" id="{0705804E-2036-475C-854C-E404E1C98C7E}"/>
+                <a16:creationId xmlns:a16="http://schemas.microsoft.com/office/drawing/2014/main" id="{717F2E6B-4AF5-63E2-90E7-62E9FDAFA3CA}"/>
               </a:ext>
             </a:extLst>
           </p:cNvPr>
-          <p:cNvGrpSpPr/>
+          <p:cNvPicPr>
+            <a:picLocks noChangeAspect="1"/>
+          </p:cNvPicPr>
           <p:nvPr/>
-        </p:nvGrpSpPr>
-        <p:grpSpPr>
+        </p:nvPicPr>
+        <p:blipFill rotWithShape="1">
+          <a:blip r:embed="rId2">
+            <a:extLst>
+              <a:ext uri="{28A0092B-C50C-407E-A947-70E740481C1C}">
+                <a14:useLocalDpi xmlns:a14="http://schemas.microsoft.com/office/drawing/2010/main" val="0"/>
+              </a:ext>
+            </a:extLst>
+          </a:blip>
+          <a:srcRect l="3857" t="19540" r="42662" b="1715"/>
+          <a:stretch/>
+        </p:blipFill>
+        <p:spPr>
           <a:xfrm>
-            <a:off x="3384287" y="357937"/>
-            <a:ext cx="3049625" cy="3439148"/>
-            <a:chOff x="458703" y="3381375"/>
-            <a:chExt cx="2880001" cy="3132668"/>
+            <a:off x="0" y="692754"/>
+            <a:ext cx="3299758" cy="3437474"/>
           </a:xfrm>
-        </p:grpSpPr>
-        <p:pic>
-          <p:nvPicPr>
-            <p:cNvPr id="117" name="Graphic 65">
-              <a:extLst>
-                <a:ext uri="{FF2B5EF4-FFF2-40B4-BE49-F238E27FC236}">
-                  <a16:creationId xmlns:a16="http://schemas.microsoft.com/office/drawing/2014/main" id="{20B5CAB3-5681-441C-B001-35F60EB0D0FA}"/>
-                </a:ext>
-              </a:extLst>
-            </p:cNvPr>
-            <p:cNvPicPr>
-              <a:picLocks noChangeAspect="1"/>
-            </p:cNvPicPr>
-            <p:nvPr/>
-          </p:nvPicPr>
-          <p:blipFill rotWithShape="1">
-            <a:blip r:embed="rId2">
-              <a:extLst>
-                <a:ext uri="{28A0092B-C50C-407E-A947-70E740481C1C}">
-                  <a14:useLocalDpi xmlns:a14="http://schemas.microsoft.com/office/drawing/2010/main" val="0"/>
-                </a:ext>
-                <a:ext uri="{96DAC541-7B7A-43D3-8B79-37D633B846F1}">
-                  <asvg:svgBlip xmlns:asvg="http://schemas.microsoft.com/office/drawing/2016/SVG/main" r:embed="rId3"/>
-                </a:ext>
-              </a:extLst>
-            </a:blip>
-            <a:srcRect l="7917" t="20713" r="44167" b="5775"/>
-            <a:stretch/>
-          </p:blipFill>
-          <p:spPr>
-            <a:xfrm>
-              <a:off x="458703" y="3391956"/>
-              <a:ext cx="2880000" cy="3122087"/>
-            </a:xfrm>
-            <a:prstGeom prst="rect">
-              <a:avLst/>
-            </a:prstGeom>
-          </p:spPr>
-        </p:pic>
-        <p:sp>
-          <p:nvSpPr>
-            <p:cNvPr id="118" name="Rectangle 66">
-              <a:extLst>
-                <a:ext uri="{FF2B5EF4-FFF2-40B4-BE49-F238E27FC236}">
-                  <a16:creationId xmlns:a16="http://schemas.microsoft.com/office/drawing/2014/main" id="{B8D2A332-126C-48F4-B288-EE96FE73F292}"/>
-                </a:ext>
-              </a:extLst>
-            </p:cNvPr>
-            <p:cNvSpPr/>
-            <p:nvPr/>
-          </p:nvSpPr>
-          <p:spPr>
-            <a:xfrm>
-              <a:off x="458704" y="3381375"/>
-              <a:ext cx="2880000" cy="3122087"/>
-            </a:xfrm>
-            <a:prstGeom prst="rect">
-              <a:avLst/>
-            </a:prstGeom>
-            <a:noFill/>
-            <a:ln>
-              <a:solidFill>
-                <a:schemeClr val="tx1"/>
-              </a:solidFill>
-            </a:ln>
-          </p:spPr>
-          <p:style>
-            <a:lnRef idx="2">
-              <a:schemeClr val="accent1">
-                <a:shade val="50000"/>
-              </a:schemeClr>
-            </a:lnRef>
-            <a:fillRef idx="1">
-              <a:schemeClr val="accent1"/>
-            </a:fillRef>
-            <a:effectRef idx="0">
-              <a:schemeClr val="accent1"/>
-            </a:effectRef>
-            <a:fontRef idx="minor">
-              <a:schemeClr val="lt1"/>
-            </a:fontRef>
-          </p:style>
-          <p:txBody>
-            <a:bodyPr rtlCol="0" anchor="ctr"/>
-            <a:lstStyle/>
-            <a:p>
-              <a:pPr algn="ctr"/>
-              <a:endParaRPr lang="en-GB"/>
-            </a:p>
-          </p:txBody>
-        </p:sp>
-      </p:grpSp>
+          <a:prstGeom prst="rect">
+            <a:avLst/>
+          </a:prstGeom>
+        </p:spPr>
+      </p:pic>
       <p:sp>
         <p:nvSpPr>
-          <p:cNvPr id="126" name="Rettangolo 125">
+          <p:cNvPr id="260" name="Rettangolo 259">
             <a:extLst>
               <a:ext uri="{FF2B5EF4-FFF2-40B4-BE49-F238E27FC236}">
-                <a16:creationId xmlns:a16="http://schemas.microsoft.com/office/drawing/2014/main" id="{6432514D-363B-4EE1-BE0E-526C387664A8}"/>
+                <a16:creationId xmlns:a16="http://schemas.microsoft.com/office/drawing/2014/main" id="{70782F13-EA16-B55E-9C8E-88EC31E291E6}"/>
               </a:ext>
             </a:extLst>
           </p:cNvPr>
@@ -4839,16 +7066,19 @@
         </p:nvSpPr>
         <p:spPr>
           <a:xfrm>
-            <a:off x="2486277" y="385869"/>
+            <a:off x="3652671" y="608982"/>
             <a:ext cx="814191" cy="849985"/>
           </a:xfrm>
           <a:prstGeom prst="rect">
             <a:avLst/>
           </a:prstGeom>
           <a:noFill/>
-          <a:ln>
+          <a:ln w="3175">
             <a:solidFill>
-              <a:schemeClr val="tx1"/>
+              <a:schemeClr val="tx1">
+                <a:lumMod val="85000"/>
+                <a:lumOff val="15000"/>
+              </a:schemeClr>
             </a:solidFill>
           </a:ln>
         </p:spPr>
@@ -4873,16 +7103,23 @@
           <a:lstStyle/>
           <a:p>
             <a:pPr algn="ctr"/>
-            <a:endParaRPr lang="en-GB"/>
+            <a:endParaRPr lang="en-GB">
+              <a:solidFill>
+                <a:schemeClr val="tx1">
+                  <a:lumMod val="75000"/>
+                  <a:lumOff val="25000"/>
+                </a:schemeClr>
+              </a:solidFill>
+            </a:endParaRPr>
           </a:p>
         </p:txBody>
       </p:sp>
       <p:sp>
         <p:nvSpPr>
-          <p:cNvPr id="127" name="Figura a mano libera: forma 126">
+          <p:cNvPr id="261" name="Figura a mano libera: forma 260">
             <a:extLst>
               <a:ext uri="{FF2B5EF4-FFF2-40B4-BE49-F238E27FC236}">
-                <a16:creationId xmlns:a16="http://schemas.microsoft.com/office/drawing/2014/main" id="{AC6DF37C-7F5D-4871-9ED8-CA4315227B90}"/>
+                <a16:creationId xmlns:a16="http://schemas.microsoft.com/office/drawing/2014/main" id="{FCEDB6BC-4199-ED78-61CB-CC1EA2B474A0}"/>
               </a:ext>
             </a:extLst>
           </p:cNvPr>
@@ -4891,7 +7128,7 @@
         </p:nvSpPr>
         <p:spPr>
           <a:xfrm>
-            <a:off x="2493981" y="400834"/>
+            <a:off x="3660353" y="623947"/>
             <a:ext cx="768910" cy="831540"/>
           </a:xfrm>
           <a:custGeom>
@@ -5157,16 +7394,23 @@
           <a:lstStyle/>
           <a:p>
             <a:pPr algn="ctr"/>
-            <a:endParaRPr lang="en-GB"/>
+            <a:endParaRPr lang="en-GB">
+              <a:solidFill>
+                <a:schemeClr val="tx1">
+                  <a:lumMod val="75000"/>
+                  <a:lumOff val="25000"/>
+                </a:schemeClr>
+              </a:solidFill>
+            </a:endParaRPr>
           </a:p>
         </p:txBody>
       </p:sp>
       <p:sp>
         <p:nvSpPr>
-          <p:cNvPr id="128" name="CasellaDiTesto 127">
+          <p:cNvPr id="262" name="CasellaDiTesto 261">
             <a:extLst>
               <a:ext uri="{FF2B5EF4-FFF2-40B4-BE49-F238E27FC236}">
-                <a16:creationId xmlns:a16="http://schemas.microsoft.com/office/drawing/2014/main" id="{30B2DB86-E009-4975-AD36-420F4C1915A6}"/>
+                <a16:creationId xmlns:a16="http://schemas.microsoft.com/office/drawing/2014/main" id="{2D2908E6-9674-DAE8-247F-C9504BC68AE4}"/>
               </a:ext>
             </a:extLst>
           </p:cNvPr>
@@ -5175,7 +7419,7 @@
         </p:nvSpPr>
         <p:spPr>
           <a:xfrm rot="16200000">
-            <a:off x="2011489" y="757394"/>
+            <a:off x="3177861" y="980507"/>
             <a:ext cx="703735" cy="246221"/>
           </a:xfrm>
           <a:prstGeom prst="rect">
@@ -5191,30 +7435,44 @@
           <a:p>
             <a:pPr algn="ctr"/>
             <a:r>
-              <a:rPr lang="it-IT" sz="1000" dirty="0"/>
+              <a:rPr lang="it-IT" sz="1000" dirty="0">
+                <a:solidFill>
+                  <a:schemeClr val="tx1">
+                    <a:lumMod val="75000"/>
+                    <a:lumOff val="25000"/>
+                  </a:schemeClr>
+                </a:solidFill>
+              </a:rPr>
               <a:t>Percentile</a:t>
             </a:r>
-            <a:endParaRPr lang="en-GB" sz="1000" dirty="0"/>
+            <a:endParaRPr lang="en-GB" sz="1000" dirty="0">
+              <a:solidFill>
+                <a:schemeClr val="tx1">
+                  <a:lumMod val="75000"/>
+                  <a:lumOff val="25000"/>
+                </a:schemeClr>
+              </a:solidFill>
+            </a:endParaRPr>
           </a:p>
         </p:txBody>
       </p:sp>
       <p:cxnSp>
         <p:nvCxnSpPr>
-          <p:cNvPr id="129" name="Connettore diritto 128">
+          <p:cNvPr id="263" name="Connettore diritto 262">
             <a:extLst>
               <a:ext uri="{FF2B5EF4-FFF2-40B4-BE49-F238E27FC236}">
-                <a16:creationId xmlns:a16="http://schemas.microsoft.com/office/drawing/2014/main" id="{5CB02418-71FD-4B0D-8BED-08A1D8D580D7}"/>
+                <a16:creationId xmlns:a16="http://schemas.microsoft.com/office/drawing/2014/main" id="{2B2A0AB1-C218-E5B8-5AFA-C8F9FD6C8713}"/>
               </a:ext>
             </a:extLst>
           </p:cNvPr>
           <p:cNvCxnSpPr>
-            <a:stCxn id="127" idx="5"/>
+            <a:stCxn id="261" idx="5"/>
           </p:cNvCxnSpPr>
           <p:nvPr/>
         </p:nvCxnSpPr>
         <p:spPr>
           <a:xfrm flipH="1">
-            <a:off x="2486276" y="454984"/>
+            <a:off x="3652648" y="678097"/>
             <a:ext cx="530527" cy="0"/>
           </a:xfrm>
           <a:prstGeom prst="line">
@@ -5222,9 +7480,9 @@
           </a:prstGeom>
           <a:ln>
             <a:solidFill>
-              <a:schemeClr val="accent6">
-                <a:lumMod val="60000"/>
-                <a:lumOff val="40000"/>
+              <a:schemeClr val="tx1">
+                <a:lumMod val="85000"/>
+                <a:lumOff val="15000"/>
               </a:schemeClr>
             </a:solidFill>
             <a:prstDash val="dash"/>
@@ -5247,10 +7505,10 @@
       </p:cxnSp>
       <p:cxnSp>
         <p:nvCxnSpPr>
-          <p:cNvPr id="130" name="Connettore diritto 129">
+          <p:cNvPr id="264" name="Connettore diritto 263">
             <a:extLst>
               <a:ext uri="{FF2B5EF4-FFF2-40B4-BE49-F238E27FC236}">
-                <a16:creationId xmlns:a16="http://schemas.microsoft.com/office/drawing/2014/main" id="{C3869683-AE19-4794-9316-80939DD0952A}"/>
+                <a16:creationId xmlns:a16="http://schemas.microsoft.com/office/drawing/2014/main" id="{4FBBCABC-6433-38F2-8BAE-16E978A35EE8}"/>
               </a:ext>
             </a:extLst>
           </p:cNvPr>
@@ -5261,7 +7519,7 @@
         </p:nvCxnSpPr>
         <p:spPr>
           <a:xfrm>
-            <a:off x="3041252" y="491284"/>
+            <a:off x="4207624" y="714397"/>
             <a:ext cx="0" cy="741092"/>
           </a:xfrm>
           <a:prstGeom prst="line">
@@ -5269,9 +7527,9 @@
           </a:prstGeom>
           <a:ln>
             <a:solidFill>
-              <a:schemeClr val="accent6">
-                <a:lumMod val="60000"/>
-                <a:lumOff val="40000"/>
+              <a:schemeClr val="tx1">
+                <a:lumMod val="85000"/>
+                <a:lumOff val="15000"/>
               </a:schemeClr>
             </a:solidFill>
             <a:prstDash val="dash"/>
@@ -5294,10 +7552,10 @@
       </p:cxnSp>
       <p:sp>
         <p:nvSpPr>
-          <p:cNvPr id="131" name="CasellaDiTesto 130">
+          <p:cNvPr id="265" name="CasellaDiTesto 264">
             <a:extLst>
               <a:ext uri="{FF2B5EF4-FFF2-40B4-BE49-F238E27FC236}">
-                <a16:creationId xmlns:a16="http://schemas.microsoft.com/office/drawing/2014/main" id="{D66DC0EB-1FC1-48A9-80E2-8EA81262C9EC}"/>
+                <a16:creationId xmlns:a16="http://schemas.microsoft.com/office/drawing/2014/main" id="{1FE12FBA-D3BB-BEA8-CACB-BF0C60782ED3}"/>
               </a:ext>
             </a:extLst>
           </p:cNvPr>
@@ -5306,7 +7564,7 @@
         </p:nvSpPr>
         <p:spPr>
           <a:xfrm>
-            <a:off x="2671000" y="1214385"/>
+            <a:off x="3837372" y="1437498"/>
             <a:ext cx="814191" cy="246221"/>
           </a:xfrm>
           <a:prstGeom prst="rect">
@@ -5355,10 +7613,10 @@
       </p:sp>
       <p:sp>
         <p:nvSpPr>
-          <p:cNvPr id="132" name="CasellaDiTesto 131">
+          <p:cNvPr id="266" name="CasellaDiTesto 265">
             <a:extLst>
               <a:ext uri="{FF2B5EF4-FFF2-40B4-BE49-F238E27FC236}">
-                <a16:creationId xmlns:a16="http://schemas.microsoft.com/office/drawing/2014/main" id="{AAD34399-70C9-402F-875E-5DF09D23ED06}"/>
+                <a16:creationId xmlns:a16="http://schemas.microsoft.com/office/drawing/2014/main" id="{6862EDBC-3D45-0EBC-74DF-02329855674C}"/>
               </a:ext>
             </a:extLst>
           </p:cNvPr>
@@ -5367,7 +7625,7 @@
         </p:nvSpPr>
         <p:spPr>
           <a:xfrm>
-            <a:off x="1994760" y="394889"/>
+            <a:off x="2913645" y="584747"/>
             <a:ext cx="814191" cy="246221"/>
           </a:xfrm>
           <a:prstGeom prst="rect">
@@ -5381,7 +7639,7 @@
           </a:bodyPr>
           <a:lstStyle/>
           <a:p>
-            <a:pPr algn="ctr"/>
+            <a:pPr algn="r"/>
             <a:r>
               <a:rPr lang="it-IT" sz="1000" dirty="0">
                 <a:solidFill>
@@ -5408,10 +7666,10 @@
       </p:sp>
       <p:sp>
         <p:nvSpPr>
-          <p:cNvPr id="133" name="Ovale 132">
+          <p:cNvPr id="267" name="Ovale 266">
             <a:extLst>
               <a:ext uri="{FF2B5EF4-FFF2-40B4-BE49-F238E27FC236}">
-                <a16:creationId xmlns:a16="http://schemas.microsoft.com/office/drawing/2014/main" id="{068DAD37-6088-482E-BAD0-01B5FE585A39}"/>
+                <a16:creationId xmlns:a16="http://schemas.microsoft.com/office/drawing/2014/main" id="{249B19D2-63D7-E081-65B7-5F2E7FC6CD16}"/>
               </a:ext>
             </a:extLst>
           </p:cNvPr>
@@ -5420,7 +7678,7 @@
         </p:nvSpPr>
         <p:spPr>
           <a:xfrm>
-            <a:off x="3020737" y="435788"/>
+            <a:off x="4187109" y="658901"/>
             <a:ext cx="36000" cy="36000"/>
           </a:xfrm>
           <a:prstGeom prst="ellipse">
@@ -5456,16 +7714,23 @@
           <a:lstStyle/>
           <a:p>
             <a:pPr algn="ctr"/>
-            <a:endParaRPr lang="en-GB"/>
+            <a:endParaRPr lang="en-GB">
+              <a:solidFill>
+                <a:schemeClr val="tx1">
+                  <a:lumMod val="75000"/>
+                  <a:lumOff val="25000"/>
+                </a:schemeClr>
+              </a:solidFill>
+            </a:endParaRPr>
           </a:p>
         </p:txBody>
       </p:sp>
       <p:sp>
         <p:nvSpPr>
-          <p:cNvPr id="134" name="CasellaDiTesto 133">
+          <p:cNvPr id="268" name="CasellaDiTesto 267">
             <a:extLst>
               <a:ext uri="{FF2B5EF4-FFF2-40B4-BE49-F238E27FC236}">
-                <a16:creationId xmlns:a16="http://schemas.microsoft.com/office/drawing/2014/main" id="{74D5B599-1097-4D33-87B2-8924A1606682}"/>
+                <a16:creationId xmlns:a16="http://schemas.microsoft.com/office/drawing/2014/main" id="{4F86C39E-00F8-C8B3-2B35-8425FC8F93DF}"/>
               </a:ext>
             </a:extLst>
           </p:cNvPr>
@@ -5474,8 +7739,8 @@
         </p:nvSpPr>
         <p:spPr>
           <a:xfrm rot="16200000">
-            <a:off x="327935" y="1901274"/>
-            <a:ext cx="3467707" cy="400110"/>
+            <a:off x="3126700" y="1974669"/>
+            <a:ext cx="3131486" cy="400110"/>
           </a:xfrm>
           <a:prstGeom prst="rect">
             <a:avLst/>
@@ -5495,7 +7760,15 @@
                   <a:srgbClr val="0000FF"/>
                 </a:solidFill>
               </a:rPr>
-              <a:t>Short-range ecPoint-Rainfall </a:t>
+              <a:t>Distribution of short-range ecPoint rainfall forecasts (i.e., </a:t>
+            </a:r>
+            <a:r>
+              <a:rPr lang="en-GB" sz="1000">
+                <a:solidFill>
+                  <a:srgbClr val="0000FF"/>
+                </a:solidFill>
+              </a:rPr>
+              <a:t>realizations) </a:t>
             </a:r>
             <a:r>
               <a:rPr lang="en-GB" sz="1000" dirty="0">
@@ -5503,28 +7776,30 @@
                   <a:srgbClr val="0000FF"/>
                 </a:solidFill>
               </a:rPr>
-              <a:t>realizations, one distribution </a:t>
+              <a:t>for each of the N point </a:t>
             </a:r>
-          </a:p>
-          <a:p>
-            <a:pPr algn="ctr"/>
             <a:r>
-              <a:rPr lang="en-GB" sz="1000" dirty="0">
+              <a:rPr lang="en-GB" sz="1000">
                 <a:solidFill>
                   <a:srgbClr val="0000FF"/>
                 </a:solidFill>
               </a:rPr>
-              <a:t>for each of the N point flood reports</a:t>
+              <a:t>flood reports.</a:t>
             </a:r>
+            <a:endParaRPr lang="en-GB" sz="1000" dirty="0">
+              <a:solidFill>
+                <a:srgbClr val="0000FF"/>
+              </a:solidFill>
+            </a:endParaRPr>
           </a:p>
         </p:txBody>
       </p:sp>
       <p:sp>
         <p:nvSpPr>
-          <p:cNvPr id="135" name="Rettangolo 134">
+          <p:cNvPr id="269" name="Rettangolo 268">
             <a:extLst>
               <a:ext uri="{FF2B5EF4-FFF2-40B4-BE49-F238E27FC236}">
-                <a16:creationId xmlns:a16="http://schemas.microsoft.com/office/drawing/2014/main" id="{D479A3C7-13D2-4750-808C-71F1383BE495}"/>
+                <a16:creationId xmlns:a16="http://schemas.microsoft.com/office/drawing/2014/main" id="{43976354-E6FC-7138-543B-3D58B703D93E}"/>
               </a:ext>
             </a:extLst>
           </p:cNvPr>
@@ -5533,16 +7808,19 @@
         </p:nvSpPr>
         <p:spPr>
           <a:xfrm>
-            <a:off x="2486322" y="1446884"/>
+            <a:off x="3652671" y="1669997"/>
             <a:ext cx="814191" cy="843579"/>
           </a:xfrm>
           <a:prstGeom prst="rect">
             <a:avLst/>
           </a:prstGeom>
           <a:noFill/>
-          <a:ln>
+          <a:ln w="3175">
             <a:solidFill>
-              <a:schemeClr val="tx1"/>
+              <a:schemeClr val="tx1">
+                <a:lumMod val="85000"/>
+                <a:lumOff val="15000"/>
+              </a:schemeClr>
             </a:solidFill>
           </a:ln>
         </p:spPr>
@@ -5567,16 +7845,23 @@
           <a:lstStyle/>
           <a:p>
             <a:pPr algn="ctr"/>
-            <a:endParaRPr lang="en-GB"/>
+            <a:endParaRPr lang="en-GB">
+              <a:solidFill>
+                <a:schemeClr val="tx1">
+                  <a:lumMod val="75000"/>
+                  <a:lumOff val="25000"/>
+                </a:schemeClr>
+              </a:solidFill>
+            </a:endParaRPr>
           </a:p>
         </p:txBody>
       </p:sp>
       <p:sp>
         <p:nvSpPr>
-          <p:cNvPr id="136" name="Figura a mano libera: forma 135">
+          <p:cNvPr id="270" name="Figura a mano libera: forma 269">
             <a:extLst>
               <a:ext uri="{FF2B5EF4-FFF2-40B4-BE49-F238E27FC236}">
-                <a16:creationId xmlns:a16="http://schemas.microsoft.com/office/drawing/2014/main" id="{CE03E565-AF2E-4627-AD50-27E69BCB5F5A}"/>
+                <a16:creationId xmlns:a16="http://schemas.microsoft.com/office/drawing/2014/main" id="{FF4D6FED-3F3F-C316-242D-6E0758A97634}"/>
               </a:ext>
             </a:extLst>
           </p:cNvPr>
@@ -5585,7 +7870,7 @@
         </p:nvSpPr>
         <p:spPr>
           <a:xfrm>
-            <a:off x="2494026" y="1458527"/>
+            <a:off x="3660398" y="1681640"/>
             <a:ext cx="606678" cy="828455"/>
           </a:xfrm>
           <a:custGeom>
@@ -5991,16 +8276,23 @@
           <a:lstStyle/>
           <a:p>
             <a:pPr algn="ctr"/>
-            <a:endParaRPr lang="en-GB"/>
+            <a:endParaRPr lang="en-GB">
+              <a:solidFill>
+                <a:schemeClr val="tx1">
+                  <a:lumMod val="75000"/>
+                  <a:lumOff val="25000"/>
+                </a:schemeClr>
+              </a:solidFill>
+            </a:endParaRPr>
           </a:p>
         </p:txBody>
       </p:sp>
       <p:sp>
         <p:nvSpPr>
-          <p:cNvPr id="137" name="CasellaDiTesto 136">
+          <p:cNvPr id="271" name="CasellaDiTesto 270">
             <a:extLst>
               <a:ext uri="{FF2B5EF4-FFF2-40B4-BE49-F238E27FC236}">
-                <a16:creationId xmlns:a16="http://schemas.microsoft.com/office/drawing/2014/main" id="{5F10377F-C289-4F8C-AEBB-5897D6624E84}"/>
+                <a16:creationId xmlns:a16="http://schemas.microsoft.com/office/drawing/2014/main" id="{5CB6F0F6-96A9-0AE0-F92E-6ECBEA13232D}"/>
               </a:ext>
             </a:extLst>
           </p:cNvPr>
@@ -6009,7 +8301,7 @@
         </p:nvSpPr>
         <p:spPr>
           <a:xfrm rot="16200000">
-            <a:off x="1992814" y="1793325"/>
+            <a:off x="3159186" y="2016438"/>
             <a:ext cx="741087" cy="246221"/>
           </a:xfrm>
           <a:prstGeom prst="rect">
@@ -6025,19 +8317,33 @@
           <a:p>
             <a:pPr algn="ctr"/>
             <a:r>
-              <a:rPr lang="it-IT" sz="1000" dirty="0"/>
+              <a:rPr lang="it-IT" sz="1000" dirty="0">
+                <a:solidFill>
+                  <a:schemeClr val="tx1">
+                    <a:lumMod val="75000"/>
+                    <a:lumOff val="25000"/>
+                  </a:schemeClr>
+                </a:solidFill>
+              </a:rPr>
               <a:t>Percentile</a:t>
             </a:r>
-            <a:endParaRPr lang="en-GB" sz="1000" dirty="0"/>
+            <a:endParaRPr lang="en-GB" sz="1000" dirty="0">
+              <a:solidFill>
+                <a:schemeClr val="tx1">
+                  <a:lumMod val="75000"/>
+                  <a:lumOff val="25000"/>
+                </a:schemeClr>
+              </a:solidFill>
+            </a:endParaRPr>
           </a:p>
         </p:txBody>
       </p:sp>
       <p:cxnSp>
         <p:nvCxnSpPr>
-          <p:cNvPr id="138" name="Connettore diritto 137">
+          <p:cNvPr id="272" name="Connettore diritto 271">
             <a:extLst>
               <a:ext uri="{FF2B5EF4-FFF2-40B4-BE49-F238E27FC236}">
-                <a16:creationId xmlns:a16="http://schemas.microsoft.com/office/drawing/2014/main" id="{F544FB67-5D26-4467-AB38-9F74C8C236E0}"/>
+                <a16:creationId xmlns:a16="http://schemas.microsoft.com/office/drawing/2014/main" id="{C7931972-4F2C-7EEE-9658-A1C82488244E}"/>
               </a:ext>
             </a:extLst>
           </p:cNvPr>
@@ -6048,7 +8354,7 @@
         </p:nvCxnSpPr>
         <p:spPr>
           <a:xfrm flipH="1">
-            <a:off x="2486323" y="1509593"/>
+            <a:off x="3652695" y="1732706"/>
             <a:ext cx="288000" cy="0"/>
           </a:xfrm>
           <a:prstGeom prst="line">
@@ -6056,9 +8362,9 @@
           </a:prstGeom>
           <a:ln>
             <a:solidFill>
-              <a:schemeClr val="accent6">
-                <a:lumMod val="60000"/>
-                <a:lumOff val="40000"/>
+              <a:schemeClr val="tx1">
+                <a:lumMod val="85000"/>
+                <a:lumOff val="15000"/>
               </a:schemeClr>
             </a:solidFill>
             <a:prstDash val="dash"/>
@@ -6081,10 +8387,10 @@
       </p:cxnSp>
       <p:cxnSp>
         <p:nvCxnSpPr>
-          <p:cNvPr id="139" name="Connettore diritto 138">
+          <p:cNvPr id="273" name="Connettore diritto 272">
             <a:extLst>
               <a:ext uri="{FF2B5EF4-FFF2-40B4-BE49-F238E27FC236}">
-                <a16:creationId xmlns:a16="http://schemas.microsoft.com/office/drawing/2014/main" id="{832EDB66-7B26-4FCD-A2AB-E4941DF28D7A}"/>
+                <a16:creationId xmlns:a16="http://schemas.microsoft.com/office/drawing/2014/main" id="{406EDDF7-5F65-61FF-1F4B-BB0DD625A751}"/>
               </a:ext>
             </a:extLst>
           </p:cNvPr>
@@ -6095,7 +8401,7 @@
         </p:nvCxnSpPr>
         <p:spPr>
           <a:xfrm>
-            <a:off x="2761081" y="1545893"/>
+            <a:off x="3927453" y="1769006"/>
             <a:ext cx="0" cy="741092"/>
           </a:xfrm>
           <a:prstGeom prst="line">
@@ -6103,9 +8409,9 @@
           </a:prstGeom>
           <a:ln>
             <a:solidFill>
-              <a:schemeClr val="accent6">
-                <a:lumMod val="60000"/>
-                <a:lumOff val="40000"/>
+              <a:schemeClr val="tx1">
+                <a:lumMod val="85000"/>
+                <a:lumOff val="15000"/>
               </a:schemeClr>
             </a:solidFill>
             <a:prstDash val="dash"/>
@@ -6128,10 +8434,10 @@
       </p:cxnSp>
       <p:sp>
         <p:nvSpPr>
-          <p:cNvPr id="140" name="CasellaDiTesto 139">
+          <p:cNvPr id="274" name="CasellaDiTesto 273">
             <a:extLst>
               <a:ext uri="{FF2B5EF4-FFF2-40B4-BE49-F238E27FC236}">
-                <a16:creationId xmlns:a16="http://schemas.microsoft.com/office/drawing/2014/main" id="{A27BA77C-C6AD-4498-8195-A8DA7E5B3D22}"/>
+                <a16:creationId xmlns:a16="http://schemas.microsoft.com/office/drawing/2014/main" id="{16FE8170-7D4B-BEBB-3218-3E46A1448BEE}"/>
               </a:ext>
             </a:extLst>
           </p:cNvPr>
@@ -6140,7 +8446,7 @@
         </p:nvSpPr>
         <p:spPr>
           <a:xfrm>
-            <a:off x="2390829" y="2268994"/>
+            <a:off x="3557201" y="2492107"/>
             <a:ext cx="814191" cy="246221"/>
           </a:xfrm>
           <a:prstGeom prst="rect">
@@ -6189,10 +8495,10 @@
       </p:sp>
       <p:sp>
         <p:nvSpPr>
-          <p:cNvPr id="141" name="CasellaDiTesto 140">
+          <p:cNvPr id="275" name="CasellaDiTesto 274">
             <a:extLst>
               <a:ext uri="{FF2B5EF4-FFF2-40B4-BE49-F238E27FC236}">
-                <a16:creationId xmlns:a16="http://schemas.microsoft.com/office/drawing/2014/main" id="{3ECE2D6B-4766-415D-BE3E-5C2D43AE886C}"/>
+                <a16:creationId xmlns:a16="http://schemas.microsoft.com/office/drawing/2014/main" id="{78007B69-ABD7-9408-E931-682D80838AD9}"/>
               </a:ext>
             </a:extLst>
           </p:cNvPr>
@@ -6201,7 +8507,7 @@
         </p:nvSpPr>
         <p:spPr>
           <a:xfrm>
-            <a:off x="1994760" y="1439514"/>
+            <a:off x="2913645" y="1654957"/>
             <a:ext cx="814191" cy="246221"/>
           </a:xfrm>
           <a:prstGeom prst="rect">
@@ -6215,7 +8521,7 @@
           </a:bodyPr>
           <a:lstStyle/>
           <a:p>
-            <a:pPr algn="ctr"/>
+            <a:pPr algn="r"/>
             <a:r>
               <a:rPr lang="it-IT" sz="1000" dirty="0">
                 <a:solidFill>
@@ -6242,10 +8548,10 @@
       </p:sp>
       <p:sp>
         <p:nvSpPr>
-          <p:cNvPr id="142" name="Ovale 141">
+          <p:cNvPr id="276" name="Ovale 275">
             <a:extLst>
               <a:ext uri="{FF2B5EF4-FFF2-40B4-BE49-F238E27FC236}">
-                <a16:creationId xmlns:a16="http://schemas.microsoft.com/office/drawing/2014/main" id="{33A15E75-4AE7-482F-9AE8-05AB2029F48E}"/>
+                <a16:creationId xmlns:a16="http://schemas.microsoft.com/office/drawing/2014/main" id="{A923D732-41A6-7D47-D291-1CE8F455A5EC}"/>
               </a:ext>
             </a:extLst>
           </p:cNvPr>
@@ -6254,7 +8560,7 @@
         </p:nvSpPr>
         <p:spPr>
           <a:xfrm>
-            <a:off x="2743339" y="1490303"/>
+            <a:off x="3909711" y="1713416"/>
             <a:ext cx="36000" cy="36000"/>
           </a:xfrm>
           <a:prstGeom prst="ellipse">
@@ -6290,107 +8596,23 @@
           <a:lstStyle/>
           <a:p>
             <a:pPr algn="ctr"/>
-            <a:endParaRPr lang="en-GB"/>
+            <a:endParaRPr lang="en-GB">
+              <a:solidFill>
+                <a:schemeClr val="tx1">
+                  <a:lumMod val="75000"/>
+                  <a:lumOff val="25000"/>
+                </a:schemeClr>
+              </a:solidFill>
+            </a:endParaRPr>
           </a:p>
         </p:txBody>
       </p:sp>
-      <p:cxnSp>
-        <p:nvCxnSpPr>
-          <p:cNvPr id="143" name="Connettore diritto 142">
+      <p:sp>
+        <p:nvSpPr>
+          <p:cNvPr id="277" name="Rettangolo 276">
             <a:extLst>
               <a:ext uri="{FF2B5EF4-FFF2-40B4-BE49-F238E27FC236}">
-                <a16:creationId xmlns:a16="http://schemas.microsoft.com/office/drawing/2014/main" id="{2CD1D397-7838-4664-8433-54609F2A0A34}"/>
-              </a:ext>
-            </a:extLst>
-          </p:cNvPr>
-          <p:cNvCxnSpPr>
-            <a:cxnSpLocks/>
-          </p:cNvCxnSpPr>
-          <p:nvPr/>
-        </p:nvCxnSpPr>
-        <p:spPr>
-          <a:xfrm flipH="1" flipV="1">
-            <a:off x="3372594" y="786151"/>
-            <a:ext cx="972249" cy="116698"/>
-          </a:xfrm>
-          <a:prstGeom prst="line">
-            <a:avLst/>
-          </a:prstGeom>
-          <a:ln>
-            <a:solidFill>
-              <a:schemeClr val="bg1">
-                <a:lumMod val="75000"/>
-              </a:schemeClr>
-            </a:solidFill>
-          </a:ln>
-        </p:spPr>
-        <p:style>
-          <a:lnRef idx="1">
-            <a:schemeClr val="dk1"/>
-          </a:lnRef>
-          <a:fillRef idx="0">
-            <a:schemeClr val="dk1"/>
-          </a:fillRef>
-          <a:effectRef idx="0">
-            <a:schemeClr val="dk1"/>
-          </a:effectRef>
-          <a:fontRef idx="minor">
-            <a:schemeClr val="tx1"/>
-          </a:fontRef>
-        </p:style>
-      </p:cxnSp>
-      <p:cxnSp>
-        <p:nvCxnSpPr>
-          <p:cNvPr id="144" name="Connettore diritto 143">
-            <a:extLst>
-              <a:ext uri="{FF2B5EF4-FFF2-40B4-BE49-F238E27FC236}">
-                <a16:creationId xmlns:a16="http://schemas.microsoft.com/office/drawing/2014/main" id="{A788DC77-A079-4FDD-804D-7771F48877EE}"/>
-              </a:ext>
-            </a:extLst>
-          </p:cNvPr>
-          <p:cNvCxnSpPr>
-            <a:cxnSpLocks/>
-            <a:endCxn id="135" idx="3"/>
-          </p:cNvCxnSpPr>
-          <p:nvPr/>
-        </p:nvCxnSpPr>
-        <p:spPr>
-          <a:xfrm flipH="1">
-            <a:off x="3300513" y="1698982"/>
-            <a:ext cx="401324" cy="169692"/>
-          </a:xfrm>
-          <a:prstGeom prst="line">
-            <a:avLst/>
-          </a:prstGeom>
-          <a:ln>
-            <a:solidFill>
-              <a:schemeClr val="bg1">
-                <a:lumMod val="75000"/>
-              </a:schemeClr>
-            </a:solidFill>
-          </a:ln>
-        </p:spPr>
-        <p:style>
-          <a:lnRef idx="1">
-            <a:schemeClr val="dk1"/>
-          </a:lnRef>
-          <a:fillRef idx="0">
-            <a:schemeClr val="dk1"/>
-          </a:fillRef>
-          <a:effectRef idx="0">
-            <a:schemeClr val="dk1"/>
-          </a:effectRef>
-          <a:fontRef idx="minor">
-            <a:schemeClr val="tx1"/>
-          </a:fontRef>
-        </p:style>
-      </p:cxnSp>
-      <p:sp>
-        <p:nvSpPr>
-          <p:cNvPr id="145" name="Rettangolo 144">
-            <a:extLst>
-              <a:ext uri="{FF2B5EF4-FFF2-40B4-BE49-F238E27FC236}">
-                <a16:creationId xmlns:a16="http://schemas.microsoft.com/office/drawing/2014/main" id="{5049686B-602F-4533-8418-572BBEA54C4A}"/>
+                <a16:creationId xmlns:a16="http://schemas.microsoft.com/office/drawing/2014/main" id="{E8BA12D8-3FFB-0764-542B-0E198F31ECD4}"/>
               </a:ext>
             </a:extLst>
           </p:cNvPr>
@@ -6399,16 +8621,19 @@
         </p:nvSpPr>
         <p:spPr>
           <a:xfrm>
-            <a:off x="2486276" y="2670984"/>
+            <a:off x="3652671" y="2894097"/>
             <a:ext cx="814191" cy="849851"/>
           </a:xfrm>
           <a:prstGeom prst="rect">
             <a:avLst/>
           </a:prstGeom>
           <a:noFill/>
-          <a:ln>
+          <a:ln w="3175">
             <a:solidFill>
-              <a:schemeClr val="tx1"/>
+              <a:schemeClr val="tx1">
+                <a:lumMod val="85000"/>
+                <a:lumOff val="15000"/>
+              </a:schemeClr>
             </a:solidFill>
           </a:ln>
         </p:spPr>
@@ -6433,16 +8658,23 @@
           <a:lstStyle/>
           <a:p>
             <a:pPr algn="ctr"/>
-            <a:endParaRPr lang="en-GB"/>
+            <a:endParaRPr lang="en-GB">
+              <a:solidFill>
+                <a:schemeClr val="tx1">
+                  <a:lumMod val="75000"/>
+                  <a:lumOff val="25000"/>
+                </a:schemeClr>
+              </a:solidFill>
+            </a:endParaRPr>
           </a:p>
         </p:txBody>
       </p:sp>
       <p:sp>
         <p:nvSpPr>
-          <p:cNvPr id="146" name="Figura a mano libera: forma 145">
+          <p:cNvPr id="278" name="Figura a mano libera: forma 277">
             <a:extLst>
               <a:ext uri="{FF2B5EF4-FFF2-40B4-BE49-F238E27FC236}">
-                <a16:creationId xmlns:a16="http://schemas.microsoft.com/office/drawing/2014/main" id="{2BEFA5D2-8F88-431F-AAE2-8D0084093BF5}"/>
+                <a16:creationId xmlns:a16="http://schemas.microsoft.com/office/drawing/2014/main" id="{6D99D99F-645B-5A38-17D7-89A0E59C8C43}"/>
               </a:ext>
             </a:extLst>
           </p:cNvPr>
@@ -6451,7 +8683,7 @@
         </p:nvSpPr>
         <p:spPr>
           <a:xfrm>
-            <a:off x="2493980" y="2685815"/>
+            <a:off x="3660352" y="2908928"/>
             <a:ext cx="601762" cy="831540"/>
           </a:xfrm>
           <a:custGeom>
@@ -6857,16 +9089,23 @@
           <a:lstStyle/>
           <a:p>
             <a:pPr algn="ctr"/>
-            <a:endParaRPr lang="en-GB"/>
+            <a:endParaRPr lang="en-GB">
+              <a:solidFill>
+                <a:schemeClr val="tx1">
+                  <a:lumMod val="75000"/>
+                  <a:lumOff val="25000"/>
+                </a:schemeClr>
+              </a:solidFill>
+            </a:endParaRPr>
           </a:p>
         </p:txBody>
       </p:sp>
       <p:sp>
         <p:nvSpPr>
-          <p:cNvPr id="147" name="CasellaDiTesto 146">
+          <p:cNvPr id="279" name="CasellaDiTesto 278">
             <a:extLst>
               <a:ext uri="{FF2B5EF4-FFF2-40B4-BE49-F238E27FC236}">
-                <a16:creationId xmlns:a16="http://schemas.microsoft.com/office/drawing/2014/main" id="{E9347D5C-C070-4519-AA44-D5562AB5A248}"/>
+                <a16:creationId xmlns:a16="http://schemas.microsoft.com/office/drawing/2014/main" id="{7DBD1152-3C90-3EFB-70BD-8BD095F0F432}"/>
               </a:ext>
             </a:extLst>
           </p:cNvPr>
@@ -6875,7 +9114,7 @@
         </p:nvSpPr>
         <p:spPr>
           <a:xfrm>
-            <a:off x="2437330" y="3643308"/>
+            <a:off x="3603702" y="3884007"/>
             <a:ext cx="930420" cy="246221"/>
           </a:xfrm>
           <a:prstGeom prst="rect">
@@ -6891,19 +9130,33 @@
           <a:p>
             <a:pPr algn="ctr"/>
             <a:r>
-              <a:rPr lang="it-IT" sz="1000" dirty="0"/>
+              <a:rPr lang="it-IT" sz="1000" dirty="0">
+                <a:solidFill>
+                  <a:schemeClr val="tx1">
+                    <a:lumMod val="75000"/>
+                    <a:lumOff val="25000"/>
+                  </a:schemeClr>
+                </a:solidFill>
+              </a:rPr>
               <a:t>Rainfall [mm]</a:t>
             </a:r>
-            <a:endParaRPr lang="en-GB" sz="1000" dirty="0"/>
+            <a:endParaRPr lang="en-GB" sz="1000" dirty="0">
+              <a:solidFill>
+                <a:schemeClr val="tx1">
+                  <a:lumMod val="75000"/>
+                  <a:lumOff val="25000"/>
+                </a:schemeClr>
+              </a:solidFill>
+            </a:endParaRPr>
           </a:p>
         </p:txBody>
       </p:sp>
       <p:sp>
         <p:nvSpPr>
-          <p:cNvPr id="148" name="CasellaDiTesto 147">
+          <p:cNvPr id="280" name="CasellaDiTesto 279">
             <a:extLst>
               <a:ext uri="{FF2B5EF4-FFF2-40B4-BE49-F238E27FC236}">
-                <a16:creationId xmlns:a16="http://schemas.microsoft.com/office/drawing/2014/main" id="{D2B49B18-2E3C-41B8-9F19-514E81D9944F}"/>
+                <a16:creationId xmlns:a16="http://schemas.microsoft.com/office/drawing/2014/main" id="{764C87BB-7F15-A18B-2AD6-EA79100DD23D}"/>
               </a:ext>
             </a:extLst>
           </p:cNvPr>
@@ -6912,7 +9165,7 @@
         </p:nvSpPr>
         <p:spPr>
           <a:xfrm rot="16200000">
-            <a:off x="2009618" y="3040504"/>
+            <a:off x="3175990" y="3263617"/>
             <a:ext cx="707480" cy="246221"/>
           </a:xfrm>
           <a:prstGeom prst="rect">
@@ -6928,19 +9181,33 @@
           <a:p>
             <a:pPr algn="ctr"/>
             <a:r>
-              <a:rPr lang="it-IT" sz="1000" dirty="0"/>
+              <a:rPr lang="it-IT" sz="1000" dirty="0">
+                <a:solidFill>
+                  <a:schemeClr val="tx1">
+                    <a:lumMod val="75000"/>
+                    <a:lumOff val="25000"/>
+                  </a:schemeClr>
+                </a:solidFill>
+              </a:rPr>
               <a:t>Percentile</a:t>
             </a:r>
-            <a:endParaRPr lang="en-GB" sz="1000" dirty="0"/>
+            <a:endParaRPr lang="en-GB" sz="1000" dirty="0">
+              <a:solidFill>
+                <a:schemeClr val="tx1">
+                  <a:lumMod val="75000"/>
+                  <a:lumOff val="25000"/>
+                </a:schemeClr>
+              </a:solidFill>
+            </a:endParaRPr>
           </a:p>
         </p:txBody>
       </p:sp>
       <p:cxnSp>
         <p:nvCxnSpPr>
-          <p:cNvPr id="149" name="Connettore diritto 148">
+          <p:cNvPr id="281" name="Connettore diritto 280">
             <a:extLst>
               <a:ext uri="{FF2B5EF4-FFF2-40B4-BE49-F238E27FC236}">
-                <a16:creationId xmlns:a16="http://schemas.microsoft.com/office/drawing/2014/main" id="{1275B604-5AEB-468F-9887-D43759069BA5}"/>
+                <a16:creationId xmlns:a16="http://schemas.microsoft.com/office/drawing/2014/main" id="{DD5D2813-A0EA-EB3E-06B0-4381B16BF8D7}"/>
               </a:ext>
             </a:extLst>
           </p:cNvPr>
@@ -6951,7 +9218,7 @@
         </p:nvCxnSpPr>
         <p:spPr>
           <a:xfrm flipH="1" flipV="1">
-            <a:off x="2486279" y="2739965"/>
+            <a:off x="3652651" y="2963078"/>
             <a:ext cx="322672" cy="15389"/>
           </a:xfrm>
           <a:prstGeom prst="line">
@@ -6959,9 +9226,9 @@
           </a:prstGeom>
           <a:ln>
             <a:solidFill>
-              <a:schemeClr val="accent6">
-                <a:lumMod val="60000"/>
-                <a:lumOff val="40000"/>
+              <a:schemeClr val="tx1">
+                <a:lumMod val="85000"/>
+                <a:lumOff val="15000"/>
               </a:schemeClr>
             </a:solidFill>
             <a:prstDash val="dash"/>
@@ -6984,10 +9251,10 @@
       </p:cxnSp>
       <p:cxnSp>
         <p:nvCxnSpPr>
-          <p:cNvPr id="150" name="Connettore diritto 149">
+          <p:cNvPr id="282" name="Connettore diritto 281">
             <a:extLst>
               <a:ext uri="{FF2B5EF4-FFF2-40B4-BE49-F238E27FC236}">
-                <a16:creationId xmlns:a16="http://schemas.microsoft.com/office/drawing/2014/main" id="{0E838CB8-35B3-4669-84F3-50C27D6ECA79}"/>
+                <a16:creationId xmlns:a16="http://schemas.microsoft.com/office/drawing/2014/main" id="{3D663A79-05D2-E760-A305-4A4AF8E13538}"/>
               </a:ext>
             </a:extLst>
           </p:cNvPr>
@@ -6998,7 +9265,7 @@
         </p:nvCxnSpPr>
         <p:spPr>
           <a:xfrm>
-            <a:off x="2746288" y="2776265"/>
+            <a:off x="3912660" y="2999378"/>
             <a:ext cx="0" cy="741092"/>
           </a:xfrm>
           <a:prstGeom prst="line">
@@ -7006,9 +9273,9 @@
           </a:prstGeom>
           <a:ln>
             <a:solidFill>
-              <a:schemeClr val="accent6">
-                <a:lumMod val="60000"/>
-                <a:lumOff val="40000"/>
+              <a:schemeClr val="tx1">
+                <a:lumMod val="85000"/>
+                <a:lumOff val="15000"/>
               </a:schemeClr>
             </a:solidFill>
             <a:prstDash val="dash"/>
@@ -7031,10 +9298,10 @@
       </p:cxnSp>
       <p:sp>
         <p:nvSpPr>
-          <p:cNvPr id="151" name="CasellaDiTesto 150">
+          <p:cNvPr id="283" name="CasellaDiTesto 282">
             <a:extLst>
               <a:ext uri="{FF2B5EF4-FFF2-40B4-BE49-F238E27FC236}">
-                <a16:creationId xmlns:a16="http://schemas.microsoft.com/office/drawing/2014/main" id="{8F396026-A796-4252-860C-D1B0D96F5855}"/>
+                <a16:creationId xmlns:a16="http://schemas.microsoft.com/office/drawing/2014/main" id="{8DAEF02B-7F28-7789-54C3-D3BD9A60EA02}"/>
               </a:ext>
             </a:extLst>
           </p:cNvPr>
@@ -7043,7 +9310,7 @@
         </p:nvSpPr>
         <p:spPr>
           <a:xfrm>
-            <a:off x="2376036" y="3499366"/>
+            <a:off x="3542408" y="3722479"/>
             <a:ext cx="814191" cy="246221"/>
           </a:xfrm>
           <a:prstGeom prst="rect">
@@ -7092,10 +9359,10 @@
       </p:sp>
       <p:sp>
         <p:nvSpPr>
-          <p:cNvPr id="152" name="CasellaDiTesto 151">
+          <p:cNvPr id="284" name="CasellaDiTesto 283">
             <a:extLst>
               <a:ext uri="{FF2B5EF4-FFF2-40B4-BE49-F238E27FC236}">
-                <a16:creationId xmlns:a16="http://schemas.microsoft.com/office/drawing/2014/main" id="{F702D0DE-B190-40BD-A1EA-DF625BCC8691}"/>
+                <a16:creationId xmlns:a16="http://schemas.microsoft.com/office/drawing/2014/main" id="{60FB7CC3-1FB9-3BDC-DA2B-3AA7B395608E}"/>
               </a:ext>
             </a:extLst>
           </p:cNvPr>
@@ -7104,7 +9371,7 @@
         </p:nvSpPr>
         <p:spPr>
           <a:xfrm>
-            <a:off x="1994760" y="2670337"/>
+            <a:off x="2913645" y="2872129"/>
             <a:ext cx="814191" cy="246221"/>
           </a:xfrm>
           <a:prstGeom prst="rect">
@@ -7118,7 +9385,7 @@
           </a:bodyPr>
           <a:lstStyle/>
           <a:p>
-            <a:pPr algn="ctr"/>
+            <a:pPr algn="r"/>
             <a:r>
               <a:rPr lang="it-IT" sz="1000" dirty="0">
                 <a:solidFill>
@@ -7145,10 +9412,10 @@
       </p:sp>
       <p:sp>
         <p:nvSpPr>
-          <p:cNvPr id="153" name="Ovale 152">
+          <p:cNvPr id="285" name="Ovale 284">
             <a:extLst>
               <a:ext uri="{FF2B5EF4-FFF2-40B4-BE49-F238E27FC236}">
-                <a16:creationId xmlns:a16="http://schemas.microsoft.com/office/drawing/2014/main" id="{2C68D7AA-8E1B-40BA-A889-F36FF91A82CE}"/>
+                <a16:creationId xmlns:a16="http://schemas.microsoft.com/office/drawing/2014/main" id="{E7509D0D-86E3-4926-9CC8-AE723A307616}"/>
               </a:ext>
             </a:extLst>
           </p:cNvPr>
@@ -7157,7 +9424,7 @@
         </p:nvSpPr>
         <p:spPr>
           <a:xfrm>
-            <a:off x="2729268" y="2725805"/>
+            <a:off x="3895640" y="2948918"/>
             <a:ext cx="36000" cy="36000"/>
           </a:xfrm>
           <a:prstGeom prst="ellipse">
@@ -7193,61 +9460,23 @@
           <a:lstStyle/>
           <a:p>
             <a:pPr algn="ctr"/>
-            <a:endParaRPr lang="en-GB"/>
+            <a:endParaRPr lang="en-GB">
+              <a:solidFill>
+                <a:schemeClr val="tx1">
+                  <a:lumMod val="75000"/>
+                  <a:lumOff val="25000"/>
+                </a:schemeClr>
+              </a:solidFill>
+            </a:endParaRPr>
           </a:p>
         </p:txBody>
       </p:sp>
-      <p:cxnSp>
-        <p:nvCxnSpPr>
-          <p:cNvPr id="154" name="Connettore diritto 153">
+      <p:sp>
+        <p:nvSpPr>
+          <p:cNvPr id="286" name="Parentesi graffa chiusa 285">
             <a:extLst>
               <a:ext uri="{FF2B5EF4-FFF2-40B4-BE49-F238E27FC236}">
-                <a16:creationId xmlns:a16="http://schemas.microsoft.com/office/drawing/2014/main" id="{3A605988-A32F-4085-89E9-9D3E4409CACF}"/>
-              </a:ext>
-            </a:extLst>
-          </p:cNvPr>
-          <p:cNvCxnSpPr>
-            <a:cxnSpLocks/>
-          </p:cNvCxnSpPr>
-          <p:nvPr/>
-        </p:nvCxnSpPr>
-        <p:spPr>
-          <a:xfrm flipV="1">
-            <a:off x="3300466" y="1842141"/>
-            <a:ext cx="482243" cy="838894"/>
-          </a:xfrm>
-          <a:prstGeom prst="line">
-            <a:avLst/>
-          </a:prstGeom>
-          <a:ln>
-            <a:solidFill>
-              <a:schemeClr val="bg1">
-                <a:lumMod val="75000"/>
-              </a:schemeClr>
-            </a:solidFill>
-          </a:ln>
-        </p:spPr>
-        <p:style>
-          <a:lnRef idx="1">
-            <a:schemeClr val="dk1"/>
-          </a:lnRef>
-          <a:fillRef idx="0">
-            <a:schemeClr val="dk1"/>
-          </a:fillRef>
-          <a:effectRef idx="0">
-            <a:schemeClr val="dk1"/>
-          </a:effectRef>
-          <a:fontRef idx="minor">
-            <a:schemeClr val="tx1"/>
-          </a:fontRef>
-        </p:style>
-      </p:cxnSp>
-      <p:sp>
-        <p:nvSpPr>
-          <p:cNvPr id="155" name="Parentesi graffa chiusa 154">
-            <a:extLst>
-              <a:ext uri="{FF2B5EF4-FFF2-40B4-BE49-F238E27FC236}">
-                <a16:creationId xmlns:a16="http://schemas.microsoft.com/office/drawing/2014/main" id="{2DBB242F-C266-4030-B454-A8086843D32E}"/>
+                <a16:creationId xmlns:a16="http://schemas.microsoft.com/office/drawing/2014/main" id="{F46E4B6D-9B34-0B61-333F-075563FFA06B}"/>
               </a:ext>
             </a:extLst>
           </p:cNvPr>
@@ -7255,9 +9484,9 @@
           <p:nvPr/>
         </p:nvSpPr>
         <p:spPr>
-          <a:xfrm rot="10800000">
-            <a:off x="1694418" y="261658"/>
-            <a:ext cx="249067" cy="3564000"/>
+          <a:xfrm>
+            <a:off x="4829868" y="584747"/>
+            <a:ext cx="249067" cy="3545480"/>
           </a:xfrm>
           <a:prstGeom prst="rightBrace">
             <a:avLst>
@@ -7267,8 +9496,9 @@
           </a:prstGeom>
           <a:ln>
             <a:solidFill>
-              <a:schemeClr val="bg1">
-                <a:lumMod val="75000"/>
+              <a:schemeClr val="tx1">
+                <a:lumMod val="85000"/>
+                <a:lumOff val="15000"/>
               </a:schemeClr>
             </a:solidFill>
           </a:ln>
@@ -7292,16 +9522,641 @@
           <a:lstStyle/>
           <a:p>
             <a:pPr algn="ctr"/>
-            <a:endParaRPr lang="en-GB"/>
+            <a:endParaRPr lang="en-GB">
+              <a:solidFill>
+                <a:schemeClr val="tx1">
+                  <a:lumMod val="75000"/>
+                  <a:lumOff val="25000"/>
+                </a:schemeClr>
+              </a:solidFill>
+            </a:endParaRPr>
           </a:p>
         </p:txBody>
       </p:sp>
       <p:sp>
         <p:nvSpPr>
-          <p:cNvPr id="156" name="Rettangolo 155">
+          <p:cNvPr id="287" name="CasellaDiTesto 286">
             <a:extLst>
               <a:ext uri="{FF2B5EF4-FFF2-40B4-BE49-F238E27FC236}">
-                <a16:creationId xmlns:a16="http://schemas.microsoft.com/office/drawing/2014/main" id="{6DDB31F6-0516-4FE0-96B0-916460DD75A9}"/>
+                <a16:creationId xmlns:a16="http://schemas.microsoft.com/office/drawing/2014/main" id="{4944B0E1-955E-9DE6-ADFC-001F04CEFA81}"/>
+              </a:ext>
+            </a:extLst>
+          </p:cNvPr>
+          <p:cNvSpPr txBox="1"/>
+          <p:nvPr/>
+        </p:nvSpPr>
+        <p:spPr>
+          <a:xfrm rot="16200000">
+            <a:off x="3626668" y="2649409"/>
+            <a:ext cx="814191" cy="215444"/>
+          </a:xfrm>
+          <a:prstGeom prst="rect">
+            <a:avLst/>
+          </a:prstGeom>
+          <a:noFill/>
+        </p:spPr>
+        <p:txBody>
+          <a:bodyPr wrap="square" rtlCol="0">
+            <a:spAutoFit/>
+          </a:bodyPr>
+          <a:lstStyle/>
+          <a:p>
+            <a:pPr algn="ctr"/>
+            <a:r>
+              <a:rPr lang="it-IT" sz="800" dirty="0">
+                <a:solidFill>
+                  <a:schemeClr val="tx1">
+                    <a:lumMod val="75000"/>
+                    <a:lumOff val="25000"/>
+                  </a:schemeClr>
+                </a:solidFill>
+              </a:rPr>
+              <a:t>....</a:t>
+            </a:r>
+            <a:endParaRPr lang="en-GB" sz="800" dirty="0">
+              <a:solidFill>
+                <a:schemeClr val="tx1">
+                  <a:lumMod val="75000"/>
+                  <a:lumOff val="25000"/>
+                </a:schemeClr>
+              </a:solidFill>
+            </a:endParaRPr>
+          </a:p>
+        </p:txBody>
+      </p:sp>
+      <p:sp>
+        <p:nvSpPr>
+          <p:cNvPr id="288" name="TextBox 165">
+            <a:extLst>
+              <a:ext uri="{FF2B5EF4-FFF2-40B4-BE49-F238E27FC236}">
+                <a16:creationId xmlns:a16="http://schemas.microsoft.com/office/drawing/2014/main" id="{BBF92DA2-6C38-4A7D-24CD-B7EA958F7FF7}"/>
+              </a:ext>
+            </a:extLst>
+          </p:cNvPr>
+          <p:cNvSpPr txBox="1"/>
+          <p:nvPr/>
+        </p:nvSpPr>
+        <p:spPr>
+          <a:xfrm>
+            <a:off x="331175" y="823572"/>
+            <a:ext cx="216000" cy="215444"/>
+          </a:xfrm>
+          <a:prstGeom prst="rect">
+            <a:avLst/>
+          </a:prstGeom>
+          <a:solidFill>
+            <a:schemeClr val="bg1"/>
+          </a:solidFill>
+          <a:ln w="3175">
+            <a:solidFill>
+              <a:schemeClr val="tx1"/>
+            </a:solidFill>
+          </a:ln>
+        </p:spPr>
+        <p:txBody>
+          <a:bodyPr wrap="square" rtlCol="0">
+            <a:spAutoFit/>
+          </a:bodyPr>
+          <a:lstStyle/>
+          <a:p>
+            <a:pPr algn="ctr"/>
+            <a:r>
+              <a:rPr lang="es-ES" sz="800" dirty="0">
+                <a:solidFill>
+                  <a:schemeClr val="tx1">
+                    <a:lumMod val="75000"/>
+                    <a:lumOff val="25000"/>
+                  </a:schemeClr>
+                </a:solidFill>
+              </a:rPr>
+              <a:t>a</a:t>
+            </a:r>
+            <a:endParaRPr lang="en-GB" sz="800" dirty="0">
+              <a:solidFill>
+                <a:schemeClr val="tx1">
+                  <a:lumMod val="75000"/>
+                  <a:lumOff val="25000"/>
+                </a:schemeClr>
+              </a:solidFill>
+            </a:endParaRPr>
+          </a:p>
+        </p:txBody>
+      </p:sp>
+      <p:sp>
+        <p:nvSpPr>
+          <p:cNvPr id="289" name="TextBox 165">
+            <a:extLst>
+              <a:ext uri="{FF2B5EF4-FFF2-40B4-BE49-F238E27FC236}">
+                <a16:creationId xmlns:a16="http://schemas.microsoft.com/office/drawing/2014/main" id="{A08D0FF9-801C-046D-B701-AB0BA34FC6EA}"/>
+              </a:ext>
+            </a:extLst>
+          </p:cNvPr>
+          <p:cNvSpPr txBox="1"/>
+          <p:nvPr/>
+        </p:nvSpPr>
+        <p:spPr>
+          <a:xfrm>
+            <a:off x="3951766" y="356445"/>
+            <a:ext cx="216000" cy="215444"/>
+          </a:xfrm>
+          <a:prstGeom prst="rect">
+            <a:avLst/>
+          </a:prstGeom>
+          <a:noFill/>
+          <a:ln w="3175">
+            <a:solidFill>
+              <a:schemeClr val="tx1"/>
+            </a:solidFill>
+          </a:ln>
+        </p:spPr>
+        <p:txBody>
+          <a:bodyPr wrap="square" rtlCol="0">
+            <a:spAutoFit/>
+          </a:bodyPr>
+          <a:lstStyle/>
+          <a:p>
+            <a:pPr algn="ctr"/>
+            <a:r>
+              <a:rPr lang="es-ES" sz="800" dirty="0">
+                <a:solidFill>
+                  <a:schemeClr val="tx1">
+                    <a:lumMod val="75000"/>
+                    <a:lumOff val="25000"/>
+                  </a:schemeClr>
+                </a:solidFill>
+              </a:rPr>
+              <a:t>b</a:t>
+            </a:r>
+            <a:endParaRPr lang="en-GB" sz="800" dirty="0">
+              <a:solidFill>
+                <a:schemeClr val="tx1">
+                  <a:lumMod val="75000"/>
+                  <a:lumOff val="25000"/>
+                </a:schemeClr>
+              </a:solidFill>
+            </a:endParaRPr>
+          </a:p>
+        </p:txBody>
+      </p:sp>
+      <p:sp>
+        <p:nvSpPr>
+          <p:cNvPr id="290" name="CasellaDiTesto 146">
+            <a:extLst>
+              <a:ext uri="{FF2B5EF4-FFF2-40B4-BE49-F238E27FC236}">
+                <a16:creationId xmlns:a16="http://schemas.microsoft.com/office/drawing/2014/main" id="{C5758BBF-EF0E-0C56-8F70-AC16141C8541}"/>
+              </a:ext>
+            </a:extLst>
+          </p:cNvPr>
+          <p:cNvSpPr txBox="1"/>
+          <p:nvPr/>
+        </p:nvSpPr>
+        <p:spPr>
+          <a:xfrm>
+            <a:off x="3331873" y="3650399"/>
+            <a:ext cx="380723" cy="246221"/>
+          </a:xfrm>
+          <a:prstGeom prst="rect">
+            <a:avLst/>
+          </a:prstGeom>
+          <a:noFill/>
+        </p:spPr>
+        <p:txBody>
+          <a:bodyPr wrap="square" rtlCol="0">
+            <a:spAutoFit/>
+          </a:bodyPr>
+          <a:lstStyle/>
+          <a:p>
+            <a:pPr algn="r"/>
+            <a:r>
+              <a:rPr lang="it-IT" sz="1000" dirty="0">
+                <a:solidFill>
+                  <a:schemeClr val="tx1">
+                    <a:lumMod val="75000"/>
+                    <a:lumOff val="25000"/>
+                  </a:schemeClr>
+                </a:solidFill>
+              </a:rPr>
+              <a:t>0</a:t>
+            </a:r>
+            <a:endParaRPr lang="en-GB" sz="1000" dirty="0">
+              <a:solidFill>
+                <a:schemeClr val="tx1">
+                  <a:lumMod val="75000"/>
+                  <a:lumOff val="25000"/>
+                </a:schemeClr>
+              </a:solidFill>
+            </a:endParaRPr>
+          </a:p>
+        </p:txBody>
+      </p:sp>
+      <p:sp>
+        <p:nvSpPr>
+          <p:cNvPr id="291" name="CasellaDiTesto 146">
+            <a:extLst>
+              <a:ext uri="{FF2B5EF4-FFF2-40B4-BE49-F238E27FC236}">
+                <a16:creationId xmlns:a16="http://schemas.microsoft.com/office/drawing/2014/main" id="{DA53CE5F-4586-0BC7-F36E-E929D03B8FA9}"/>
+              </a:ext>
+            </a:extLst>
+          </p:cNvPr>
+          <p:cNvSpPr txBox="1"/>
+          <p:nvPr/>
+        </p:nvSpPr>
+        <p:spPr>
+          <a:xfrm>
+            <a:off x="3331873" y="1501951"/>
+            <a:ext cx="380723" cy="246221"/>
+          </a:xfrm>
+          <a:prstGeom prst="rect">
+            <a:avLst/>
+          </a:prstGeom>
+          <a:noFill/>
+        </p:spPr>
+        <p:txBody>
+          <a:bodyPr wrap="square" rtlCol="0">
+            <a:spAutoFit/>
+          </a:bodyPr>
+          <a:lstStyle/>
+          <a:p>
+            <a:pPr algn="r"/>
+            <a:r>
+              <a:rPr lang="it-IT" sz="1000" dirty="0">
+                <a:solidFill>
+                  <a:schemeClr val="tx1">
+                    <a:lumMod val="75000"/>
+                    <a:lumOff val="25000"/>
+                  </a:schemeClr>
+                </a:solidFill>
+              </a:rPr>
+              <a:t>100</a:t>
+            </a:r>
+            <a:endParaRPr lang="en-GB" sz="1000" dirty="0">
+              <a:solidFill>
+                <a:schemeClr val="tx1">
+                  <a:lumMod val="75000"/>
+                  <a:lumOff val="25000"/>
+                </a:schemeClr>
+              </a:solidFill>
+            </a:endParaRPr>
+          </a:p>
+        </p:txBody>
+      </p:sp>
+      <p:sp>
+        <p:nvSpPr>
+          <p:cNvPr id="292" name="CasellaDiTesto 146">
+            <a:extLst>
+              <a:ext uri="{FF2B5EF4-FFF2-40B4-BE49-F238E27FC236}">
+                <a16:creationId xmlns:a16="http://schemas.microsoft.com/office/drawing/2014/main" id="{67A4D0C6-60C4-152C-5E66-22B53EDB3ECB}"/>
+              </a:ext>
+            </a:extLst>
+          </p:cNvPr>
+          <p:cNvSpPr txBox="1"/>
+          <p:nvPr/>
+        </p:nvSpPr>
+        <p:spPr>
+          <a:xfrm>
+            <a:off x="3331873" y="2422458"/>
+            <a:ext cx="380723" cy="246221"/>
+          </a:xfrm>
+          <a:prstGeom prst="rect">
+            <a:avLst/>
+          </a:prstGeom>
+          <a:noFill/>
+        </p:spPr>
+        <p:txBody>
+          <a:bodyPr wrap="square" rtlCol="0">
+            <a:spAutoFit/>
+          </a:bodyPr>
+          <a:lstStyle/>
+          <a:p>
+            <a:pPr algn="r"/>
+            <a:r>
+              <a:rPr lang="it-IT" sz="1000" dirty="0">
+                <a:solidFill>
+                  <a:schemeClr val="tx1">
+                    <a:lumMod val="75000"/>
+                    <a:lumOff val="25000"/>
+                  </a:schemeClr>
+                </a:solidFill>
+              </a:rPr>
+              <a:t>0</a:t>
+            </a:r>
+            <a:endParaRPr lang="en-GB" sz="1000" dirty="0">
+              <a:solidFill>
+                <a:schemeClr val="tx1">
+                  <a:lumMod val="75000"/>
+                  <a:lumOff val="25000"/>
+                </a:schemeClr>
+              </a:solidFill>
+            </a:endParaRPr>
+          </a:p>
+        </p:txBody>
+      </p:sp>
+      <p:sp>
+        <p:nvSpPr>
+          <p:cNvPr id="293" name="CasellaDiTesto 146">
+            <a:extLst>
+              <a:ext uri="{FF2B5EF4-FFF2-40B4-BE49-F238E27FC236}">
+                <a16:creationId xmlns:a16="http://schemas.microsoft.com/office/drawing/2014/main" id="{CE9C72AA-72BE-DB65-44E5-47E6FF965EC4}"/>
+              </a:ext>
+            </a:extLst>
+          </p:cNvPr>
+          <p:cNvSpPr txBox="1"/>
+          <p:nvPr/>
+        </p:nvSpPr>
+        <p:spPr>
+          <a:xfrm>
+            <a:off x="3331873" y="428001"/>
+            <a:ext cx="380723" cy="246221"/>
+          </a:xfrm>
+          <a:prstGeom prst="rect">
+            <a:avLst/>
+          </a:prstGeom>
+          <a:noFill/>
+        </p:spPr>
+        <p:txBody>
+          <a:bodyPr wrap="square" rtlCol="0">
+            <a:spAutoFit/>
+          </a:bodyPr>
+          <a:lstStyle/>
+          <a:p>
+            <a:pPr algn="r"/>
+            <a:r>
+              <a:rPr lang="it-IT" sz="1000" dirty="0">
+                <a:solidFill>
+                  <a:schemeClr val="tx1">
+                    <a:lumMod val="75000"/>
+                    <a:lumOff val="25000"/>
+                  </a:schemeClr>
+                </a:solidFill>
+              </a:rPr>
+              <a:t>100</a:t>
+            </a:r>
+            <a:endParaRPr lang="en-GB" sz="1000" dirty="0">
+              <a:solidFill>
+                <a:schemeClr val="tx1">
+                  <a:lumMod val="75000"/>
+                  <a:lumOff val="25000"/>
+                </a:schemeClr>
+              </a:solidFill>
+            </a:endParaRPr>
+          </a:p>
+        </p:txBody>
+      </p:sp>
+      <p:sp>
+        <p:nvSpPr>
+          <p:cNvPr id="294" name="CasellaDiTesto 146">
+            <a:extLst>
+              <a:ext uri="{FF2B5EF4-FFF2-40B4-BE49-F238E27FC236}">
+                <a16:creationId xmlns:a16="http://schemas.microsoft.com/office/drawing/2014/main" id="{32F6C435-7488-6440-8B1E-9FE44AD35028}"/>
+              </a:ext>
+            </a:extLst>
+          </p:cNvPr>
+          <p:cNvSpPr txBox="1"/>
+          <p:nvPr/>
+        </p:nvSpPr>
+        <p:spPr>
+          <a:xfrm>
+            <a:off x="3331873" y="1354362"/>
+            <a:ext cx="380723" cy="246221"/>
+          </a:xfrm>
+          <a:prstGeom prst="rect">
+            <a:avLst/>
+          </a:prstGeom>
+          <a:noFill/>
+        </p:spPr>
+        <p:txBody>
+          <a:bodyPr wrap="square" rtlCol="0">
+            <a:spAutoFit/>
+          </a:bodyPr>
+          <a:lstStyle/>
+          <a:p>
+            <a:pPr algn="r"/>
+            <a:r>
+              <a:rPr lang="it-IT" sz="1000" dirty="0">
+                <a:solidFill>
+                  <a:schemeClr val="tx1">
+                    <a:lumMod val="75000"/>
+                    <a:lumOff val="25000"/>
+                  </a:schemeClr>
+                </a:solidFill>
+              </a:rPr>
+              <a:t>0</a:t>
+            </a:r>
+            <a:endParaRPr lang="en-GB" sz="1000" dirty="0">
+              <a:solidFill>
+                <a:schemeClr val="tx1">
+                  <a:lumMod val="75000"/>
+                  <a:lumOff val="25000"/>
+                </a:schemeClr>
+              </a:solidFill>
+            </a:endParaRPr>
+          </a:p>
+        </p:txBody>
+      </p:sp>
+      <p:cxnSp>
+        <p:nvCxnSpPr>
+          <p:cNvPr id="295" name="Connettore diritto 294">
+            <a:extLst>
+              <a:ext uri="{FF2B5EF4-FFF2-40B4-BE49-F238E27FC236}">
+                <a16:creationId xmlns:a16="http://schemas.microsoft.com/office/drawing/2014/main" id="{F6B305A1-1590-1C3E-06F5-657DB1FA0109}"/>
+              </a:ext>
+            </a:extLst>
+          </p:cNvPr>
+          <p:cNvCxnSpPr>
+            <a:cxnSpLocks/>
+            <a:stCxn id="262" idx="0"/>
+          </p:cNvCxnSpPr>
+          <p:nvPr/>
+        </p:nvCxnSpPr>
+        <p:spPr>
+          <a:xfrm flipH="1">
+            <a:off x="1326966" y="1103617"/>
+            <a:ext cx="2079652" cy="44196"/>
+          </a:xfrm>
+          <a:prstGeom prst="line">
+            <a:avLst/>
+          </a:prstGeom>
+          <a:ln>
+            <a:solidFill>
+              <a:schemeClr val="tx1">
+                <a:lumMod val="85000"/>
+                <a:lumOff val="15000"/>
+              </a:schemeClr>
+            </a:solidFill>
+            <a:headEnd type="triangle"/>
+            <a:tailEnd type="none"/>
+          </a:ln>
+        </p:spPr>
+        <p:style>
+          <a:lnRef idx="1">
+            <a:schemeClr val="dk1"/>
+          </a:lnRef>
+          <a:fillRef idx="0">
+            <a:schemeClr val="dk1"/>
+          </a:fillRef>
+          <a:effectRef idx="0">
+            <a:schemeClr val="dk1"/>
+          </a:effectRef>
+          <a:fontRef idx="minor">
+            <a:schemeClr val="tx1"/>
+          </a:fontRef>
+        </p:style>
+      </p:cxnSp>
+      <p:cxnSp>
+        <p:nvCxnSpPr>
+          <p:cNvPr id="296" name="Connettore diritto 295">
+            <a:extLst>
+              <a:ext uri="{FF2B5EF4-FFF2-40B4-BE49-F238E27FC236}">
+                <a16:creationId xmlns:a16="http://schemas.microsoft.com/office/drawing/2014/main" id="{A4288397-A3FA-A153-D6AD-6C4A2BAC9CE6}"/>
+              </a:ext>
+            </a:extLst>
+          </p:cNvPr>
+          <p:cNvCxnSpPr>
+            <a:cxnSpLocks/>
+            <a:stCxn id="271" idx="0"/>
+          </p:cNvCxnSpPr>
+          <p:nvPr/>
+        </p:nvCxnSpPr>
+        <p:spPr>
+          <a:xfrm flipH="1" flipV="1">
+            <a:off x="1227109" y="1538171"/>
+            <a:ext cx="2179510" cy="601377"/>
+          </a:xfrm>
+          <a:prstGeom prst="line">
+            <a:avLst/>
+          </a:prstGeom>
+          <a:ln>
+            <a:solidFill>
+              <a:schemeClr val="tx1">
+                <a:lumMod val="85000"/>
+                <a:lumOff val="15000"/>
+              </a:schemeClr>
+            </a:solidFill>
+            <a:headEnd type="triangle"/>
+            <a:tailEnd type="none"/>
+          </a:ln>
+        </p:spPr>
+        <p:style>
+          <a:lnRef idx="1">
+            <a:schemeClr val="dk1"/>
+          </a:lnRef>
+          <a:fillRef idx="0">
+            <a:schemeClr val="dk1"/>
+          </a:fillRef>
+          <a:effectRef idx="0">
+            <a:schemeClr val="dk1"/>
+          </a:effectRef>
+          <a:fontRef idx="minor">
+            <a:schemeClr val="tx1"/>
+          </a:fontRef>
+        </p:style>
+      </p:cxnSp>
+      <p:cxnSp>
+        <p:nvCxnSpPr>
+          <p:cNvPr id="297" name="Connettore diritto 296">
+            <a:extLst>
+              <a:ext uri="{FF2B5EF4-FFF2-40B4-BE49-F238E27FC236}">
+                <a16:creationId xmlns:a16="http://schemas.microsoft.com/office/drawing/2014/main" id="{D39A1A55-910E-C9CB-CBC2-F6FEEFA5C061}"/>
+              </a:ext>
+            </a:extLst>
+          </p:cNvPr>
+          <p:cNvCxnSpPr>
+            <a:cxnSpLocks/>
+            <a:stCxn id="280" idx="0"/>
+          </p:cNvCxnSpPr>
+          <p:nvPr/>
+        </p:nvCxnSpPr>
+        <p:spPr>
+          <a:xfrm flipH="1" flipV="1">
+            <a:off x="700505" y="2262739"/>
+            <a:ext cx="2706115" cy="1123989"/>
+          </a:xfrm>
+          <a:prstGeom prst="line">
+            <a:avLst/>
+          </a:prstGeom>
+          <a:ln>
+            <a:solidFill>
+              <a:schemeClr val="tx1">
+                <a:lumMod val="85000"/>
+                <a:lumOff val="15000"/>
+              </a:schemeClr>
+            </a:solidFill>
+            <a:headEnd type="triangle"/>
+            <a:tailEnd type="none"/>
+          </a:ln>
+        </p:spPr>
+        <p:style>
+          <a:lnRef idx="1">
+            <a:schemeClr val="dk1"/>
+          </a:lnRef>
+          <a:fillRef idx="0">
+            <a:schemeClr val="dk1"/>
+          </a:fillRef>
+          <a:effectRef idx="0">
+            <a:schemeClr val="dk1"/>
+          </a:effectRef>
+          <a:fontRef idx="minor">
+            <a:schemeClr val="tx1"/>
+          </a:fontRef>
+        </p:style>
+      </p:cxnSp>
+      <p:sp>
+        <p:nvSpPr>
+          <p:cNvPr id="298" name="CasellaDiTesto 146">
+            <a:extLst>
+              <a:ext uri="{FF2B5EF4-FFF2-40B4-BE49-F238E27FC236}">
+                <a16:creationId xmlns:a16="http://schemas.microsoft.com/office/drawing/2014/main" id="{23CB8159-2307-EC5F-7E79-5F9443C99796}"/>
+              </a:ext>
+            </a:extLst>
+          </p:cNvPr>
+          <p:cNvSpPr txBox="1"/>
+          <p:nvPr/>
+        </p:nvSpPr>
+        <p:spPr>
+          <a:xfrm>
+            <a:off x="3331873" y="2726551"/>
+            <a:ext cx="380723" cy="246221"/>
+          </a:xfrm>
+          <a:prstGeom prst="rect">
+            <a:avLst/>
+          </a:prstGeom>
+          <a:noFill/>
+        </p:spPr>
+        <p:txBody>
+          <a:bodyPr wrap="square" rtlCol="0">
+            <a:spAutoFit/>
+          </a:bodyPr>
+          <a:lstStyle/>
+          <a:p>
+            <a:pPr algn="r"/>
+            <a:r>
+              <a:rPr lang="it-IT" sz="1000" dirty="0">
+                <a:solidFill>
+                  <a:schemeClr val="tx1">
+                    <a:lumMod val="75000"/>
+                    <a:lumOff val="25000"/>
+                  </a:schemeClr>
+                </a:solidFill>
+              </a:rPr>
+              <a:t>100</a:t>
+            </a:r>
+            <a:endParaRPr lang="en-GB" sz="1000" dirty="0">
+              <a:solidFill>
+                <a:schemeClr val="tx1">
+                  <a:lumMod val="75000"/>
+                  <a:lumOff val="25000"/>
+                </a:schemeClr>
+              </a:solidFill>
+            </a:endParaRPr>
+          </a:p>
+        </p:txBody>
+      </p:sp>
+      <p:sp>
+        <p:nvSpPr>
+          <p:cNvPr id="299" name="Rettangolo 298">
+            <a:extLst>
+              <a:ext uri="{FF2B5EF4-FFF2-40B4-BE49-F238E27FC236}">
+                <a16:creationId xmlns:a16="http://schemas.microsoft.com/office/drawing/2014/main" id="{A339BDD9-8A39-A58E-3080-698940BA7602}"/>
               </a:ext>
             </a:extLst>
           </p:cNvPr>
@@ -7310,7 +10165,7 @@
         </p:nvSpPr>
         <p:spPr>
           <a:xfrm>
-            <a:off x="262408" y="1408143"/>
+            <a:off x="5429395" y="1617276"/>
             <a:ext cx="1371222" cy="1276821"/>
           </a:xfrm>
           <a:prstGeom prst="rect">
@@ -7350,10 +10205,10 @@
       </p:sp>
       <p:sp>
         <p:nvSpPr>
-          <p:cNvPr id="157" name="Figura a mano libera: forma 156">
+          <p:cNvPr id="300" name="Figura a mano libera: forma 299">
             <a:extLst>
               <a:ext uri="{FF2B5EF4-FFF2-40B4-BE49-F238E27FC236}">
-                <a16:creationId xmlns:a16="http://schemas.microsoft.com/office/drawing/2014/main" id="{6BDC9854-F930-4229-9939-78B974ECF407}"/>
+                <a16:creationId xmlns:a16="http://schemas.microsoft.com/office/drawing/2014/main" id="{FBFDAD91-7905-7BBE-3092-B6B3ECF4BF22}"/>
               </a:ext>
             </a:extLst>
           </p:cNvPr>
@@ -7362,7 +10217,7 @@
         </p:nvSpPr>
         <p:spPr>
           <a:xfrm>
-            <a:off x="450063" y="1446884"/>
+            <a:off x="5617050" y="1656017"/>
             <a:ext cx="1142779" cy="1238080"/>
           </a:xfrm>
           <a:custGeom>
@@ -8306,10 +11161,10 @@
       </p:sp>
       <p:sp>
         <p:nvSpPr>
-          <p:cNvPr id="158" name="CasellaDiTesto 157">
+          <p:cNvPr id="301" name="CasellaDiTesto 300">
             <a:extLst>
               <a:ext uri="{FF2B5EF4-FFF2-40B4-BE49-F238E27FC236}">
-                <a16:creationId xmlns:a16="http://schemas.microsoft.com/office/drawing/2014/main" id="{6A57C458-547F-460C-9F45-9AABD9568C62}"/>
+                <a16:creationId xmlns:a16="http://schemas.microsoft.com/office/drawing/2014/main" id="{4A8ABDDE-1A98-C659-E0C0-70958461A6DD}"/>
               </a:ext>
             </a:extLst>
           </p:cNvPr>
@@ -8318,7 +11173,7 @@
         </p:nvSpPr>
         <p:spPr>
           <a:xfrm>
-            <a:off x="262409" y="2876750"/>
+            <a:off x="5429396" y="3123983"/>
             <a:ext cx="1385926" cy="246221"/>
           </a:xfrm>
           <a:prstGeom prst="rect">
@@ -8343,10 +11198,10 @@
       </p:sp>
       <p:sp>
         <p:nvSpPr>
-          <p:cNvPr id="159" name="CasellaDiTesto 158">
+          <p:cNvPr id="302" name="CasellaDiTesto 301">
             <a:extLst>
               <a:ext uri="{FF2B5EF4-FFF2-40B4-BE49-F238E27FC236}">
-                <a16:creationId xmlns:a16="http://schemas.microsoft.com/office/drawing/2014/main" id="{6F369A6C-8983-4057-B63B-10795ED8C1CF}"/>
+                <a16:creationId xmlns:a16="http://schemas.microsoft.com/office/drawing/2014/main" id="{84CE5B07-8E86-3D46-AE22-D17644225A62}"/>
               </a:ext>
             </a:extLst>
           </p:cNvPr>
@@ -8355,7 +11210,7 @@
         </p:nvSpPr>
         <p:spPr>
           <a:xfrm rot="16200000">
-            <a:off x="-350545" y="1781056"/>
+            <a:off x="4816442" y="1990189"/>
             <a:ext cx="992047" cy="246221"/>
           </a:xfrm>
           <a:prstGeom prst="rect">
@@ -8380,10 +11235,10 @@
       </p:sp>
       <p:cxnSp>
         <p:nvCxnSpPr>
-          <p:cNvPr id="160" name="Connettore diritto 159">
+          <p:cNvPr id="303" name="Connettore diritto 302">
             <a:extLst>
               <a:ext uri="{FF2B5EF4-FFF2-40B4-BE49-F238E27FC236}">
-                <a16:creationId xmlns:a16="http://schemas.microsoft.com/office/drawing/2014/main" id="{42AA5FAD-FEF6-46E0-A368-FAAC5CAC38AA}"/>
+                <a16:creationId xmlns:a16="http://schemas.microsoft.com/office/drawing/2014/main" id="{0669BD32-4CFA-E029-1953-60C2A5ECFE87}"/>
               </a:ext>
             </a:extLst>
           </p:cNvPr>
@@ -8394,7 +11249,7 @@
         </p:nvCxnSpPr>
         <p:spPr>
           <a:xfrm>
-            <a:off x="781196" y="2410455"/>
+            <a:off x="5948183" y="2619588"/>
             <a:ext cx="0" cy="274509"/>
           </a:xfrm>
           <a:prstGeom prst="line">
@@ -8427,10 +11282,10 @@
       </p:cxnSp>
       <p:sp>
         <p:nvSpPr>
-          <p:cNvPr id="161" name="CasellaDiTesto 160">
+          <p:cNvPr id="304" name="CasellaDiTesto 303">
             <a:extLst>
               <a:ext uri="{FF2B5EF4-FFF2-40B4-BE49-F238E27FC236}">
-                <a16:creationId xmlns:a16="http://schemas.microsoft.com/office/drawing/2014/main" id="{AF08EE5C-5620-4E6B-BB6C-EDB1508B7E91}"/>
+                <a16:creationId xmlns:a16="http://schemas.microsoft.com/office/drawing/2014/main" id="{A6E8B822-9EEE-8BF3-9A9C-D65596F5E22B}"/>
               </a:ext>
             </a:extLst>
           </p:cNvPr>
@@ -8439,8 +11294,8 @@
         </p:nvSpPr>
         <p:spPr>
           <a:xfrm>
-            <a:off x="340469" y="2670984"/>
-            <a:ext cx="992665" cy="246221"/>
+            <a:off x="5438876" y="2880117"/>
+            <a:ext cx="1142779" cy="276999"/>
           </a:xfrm>
           <a:prstGeom prst="rect">
             <a:avLst/>
@@ -8455,7 +11310,7 @@
           <a:p>
             <a:pPr algn="ctr"/>
             <a:r>
-              <a:rPr lang="it-IT" sz="1000" dirty="0">
+              <a:rPr lang="it-IT" sz="1200" b="1" dirty="0">
                 <a:solidFill>
                   <a:srgbClr val="7030A0"/>
                 </a:solidFill>
@@ -8463,7 +11318,7 @@
               <a:t>tp(25</a:t>
             </a:r>
             <a:r>
-              <a:rPr lang="it-IT" sz="1000" baseline="30000" dirty="0">
+              <a:rPr lang="it-IT" sz="1200" b="1" baseline="30000" dirty="0">
                 <a:solidFill>
                   <a:srgbClr val="7030A0"/>
                 </a:solidFill>
@@ -8471,14 +11326,14 @@
               <a:t>th</a:t>
             </a:r>
             <a:r>
-              <a:rPr lang="it-IT" sz="1000" dirty="0">
+              <a:rPr lang="it-IT" sz="1200" b="1" dirty="0">
                 <a:solidFill>
                   <a:srgbClr val="7030A0"/>
                 </a:solidFill>
               </a:rPr>
-              <a:t>) = VRE</a:t>
+              <a:t>) = VRT</a:t>
             </a:r>
-            <a:endParaRPr lang="en-GB" sz="1000" dirty="0">
+            <a:endParaRPr lang="en-GB" sz="1200" b="1" dirty="0">
               <a:solidFill>
                 <a:srgbClr val="7030A0"/>
               </a:solidFill>
@@ -8488,10 +11343,10 @@
       </p:sp>
       <p:cxnSp>
         <p:nvCxnSpPr>
-          <p:cNvPr id="162" name="Connettore diritto 161">
+          <p:cNvPr id="305" name="Connettore diritto 304">
             <a:extLst>
               <a:ext uri="{FF2B5EF4-FFF2-40B4-BE49-F238E27FC236}">
-                <a16:creationId xmlns:a16="http://schemas.microsoft.com/office/drawing/2014/main" id="{C5B0A3FE-F6B9-4E97-992C-57FF0CCA2DD7}"/>
+                <a16:creationId xmlns:a16="http://schemas.microsoft.com/office/drawing/2014/main" id="{305D71CB-B233-CEB4-B3C2-4F20DD75B02D}"/>
               </a:ext>
             </a:extLst>
           </p:cNvPr>
@@ -8502,7 +11357,7 @@
         </p:nvCxnSpPr>
         <p:spPr>
           <a:xfrm flipH="1">
-            <a:off x="252432" y="2392289"/>
+            <a:off x="5419419" y="2601422"/>
             <a:ext cx="540000" cy="0"/>
           </a:xfrm>
           <a:prstGeom prst="line">
@@ -8535,10 +11390,10 @@
       </p:cxnSp>
       <p:sp>
         <p:nvSpPr>
-          <p:cNvPr id="163" name="CasellaDiTesto 162">
+          <p:cNvPr id="306" name="CasellaDiTesto 305">
             <a:extLst>
               <a:ext uri="{FF2B5EF4-FFF2-40B4-BE49-F238E27FC236}">
-                <a16:creationId xmlns:a16="http://schemas.microsoft.com/office/drawing/2014/main" id="{967D2AE2-4377-49AA-82FD-89A4B4FD79A3}"/>
+                <a16:creationId xmlns:a16="http://schemas.microsoft.com/office/drawing/2014/main" id="{B4CA7901-5DBD-023C-40AF-83DF69C1EFDA}"/>
               </a:ext>
             </a:extLst>
           </p:cNvPr>
@@ -8547,7 +11402,7 @@
         </p:nvSpPr>
         <p:spPr>
           <a:xfrm>
-            <a:off x="-264903" y="2289241"/>
+            <a:off x="4871604" y="2475514"/>
             <a:ext cx="814191" cy="246221"/>
           </a:xfrm>
           <a:prstGeom prst="rect">
@@ -8586,57 +11441,12 @@
           </a:p>
         </p:txBody>
       </p:sp>
-      <p:cxnSp>
-        <p:nvCxnSpPr>
-          <p:cNvPr id="164" name="Connettore diritto 163">
+      <p:sp>
+        <p:nvSpPr>
+          <p:cNvPr id="307" name="CasellaDiTesto 306">
             <a:extLst>
               <a:ext uri="{FF2B5EF4-FFF2-40B4-BE49-F238E27FC236}">
-                <a16:creationId xmlns:a16="http://schemas.microsoft.com/office/drawing/2014/main" id="{9E9C3FCA-6E28-499A-8CFF-B660935050B6}"/>
-              </a:ext>
-            </a:extLst>
-          </p:cNvPr>
-          <p:cNvCxnSpPr>
-            <a:cxnSpLocks/>
-          </p:cNvCxnSpPr>
-          <p:nvPr/>
-        </p:nvCxnSpPr>
-        <p:spPr>
-          <a:xfrm flipV="1">
-            <a:off x="-2746332" y="3246746"/>
-            <a:ext cx="843467" cy="0"/>
-          </a:xfrm>
-          <a:prstGeom prst="line">
-            <a:avLst/>
-          </a:prstGeom>
-          <a:ln>
-            <a:solidFill>
-              <a:schemeClr val="bg1">
-                <a:lumMod val="75000"/>
-              </a:schemeClr>
-            </a:solidFill>
-          </a:ln>
-        </p:spPr>
-        <p:style>
-          <a:lnRef idx="1">
-            <a:schemeClr val="accent1"/>
-          </a:lnRef>
-          <a:fillRef idx="0">
-            <a:schemeClr val="accent1"/>
-          </a:fillRef>
-          <a:effectRef idx="0">
-            <a:schemeClr val="accent1"/>
-          </a:effectRef>
-          <a:fontRef idx="minor">
-            <a:schemeClr val="tx1"/>
-          </a:fontRef>
-        </p:style>
-      </p:cxnSp>
-      <p:sp>
-        <p:nvSpPr>
-          <p:cNvPr id="166" name="CasellaDiTesto 165">
-            <a:extLst>
-              <a:ext uri="{FF2B5EF4-FFF2-40B4-BE49-F238E27FC236}">
-                <a16:creationId xmlns:a16="http://schemas.microsoft.com/office/drawing/2014/main" id="{305380B3-059D-4286-AAFE-4F3BD6A302B9}"/>
+                <a16:creationId xmlns:a16="http://schemas.microsoft.com/office/drawing/2014/main" id="{4B9C1286-779E-9841-2536-837CC2573407}"/>
               </a:ext>
             </a:extLst>
           </p:cNvPr>
@@ -8645,7 +11455,7 @@
         </p:nvSpPr>
         <p:spPr>
           <a:xfrm>
-            <a:off x="322912" y="1035729"/>
+            <a:off x="5489899" y="1199142"/>
             <a:ext cx="1250214" cy="400110"/>
           </a:xfrm>
           <a:prstGeom prst="rect">
@@ -8689,337 +11499,10 @@
       </p:sp>
       <p:sp>
         <p:nvSpPr>
-          <p:cNvPr id="168" name="CasellaDiTesto 167">
+          <p:cNvPr id="308" name="Ovale 307">
             <a:extLst>
               <a:ext uri="{FF2B5EF4-FFF2-40B4-BE49-F238E27FC236}">
-                <a16:creationId xmlns:a16="http://schemas.microsoft.com/office/drawing/2014/main" id="{2EF0380C-B83F-48DE-9CEC-A4B3E7A713AF}"/>
-              </a:ext>
-            </a:extLst>
-          </p:cNvPr>
-          <p:cNvSpPr txBox="1"/>
-          <p:nvPr/>
-        </p:nvSpPr>
-        <p:spPr>
-          <a:xfrm rot="16200000">
-            <a:off x="2460296" y="2426296"/>
-            <a:ext cx="814191" cy="215444"/>
-          </a:xfrm>
-          <a:prstGeom prst="rect">
-            <a:avLst/>
-          </a:prstGeom>
-          <a:noFill/>
-        </p:spPr>
-        <p:txBody>
-          <a:bodyPr wrap="square" rtlCol="0">
-            <a:spAutoFit/>
-          </a:bodyPr>
-          <a:lstStyle/>
-          <a:p>
-            <a:pPr algn="ctr"/>
-            <a:r>
-              <a:rPr lang="it-IT" sz="800" dirty="0"/>
-              <a:t>....</a:t>
-            </a:r>
-            <a:endParaRPr lang="en-GB" sz="800" dirty="0"/>
-          </a:p>
-        </p:txBody>
-      </p:sp>
-      <p:sp>
-        <p:nvSpPr>
-          <p:cNvPr id="169" name="Freccia a gallone 168">
-            <a:extLst>
-              <a:ext uri="{FF2B5EF4-FFF2-40B4-BE49-F238E27FC236}">
-                <a16:creationId xmlns:a16="http://schemas.microsoft.com/office/drawing/2014/main" id="{11291620-BC3A-47E1-939D-63FFC4C19055}"/>
-              </a:ext>
-            </a:extLst>
-          </p:cNvPr>
-          <p:cNvSpPr/>
-          <p:nvPr/>
-        </p:nvSpPr>
-        <p:spPr>
-          <a:xfrm rot="10800000">
-            <a:off x="62630" y="50057"/>
-            <a:ext cx="252000" cy="144000"/>
-          </a:xfrm>
-          <a:prstGeom prst="chevron">
-            <a:avLst/>
-          </a:prstGeom>
-          <a:solidFill>
-            <a:schemeClr val="bg1">
-              <a:lumMod val="75000"/>
-            </a:schemeClr>
-          </a:solidFill>
-          <a:ln>
-            <a:noFill/>
-          </a:ln>
-        </p:spPr>
-        <p:style>
-          <a:lnRef idx="2">
-            <a:schemeClr val="accent1">
-              <a:shade val="50000"/>
-            </a:schemeClr>
-          </a:lnRef>
-          <a:fillRef idx="1">
-            <a:schemeClr val="accent1"/>
-          </a:fillRef>
-          <a:effectRef idx="0">
-            <a:schemeClr val="accent1"/>
-          </a:effectRef>
-          <a:fontRef idx="minor">
-            <a:schemeClr val="lt1"/>
-          </a:fontRef>
-        </p:style>
-        <p:txBody>
-          <a:bodyPr rtlCol="0" anchor="ctr"/>
-          <a:lstStyle/>
-          <a:p>
-            <a:pPr algn="ctr"/>
-            <a:endParaRPr lang="en-GB">
-              <a:solidFill>
-                <a:schemeClr val="tx1"/>
-              </a:solidFill>
-            </a:endParaRPr>
-          </a:p>
-        </p:txBody>
-      </p:sp>
-      <p:sp>
-        <p:nvSpPr>
-          <p:cNvPr id="170" name="Freccia a gallone 169">
-            <a:extLst>
-              <a:ext uri="{FF2B5EF4-FFF2-40B4-BE49-F238E27FC236}">
-                <a16:creationId xmlns:a16="http://schemas.microsoft.com/office/drawing/2014/main" id="{E175D9CF-10FB-45B1-BE12-8885AE87B38E}"/>
-              </a:ext>
-            </a:extLst>
-          </p:cNvPr>
-          <p:cNvSpPr/>
-          <p:nvPr/>
-        </p:nvSpPr>
-        <p:spPr>
-          <a:xfrm rot="10800000">
-            <a:off x="3508302" y="36490"/>
-            <a:ext cx="252000" cy="144000"/>
-          </a:xfrm>
-          <a:prstGeom prst="chevron">
-            <a:avLst/>
-          </a:prstGeom>
-          <a:solidFill>
-            <a:schemeClr val="bg1">
-              <a:lumMod val="75000"/>
-            </a:schemeClr>
-          </a:solidFill>
-          <a:ln>
-            <a:noFill/>
-          </a:ln>
-        </p:spPr>
-        <p:style>
-          <a:lnRef idx="2">
-            <a:schemeClr val="accent1">
-              <a:shade val="50000"/>
-            </a:schemeClr>
-          </a:lnRef>
-          <a:fillRef idx="1">
-            <a:schemeClr val="accent1"/>
-          </a:fillRef>
-          <a:effectRef idx="0">
-            <a:schemeClr val="accent1"/>
-          </a:effectRef>
-          <a:fontRef idx="minor">
-            <a:schemeClr val="lt1"/>
-          </a:fontRef>
-        </p:style>
-        <p:txBody>
-          <a:bodyPr rtlCol="0" anchor="ctr"/>
-          <a:lstStyle/>
-          <a:p>
-            <a:pPr algn="ctr"/>
-            <a:endParaRPr lang="en-GB">
-              <a:solidFill>
-                <a:schemeClr val="tx1"/>
-              </a:solidFill>
-            </a:endParaRPr>
-          </a:p>
-        </p:txBody>
-      </p:sp>
-      <p:sp>
-        <p:nvSpPr>
-          <p:cNvPr id="171" name="Freccia a gallone 170">
-            <a:extLst>
-              <a:ext uri="{FF2B5EF4-FFF2-40B4-BE49-F238E27FC236}">
-                <a16:creationId xmlns:a16="http://schemas.microsoft.com/office/drawing/2014/main" id="{3AD8426B-D22A-40F5-A3E4-9591EBB1E00D}"/>
-              </a:ext>
-            </a:extLst>
-          </p:cNvPr>
-          <p:cNvSpPr/>
-          <p:nvPr/>
-        </p:nvSpPr>
-        <p:spPr>
-          <a:xfrm rot="10800000">
-            <a:off x="4369720" y="36489"/>
-            <a:ext cx="252000" cy="144000"/>
-          </a:xfrm>
-          <a:prstGeom prst="chevron">
-            <a:avLst/>
-          </a:prstGeom>
-          <a:solidFill>
-            <a:schemeClr val="bg1">
-              <a:lumMod val="75000"/>
-            </a:schemeClr>
-          </a:solidFill>
-          <a:ln>
-            <a:noFill/>
-          </a:ln>
-        </p:spPr>
-        <p:style>
-          <a:lnRef idx="2">
-            <a:schemeClr val="accent1">
-              <a:shade val="50000"/>
-            </a:schemeClr>
-          </a:lnRef>
-          <a:fillRef idx="1">
-            <a:schemeClr val="accent1"/>
-          </a:fillRef>
-          <a:effectRef idx="0">
-            <a:schemeClr val="accent1"/>
-          </a:effectRef>
-          <a:fontRef idx="minor">
-            <a:schemeClr val="lt1"/>
-          </a:fontRef>
-        </p:style>
-        <p:txBody>
-          <a:bodyPr rtlCol="0" anchor="ctr"/>
-          <a:lstStyle/>
-          <a:p>
-            <a:pPr algn="ctr"/>
-            <a:endParaRPr lang="en-GB">
-              <a:solidFill>
-                <a:schemeClr val="tx1"/>
-              </a:solidFill>
-            </a:endParaRPr>
-          </a:p>
-        </p:txBody>
-      </p:sp>
-      <p:sp>
-        <p:nvSpPr>
-          <p:cNvPr id="172" name="Freccia a gallone 171">
-            <a:extLst>
-              <a:ext uri="{FF2B5EF4-FFF2-40B4-BE49-F238E27FC236}">
-                <a16:creationId xmlns:a16="http://schemas.microsoft.com/office/drawing/2014/main" id="{671AF4C4-05F5-4286-97B3-4F261AB2B10B}"/>
-              </a:ext>
-            </a:extLst>
-          </p:cNvPr>
-          <p:cNvSpPr/>
-          <p:nvPr/>
-        </p:nvSpPr>
-        <p:spPr>
-          <a:xfrm rot="10800000">
-            <a:off x="5231138" y="36489"/>
-            <a:ext cx="252000" cy="144000"/>
-          </a:xfrm>
-          <a:prstGeom prst="chevron">
-            <a:avLst/>
-          </a:prstGeom>
-          <a:solidFill>
-            <a:schemeClr val="bg1">
-              <a:lumMod val="75000"/>
-            </a:schemeClr>
-          </a:solidFill>
-          <a:ln>
-            <a:noFill/>
-          </a:ln>
-        </p:spPr>
-        <p:style>
-          <a:lnRef idx="2">
-            <a:schemeClr val="accent1">
-              <a:shade val="50000"/>
-            </a:schemeClr>
-          </a:lnRef>
-          <a:fillRef idx="1">
-            <a:schemeClr val="accent1"/>
-          </a:fillRef>
-          <a:effectRef idx="0">
-            <a:schemeClr val="accent1"/>
-          </a:effectRef>
-          <a:fontRef idx="minor">
-            <a:schemeClr val="lt1"/>
-          </a:fontRef>
-        </p:style>
-        <p:txBody>
-          <a:bodyPr rtlCol="0" anchor="ctr"/>
-          <a:lstStyle/>
-          <a:p>
-            <a:pPr algn="ctr"/>
-            <a:endParaRPr lang="en-GB">
-              <a:solidFill>
-                <a:schemeClr val="tx1"/>
-              </a:solidFill>
-            </a:endParaRPr>
-          </a:p>
-        </p:txBody>
-      </p:sp>
-      <p:sp>
-        <p:nvSpPr>
-          <p:cNvPr id="173" name="Freccia a gallone 172">
-            <a:extLst>
-              <a:ext uri="{FF2B5EF4-FFF2-40B4-BE49-F238E27FC236}">
-                <a16:creationId xmlns:a16="http://schemas.microsoft.com/office/drawing/2014/main" id="{727A2FEE-A6EF-4987-8F78-E5A3F5D533CB}"/>
-              </a:ext>
-            </a:extLst>
-          </p:cNvPr>
-          <p:cNvSpPr/>
-          <p:nvPr/>
-        </p:nvSpPr>
-        <p:spPr>
-          <a:xfrm rot="10800000">
-            <a:off x="6092554" y="36488"/>
-            <a:ext cx="252000" cy="144000"/>
-          </a:xfrm>
-          <a:prstGeom prst="chevron">
-            <a:avLst/>
-          </a:prstGeom>
-          <a:solidFill>
-            <a:schemeClr val="bg1">
-              <a:lumMod val="75000"/>
-            </a:schemeClr>
-          </a:solidFill>
-          <a:ln>
-            <a:noFill/>
-          </a:ln>
-        </p:spPr>
-        <p:style>
-          <a:lnRef idx="2">
-            <a:schemeClr val="accent1">
-              <a:shade val="50000"/>
-            </a:schemeClr>
-          </a:lnRef>
-          <a:fillRef idx="1">
-            <a:schemeClr val="accent1"/>
-          </a:fillRef>
-          <a:effectRef idx="0">
-            <a:schemeClr val="accent1"/>
-          </a:effectRef>
-          <a:fontRef idx="minor">
-            <a:schemeClr val="lt1"/>
-          </a:fontRef>
-        </p:style>
-        <p:txBody>
-          <a:bodyPr rtlCol="0" anchor="ctr"/>
-          <a:lstStyle/>
-          <a:p>
-            <a:pPr algn="ctr"/>
-            <a:endParaRPr lang="en-GB">
-              <a:solidFill>
-                <a:schemeClr val="tx1"/>
-              </a:solidFill>
-            </a:endParaRPr>
-          </a:p>
-        </p:txBody>
-      </p:sp>
-      <p:sp>
-        <p:nvSpPr>
-          <p:cNvPr id="174" name="Ovale 173">
-            <a:extLst>
-              <a:ext uri="{FF2B5EF4-FFF2-40B4-BE49-F238E27FC236}">
-                <a16:creationId xmlns:a16="http://schemas.microsoft.com/office/drawing/2014/main" id="{FD72630F-2779-4AC7-8913-3EC88859E76F}"/>
+                <a16:creationId xmlns:a16="http://schemas.microsoft.com/office/drawing/2014/main" id="{4CD4775E-2630-9C87-6F3A-9951A2D20ED3}"/>
               </a:ext>
             </a:extLst>
           </p:cNvPr>
@@ -9028,7 +11511,7 @@
         </p:nvSpPr>
         <p:spPr>
           <a:xfrm>
-            <a:off x="739381" y="2368352"/>
+            <a:off x="5906368" y="2577485"/>
             <a:ext cx="72000" cy="72000"/>
           </a:xfrm>
           <a:prstGeom prst="ellipse">
@@ -9068,10 +11551,10 @@
       </p:sp>
       <p:sp>
         <p:nvSpPr>
-          <p:cNvPr id="61" name="TextBox 165">
+          <p:cNvPr id="309" name="TextBox 165">
             <a:extLst>
               <a:ext uri="{FF2B5EF4-FFF2-40B4-BE49-F238E27FC236}">
-                <a16:creationId xmlns:a16="http://schemas.microsoft.com/office/drawing/2014/main" id="{5FCA3152-1E3F-4B91-8E0C-0A878D56D994}"/>
+                <a16:creationId xmlns:a16="http://schemas.microsoft.com/office/drawing/2014/main" id="{A39F95E1-8908-A08A-E45F-F78388183FDE}"/>
               </a:ext>
             </a:extLst>
           </p:cNvPr>
@@ -9080,51 +11563,7 @@
         </p:nvSpPr>
         <p:spPr>
           <a:xfrm>
-            <a:off x="3454720" y="419744"/>
-            <a:ext cx="216000" cy="215444"/>
-          </a:xfrm>
-          <a:prstGeom prst="rect">
-            <a:avLst/>
-          </a:prstGeom>
-          <a:solidFill>
-            <a:schemeClr val="bg1"/>
-          </a:solidFill>
-          <a:ln w="3175">
-            <a:solidFill>
-              <a:schemeClr val="tx1"/>
-            </a:solidFill>
-          </a:ln>
-        </p:spPr>
-        <p:txBody>
-          <a:bodyPr wrap="square" rtlCol="0">
-            <a:spAutoFit/>
-          </a:bodyPr>
-          <a:lstStyle/>
-          <a:p>
-            <a:pPr algn="ctr"/>
-            <a:r>
-              <a:rPr lang="es-ES" sz="800" dirty="0"/>
-              <a:t>a</a:t>
-            </a:r>
-            <a:endParaRPr lang="en-GB" sz="800" dirty="0"/>
-          </a:p>
-        </p:txBody>
-      </p:sp>
-      <p:sp>
-        <p:nvSpPr>
-          <p:cNvPr id="62" name="TextBox 165">
-            <a:extLst>
-              <a:ext uri="{FF2B5EF4-FFF2-40B4-BE49-F238E27FC236}">
-                <a16:creationId xmlns:a16="http://schemas.microsoft.com/office/drawing/2014/main" id="{2DA7C65D-C116-4D68-9AA5-D6A0A1C51D19}"/>
-              </a:ext>
-            </a:extLst>
-          </p:cNvPr>
-          <p:cNvSpPr txBox="1"/>
-          <p:nvPr/>
-        </p:nvSpPr>
-        <p:spPr>
-          <a:xfrm>
-            <a:off x="1941162" y="336954"/>
+            <a:off x="6014359" y="985709"/>
             <a:ext cx="216000" cy="215444"/>
           </a:xfrm>
           <a:prstGeom prst="rect">
@@ -9146,7 +11585,7 @@
             <a:pPr algn="ctr"/>
             <a:r>
               <a:rPr lang="es-ES" sz="800" dirty="0"/>
-              <a:t>b</a:t>
+              <a:t>c</a:t>
             </a:r>
             <a:endParaRPr lang="en-GB" sz="800" dirty="0"/>
           </a:p>
@@ -9154,10 +11593,10 @@
       </p:sp>
       <p:sp>
         <p:nvSpPr>
-          <p:cNvPr id="63" name="TextBox 165">
+          <p:cNvPr id="310" name="CasellaDiTesto 157">
             <a:extLst>
               <a:ext uri="{FF2B5EF4-FFF2-40B4-BE49-F238E27FC236}">
-                <a16:creationId xmlns:a16="http://schemas.microsoft.com/office/drawing/2014/main" id="{672C15B1-E984-47E4-9BBD-6F53CA53CCE6}"/>
+                <a16:creationId xmlns:a16="http://schemas.microsoft.com/office/drawing/2014/main" id="{954DA63F-C322-DDD1-4321-7866BEDF9F27}"/>
               </a:ext>
             </a:extLst>
           </p:cNvPr>
@@ -9166,259 +11605,7 @@
         </p:nvSpPr>
         <p:spPr>
           <a:xfrm>
-            <a:off x="85335" y="824831"/>
-            <a:ext cx="216000" cy="215444"/>
-          </a:xfrm>
-          <a:prstGeom prst="rect">
-            <a:avLst/>
-          </a:prstGeom>
-          <a:noFill/>
-          <a:ln w="3175">
-            <a:solidFill>
-              <a:schemeClr val="tx1"/>
-            </a:solidFill>
-          </a:ln>
-        </p:spPr>
-        <p:txBody>
-          <a:bodyPr wrap="square" rtlCol="0">
-            <a:spAutoFit/>
-          </a:bodyPr>
-          <a:lstStyle/>
-          <a:p>
-            <a:pPr algn="ctr"/>
-            <a:r>
-              <a:rPr lang="es-ES" sz="800" dirty="0"/>
-              <a:t>c</a:t>
-            </a:r>
-            <a:endParaRPr lang="en-GB" sz="800" dirty="0"/>
-          </a:p>
-        </p:txBody>
-      </p:sp>
-      <p:sp>
-        <p:nvSpPr>
-          <p:cNvPr id="64" name="Freccia a gallone 169">
-            <a:extLst>
-              <a:ext uri="{FF2B5EF4-FFF2-40B4-BE49-F238E27FC236}">
-                <a16:creationId xmlns:a16="http://schemas.microsoft.com/office/drawing/2014/main" id="{B455401D-42F2-41E4-A1C4-F715E4BC1A1B}"/>
-              </a:ext>
-            </a:extLst>
-          </p:cNvPr>
-          <p:cNvSpPr/>
-          <p:nvPr/>
-        </p:nvSpPr>
-        <p:spPr>
-          <a:xfrm rot="10800000">
-            <a:off x="924048" y="36880"/>
-            <a:ext cx="252000" cy="144000"/>
-          </a:xfrm>
-          <a:prstGeom prst="chevron">
-            <a:avLst/>
-          </a:prstGeom>
-          <a:solidFill>
-            <a:schemeClr val="bg1">
-              <a:lumMod val="75000"/>
-            </a:schemeClr>
-          </a:solidFill>
-          <a:ln>
-            <a:noFill/>
-          </a:ln>
-        </p:spPr>
-        <p:style>
-          <a:lnRef idx="2">
-            <a:schemeClr val="accent1">
-              <a:shade val="50000"/>
-            </a:schemeClr>
-          </a:lnRef>
-          <a:fillRef idx="1">
-            <a:schemeClr val="accent1"/>
-          </a:fillRef>
-          <a:effectRef idx="0">
-            <a:schemeClr val="accent1"/>
-          </a:effectRef>
-          <a:fontRef idx="minor">
-            <a:schemeClr val="lt1"/>
-          </a:fontRef>
-        </p:style>
-        <p:txBody>
-          <a:bodyPr rtlCol="0" anchor="ctr"/>
-          <a:lstStyle/>
-          <a:p>
-            <a:pPr algn="ctr"/>
-            <a:endParaRPr lang="en-GB">
-              <a:solidFill>
-                <a:schemeClr val="tx1"/>
-              </a:solidFill>
-            </a:endParaRPr>
-          </a:p>
-        </p:txBody>
-      </p:sp>
-      <p:sp>
-        <p:nvSpPr>
-          <p:cNvPr id="65" name="Freccia a gallone 170">
-            <a:extLst>
-              <a:ext uri="{FF2B5EF4-FFF2-40B4-BE49-F238E27FC236}">
-                <a16:creationId xmlns:a16="http://schemas.microsoft.com/office/drawing/2014/main" id="{B9BECBDF-423F-431D-915D-CB03FE3DD3CA}"/>
-              </a:ext>
-            </a:extLst>
-          </p:cNvPr>
-          <p:cNvSpPr/>
-          <p:nvPr/>
-        </p:nvSpPr>
-        <p:spPr>
-          <a:xfrm rot="10800000">
-            <a:off x="1785466" y="36879"/>
-            <a:ext cx="252000" cy="144000"/>
-          </a:xfrm>
-          <a:prstGeom prst="chevron">
-            <a:avLst/>
-          </a:prstGeom>
-          <a:solidFill>
-            <a:schemeClr val="bg1">
-              <a:lumMod val="75000"/>
-            </a:schemeClr>
-          </a:solidFill>
-          <a:ln>
-            <a:noFill/>
-          </a:ln>
-        </p:spPr>
-        <p:style>
-          <a:lnRef idx="2">
-            <a:schemeClr val="accent1">
-              <a:shade val="50000"/>
-            </a:schemeClr>
-          </a:lnRef>
-          <a:fillRef idx="1">
-            <a:schemeClr val="accent1"/>
-          </a:fillRef>
-          <a:effectRef idx="0">
-            <a:schemeClr val="accent1"/>
-          </a:effectRef>
-          <a:fontRef idx="minor">
-            <a:schemeClr val="lt1"/>
-          </a:fontRef>
-        </p:style>
-        <p:txBody>
-          <a:bodyPr rtlCol="0" anchor="ctr"/>
-          <a:lstStyle/>
-          <a:p>
-            <a:pPr algn="ctr"/>
-            <a:endParaRPr lang="en-GB">
-              <a:solidFill>
-                <a:schemeClr val="tx1"/>
-              </a:solidFill>
-            </a:endParaRPr>
-          </a:p>
-        </p:txBody>
-      </p:sp>
-      <p:sp>
-        <p:nvSpPr>
-          <p:cNvPr id="66" name="Freccia a gallone 171">
-            <a:extLst>
-              <a:ext uri="{FF2B5EF4-FFF2-40B4-BE49-F238E27FC236}">
-                <a16:creationId xmlns:a16="http://schemas.microsoft.com/office/drawing/2014/main" id="{201157AC-33A4-46E7-864A-85CF8B40F124}"/>
-              </a:ext>
-            </a:extLst>
-          </p:cNvPr>
-          <p:cNvSpPr/>
-          <p:nvPr/>
-        </p:nvSpPr>
-        <p:spPr>
-          <a:xfrm rot="10800000">
-            <a:off x="2646884" y="36879"/>
-            <a:ext cx="252000" cy="144000"/>
-          </a:xfrm>
-          <a:prstGeom prst="chevron">
-            <a:avLst/>
-          </a:prstGeom>
-          <a:solidFill>
-            <a:schemeClr val="bg1">
-              <a:lumMod val="75000"/>
-            </a:schemeClr>
-          </a:solidFill>
-          <a:ln>
-            <a:noFill/>
-          </a:ln>
-        </p:spPr>
-        <p:style>
-          <a:lnRef idx="2">
-            <a:schemeClr val="accent1">
-              <a:shade val="50000"/>
-            </a:schemeClr>
-          </a:lnRef>
-          <a:fillRef idx="1">
-            <a:schemeClr val="accent1"/>
-          </a:fillRef>
-          <a:effectRef idx="0">
-            <a:schemeClr val="accent1"/>
-          </a:effectRef>
-          <a:fontRef idx="minor">
-            <a:schemeClr val="lt1"/>
-          </a:fontRef>
-        </p:style>
-        <p:txBody>
-          <a:bodyPr rtlCol="0" anchor="ctr"/>
-          <a:lstStyle/>
-          <a:p>
-            <a:pPr algn="ctr"/>
-            <a:endParaRPr lang="en-GB">
-              <a:solidFill>
-                <a:schemeClr val="tx1"/>
-              </a:solidFill>
-            </a:endParaRPr>
-          </a:p>
-        </p:txBody>
-      </p:sp>
-      <p:sp>
-        <p:nvSpPr>
-          <p:cNvPr id="67" name="CasellaDiTesto 165">
-            <a:extLst>
-              <a:ext uri="{FF2B5EF4-FFF2-40B4-BE49-F238E27FC236}">
-                <a16:creationId xmlns:a16="http://schemas.microsoft.com/office/drawing/2014/main" id="{D107E3C5-5AB3-48C1-A291-CBAF6C8FCE7B}"/>
-              </a:ext>
-            </a:extLst>
-          </p:cNvPr>
-          <p:cNvSpPr txBox="1"/>
-          <p:nvPr/>
-        </p:nvSpPr>
-        <p:spPr>
-          <a:xfrm>
-            <a:off x="4612697" y="3507342"/>
-            <a:ext cx="1999711" cy="215444"/>
-          </a:xfrm>
-          <a:prstGeom prst="rect">
-            <a:avLst/>
-          </a:prstGeom>
-          <a:noFill/>
-        </p:spPr>
-        <p:txBody>
-          <a:bodyPr wrap="square" rtlCol="0">
-            <a:spAutoFit/>
-          </a:bodyPr>
-          <a:lstStyle/>
-          <a:p>
-            <a:pPr algn="ctr"/>
-            <a:r>
-              <a:rPr lang="en-GB" sz="800" dirty="0"/>
-              <a:t>N point flood reports in “La Costa”</a:t>
-            </a:r>
-          </a:p>
-        </p:txBody>
-      </p:sp>
-      <p:sp>
-        <p:nvSpPr>
-          <p:cNvPr id="75" name="CasellaDiTesto 157">
-            <a:extLst>
-              <a:ext uri="{FF2B5EF4-FFF2-40B4-BE49-F238E27FC236}">
-                <a16:creationId xmlns:a16="http://schemas.microsoft.com/office/drawing/2014/main" id="{3189DE11-2FC5-4AE1-A8E8-43D25767D9C9}"/>
-              </a:ext>
-            </a:extLst>
-          </p:cNvPr>
-          <p:cNvSpPr txBox="1"/>
-          <p:nvPr/>
-        </p:nvSpPr>
-        <p:spPr>
-          <a:xfrm>
-            <a:off x="212294" y="1488769"/>
+            <a:off x="5379281" y="1697902"/>
             <a:ext cx="915130" cy="553998"/>
           </a:xfrm>
           <a:prstGeom prst="rect">
@@ -9436,8 +11623,9 @@
             <a:r>
               <a:rPr lang="en-GB" sz="1000" dirty="0">
                 <a:solidFill>
-                  <a:schemeClr val="bg1">
-                    <a:lumMod val="50000"/>
+                  <a:schemeClr val="tx1">
+                    <a:lumMod val="85000"/>
+                    <a:lumOff val="15000"/>
                   </a:schemeClr>
                 </a:solidFill>
               </a:rPr>
@@ -9448,10 +11636,10 @@
       </p:sp>
       <p:cxnSp>
         <p:nvCxnSpPr>
-          <p:cNvPr id="3" name="Straight Arrow Connector 2">
+          <p:cNvPr id="311" name="Straight Arrow Connector 2">
             <a:extLst>
               <a:ext uri="{FF2B5EF4-FFF2-40B4-BE49-F238E27FC236}">
-                <a16:creationId xmlns:a16="http://schemas.microsoft.com/office/drawing/2014/main" id="{22DAFC65-AF98-44AA-BF95-B1B1B5846004}"/>
+                <a16:creationId xmlns:a16="http://schemas.microsoft.com/office/drawing/2014/main" id="{6C6532A5-8F65-E36A-EC45-E648F439AA14}"/>
               </a:ext>
             </a:extLst>
           </p:cNvPr>
@@ -9462,7 +11650,7 @@
         </p:nvCxnSpPr>
         <p:spPr>
           <a:xfrm flipH="1">
-            <a:off x="312495" y="2000813"/>
+            <a:off x="5479482" y="2209946"/>
             <a:ext cx="223149" cy="365923"/>
           </a:xfrm>
           <a:prstGeom prst="straightConnector1">
@@ -9470,8 +11658,9 @@
           </a:prstGeom>
           <a:ln w="3175">
             <a:solidFill>
-              <a:schemeClr val="bg1">
-                <a:lumMod val="50000"/>
+              <a:schemeClr val="tx1">
+                <a:lumMod val="85000"/>
+                <a:lumOff val="15000"/>
               </a:schemeClr>
             </a:solidFill>
             <a:tailEnd type="triangle"/>
@@ -9494,10 +11683,10 @@
       </p:cxnSp>
       <p:sp>
         <p:nvSpPr>
-          <p:cNvPr id="68" name="CasellaDiTesto 146">
+          <p:cNvPr id="312" name="CasellaDiTesto 146">
             <a:extLst>
               <a:ext uri="{FF2B5EF4-FFF2-40B4-BE49-F238E27FC236}">
-                <a16:creationId xmlns:a16="http://schemas.microsoft.com/office/drawing/2014/main" id="{A92E764B-4648-47C2-B386-6C4597D03769}"/>
+                <a16:creationId xmlns:a16="http://schemas.microsoft.com/office/drawing/2014/main" id="{0E23FDA5-E4A8-2B8B-023B-D135C3787631}"/>
               </a:ext>
             </a:extLst>
           </p:cNvPr>
@@ -9506,7 +11695,7 @@
         </p:nvSpPr>
         <p:spPr>
           <a:xfrm>
-            <a:off x="2165259" y="3427286"/>
+            <a:off x="5122531" y="2811827"/>
             <a:ext cx="380723" cy="246221"/>
           </a:xfrm>
           <a:prstGeom prst="rect">
@@ -9531,10 +11720,10 @@
       </p:sp>
       <p:sp>
         <p:nvSpPr>
-          <p:cNvPr id="76" name="CasellaDiTesto 146">
+          <p:cNvPr id="313" name="CasellaDiTesto 146">
             <a:extLst>
               <a:ext uri="{FF2B5EF4-FFF2-40B4-BE49-F238E27FC236}">
-                <a16:creationId xmlns:a16="http://schemas.microsoft.com/office/drawing/2014/main" id="{F4F0BB4C-4371-4739-AB65-755BD7CFEDD0}"/>
+                <a16:creationId xmlns:a16="http://schemas.microsoft.com/office/drawing/2014/main" id="{6D4F101C-3582-FD11-2E27-37EA70A7408E}"/>
               </a:ext>
             </a:extLst>
           </p:cNvPr>
@@ -9543,7 +11732,7 @@
         </p:nvSpPr>
         <p:spPr>
           <a:xfrm>
-            <a:off x="2165259" y="2516840"/>
+            <a:off x="5122531" y="1482281"/>
             <a:ext cx="380723" cy="246221"/>
           </a:xfrm>
           <a:prstGeom prst="rect">
@@ -9568,10 +11757,10 @@
       </p:sp>
       <p:sp>
         <p:nvSpPr>
-          <p:cNvPr id="77" name="CasellaDiTesto 146">
+          <p:cNvPr id="314" name="CasellaDiTesto 313">
             <a:extLst>
               <a:ext uri="{FF2B5EF4-FFF2-40B4-BE49-F238E27FC236}">
-                <a16:creationId xmlns:a16="http://schemas.microsoft.com/office/drawing/2014/main" id="{CC6FD1F7-9280-4207-A962-C15EA8C5D1ED}"/>
+                <a16:creationId xmlns:a16="http://schemas.microsoft.com/office/drawing/2014/main" id="{05E7FB0E-6110-6630-7A97-447EEF021088}"/>
               </a:ext>
             </a:extLst>
           </p:cNvPr>
@@ -9580,8 +11769,8 @@
         </p:nvSpPr>
         <p:spPr>
           <a:xfrm>
-            <a:off x="2165259" y="2199345"/>
-            <a:ext cx="380723" cy="246221"/>
+            <a:off x="219075" y="259080"/>
+            <a:ext cx="3068569" cy="400110"/>
           </a:xfrm>
           <a:prstGeom prst="rect">
             <a:avLst/>
@@ -9594,21 +11783,66 @@
           </a:bodyPr>
           <a:lstStyle/>
           <a:p>
-            <a:pPr algn="r"/>
+            <a:pPr algn="ctr"/>
             <a:r>
-              <a:rPr lang="it-IT" sz="1000" dirty="0"/>
-              <a:t>0</a:t>
+              <a:rPr lang="en-GB" sz="1000" dirty="0">
+                <a:solidFill>
+                  <a:schemeClr val="tx1">
+                    <a:lumMod val="85000"/>
+                    <a:lumOff val="15000"/>
+                  </a:schemeClr>
+                </a:solidFill>
+                <a:effectLst/>
+                <a:latin typeface="Calibri" panose="020F0502020204030204" pitchFamily="34" charset="0"/>
+                <a:ea typeface="Calibri" panose="020F0502020204030204" pitchFamily="34" charset="0"/>
+              </a:rPr>
+              <a:t>Location of N point flood reports in “La Costa”, with EFFCI&gt;=6, in 2019 (from </a:t>
             </a:r>
-            <a:endParaRPr lang="en-GB" sz="1000" dirty="0"/>
+            <a:r>
+              <a:rPr lang="en-GB" sz="1000" b="1" dirty="0">
+                <a:solidFill>
+                  <a:schemeClr val="tx1">
+                    <a:lumMod val="85000"/>
+                    <a:lumOff val="15000"/>
+                  </a:schemeClr>
+                </a:solidFill>
+                <a:effectLst/>
+                <a:latin typeface="Calibri" panose="020F0502020204030204" pitchFamily="34" charset="0"/>
+                <a:ea typeface="Calibri" panose="020F0502020204030204" pitchFamily="34" charset="0"/>
+              </a:rPr>
+              <a:t>Figure 3b</a:t>
+            </a:r>
+            <a:r>
+              <a:rPr lang="en-GB" sz="1000" dirty="0">
+                <a:solidFill>
+                  <a:schemeClr val="tx1">
+                    <a:lumMod val="85000"/>
+                    <a:lumOff val="15000"/>
+                  </a:schemeClr>
+                </a:solidFill>
+                <a:effectLst/>
+                <a:latin typeface="Calibri" panose="020F0502020204030204" pitchFamily="34" charset="0"/>
+                <a:ea typeface="Calibri" panose="020F0502020204030204" pitchFamily="34" charset="0"/>
+              </a:rPr>
+              <a:t>)</a:t>
+            </a:r>
+            <a:endParaRPr lang="en-GB" sz="1000" dirty="0">
+              <a:solidFill>
+                <a:schemeClr val="tx1">
+                  <a:lumMod val="85000"/>
+                  <a:lumOff val="15000"/>
+                </a:schemeClr>
+              </a:solidFill>
+            </a:endParaRPr>
           </a:p>
         </p:txBody>
       </p:sp>
       <p:sp>
         <p:nvSpPr>
-          <p:cNvPr id="78" name="CasellaDiTesto 146">
+          <p:cNvPr id="315" name="CasellaDiTesto 314">
             <a:extLst>
               <a:ext uri="{FF2B5EF4-FFF2-40B4-BE49-F238E27FC236}">
-                <a16:creationId xmlns:a16="http://schemas.microsoft.com/office/drawing/2014/main" id="{9A6B864F-5689-431E-ADA4-4C2BBF9CAB8C}"/>
+                <a16:creationId xmlns:a16="http://schemas.microsoft.com/office/drawing/2014/main" id="{7C1AAA59-A4B0-A520-561F-3289E8DC2226}"/>
               </a:ext>
             </a:extLst>
           </p:cNvPr>
@@ -9617,8 +11851,8 @@
         </p:nvSpPr>
         <p:spPr>
           <a:xfrm>
-            <a:off x="2165259" y="1288899"/>
-            <a:ext cx="380723" cy="246221"/>
+            <a:off x="0" y="21942"/>
+            <a:ext cx="6858000" cy="246221"/>
           </a:xfrm>
           <a:prstGeom prst="rect">
             <a:avLst/>
@@ -9631,490 +11865,36 @@
           </a:bodyPr>
           <a:lstStyle/>
           <a:p>
-            <a:pPr algn="r"/>
+            <a:pPr algn="ctr"/>
             <a:r>
-              <a:rPr lang="it-IT" sz="1000" dirty="0"/>
-              <a:t>100</a:t>
+              <a:rPr lang="en-GB" sz="1000" b="1" dirty="0">
+                <a:solidFill>
+                  <a:schemeClr val="tx1">
+                    <a:lumMod val="85000"/>
+                    <a:lumOff val="15000"/>
+                  </a:schemeClr>
+                </a:solidFill>
+                <a:effectLst/>
+                <a:latin typeface="Calibri" panose="020F0502020204030204" pitchFamily="34" charset="0"/>
+                <a:ea typeface="Calibri" panose="020F0502020204030204" pitchFamily="34" charset="0"/>
+              </a:rPr>
+              <a:t>Schematic representation of the definition of verifying rainfall thresholds (VRTs) using short-range ecPoint rainfall forecasts</a:t>
             </a:r>
-            <a:endParaRPr lang="en-GB" sz="1000" dirty="0"/>
+            <a:endParaRPr lang="en-GB" sz="1000" b="1" dirty="0">
+              <a:solidFill>
+                <a:schemeClr val="tx1">
+                  <a:lumMod val="85000"/>
+                  <a:lumOff val="15000"/>
+                </a:schemeClr>
+              </a:solidFill>
+            </a:endParaRPr>
           </a:p>
         </p:txBody>
       </p:sp>
-      <p:sp>
-        <p:nvSpPr>
-          <p:cNvPr id="79" name="CasellaDiTesto 146">
-            <a:extLst>
-              <a:ext uri="{FF2B5EF4-FFF2-40B4-BE49-F238E27FC236}">
-                <a16:creationId xmlns:a16="http://schemas.microsoft.com/office/drawing/2014/main" id="{95C398EE-E581-45D8-89E7-7A23930E4DEF}"/>
-              </a:ext>
-            </a:extLst>
-          </p:cNvPr>
-          <p:cNvSpPr txBox="1"/>
-          <p:nvPr/>
-        </p:nvSpPr>
-        <p:spPr>
-          <a:xfrm>
-            <a:off x="2165259" y="1131249"/>
-            <a:ext cx="380723" cy="246221"/>
-          </a:xfrm>
-          <a:prstGeom prst="rect">
-            <a:avLst/>
-          </a:prstGeom>
-          <a:noFill/>
-        </p:spPr>
-        <p:txBody>
-          <a:bodyPr wrap="square" rtlCol="0">
-            <a:spAutoFit/>
-          </a:bodyPr>
-          <a:lstStyle/>
-          <a:p>
-            <a:pPr algn="r"/>
-            <a:r>
-              <a:rPr lang="it-IT" sz="1000" dirty="0"/>
-              <a:t>0</a:t>
-            </a:r>
-            <a:endParaRPr lang="en-GB" sz="1000" dirty="0"/>
-          </a:p>
-        </p:txBody>
-      </p:sp>
-      <p:sp>
-        <p:nvSpPr>
-          <p:cNvPr id="80" name="CasellaDiTesto 146">
-            <a:extLst>
-              <a:ext uri="{FF2B5EF4-FFF2-40B4-BE49-F238E27FC236}">
-                <a16:creationId xmlns:a16="http://schemas.microsoft.com/office/drawing/2014/main" id="{BE712B05-AC30-412C-9713-DF33FAFB1265}"/>
-              </a:ext>
-            </a:extLst>
-          </p:cNvPr>
-          <p:cNvSpPr txBox="1"/>
-          <p:nvPr/>
-        </p:nvSpPr>
-        <p:spPr>
-          <a:xfrm>
-            <a:off x="2165259" y="225566"/>
-            <a:ext cx="380723" cy="246221"/>
-          </a:xfrm>
-          <a:prstGeom prst="rect">
-            <a:avLst/>
-          </a:prstGeom>
-          <a:noFill/>
-        </p:spPr>
-        <p:txBody>
-          <a:bodyPr wrap="square" rtlCol="0">
-            <a:spAutoFit/>
-          </a:bodyPr>
-          <a:lstStyle/>
-          <a:p>
-            <a:pPr algn="r"/>
-            <a:r>
-              <a:rPr lang="it-IT" sz="1000" dirty="0"/>
-              <a:t>100</a:t>
-            </a:r>
-            <a:endParaRPr lang="en-GB" sz="1000" dirty="0"/>
-          </a:p>
-        </p:txBody>
-      </p:sp>
-      <p:sp>
-        <p:nvSpPr>
-          <p:cNvPr id="81" name="CasellaDiTesto 146">
-            <a:extLst>
-              <a:ext uri="{FF2B5EF4-FFF2-40B4-BE49-F238E27FC236}">
-                <a16:creationId xmlns:a16="http://schemas.microsoft.com/office/drawing/2014/main" id="{A5D37231-294F-4B79-BB81-DE0AF11BC4B9}"/>
-              </a:ext>
-            </a:extLst>
-          </p:cNvPr>
-          <p:cNvSpPr txBox="1"/>
-          <p:nvPr/>
-        </p:nvSpPr>
-        <p:spPr>
-          <a:xfrm>
-            <a:off x="-44456" y="2602694"/>
-            <a:ext cx="380723" cy="246221"/>
-          </a:xfrm>
-          <a:prstGeom prst="rect">
-            <a:avLst/>
-          </a:prstGeom>
-          <a:noFill/>
-        </p:spPr>
-        <p:txBody>
-          <a:bodyPr wrap="square" rtlCol="0">
-            <a:spAutoFit/>
-          </a:bodyPr>
-          <a:lstStyle/>
-          <a:p>
-            <a:pPr algn="r"/>
-            <a:r>
-              <a:rPr lang="it-IT" sz="1000" dirty="0"/>
-              <a:t>0</a:t>
-            </a:r>
-            <a:endParaRPr lang="en-GB" sz="1000" dirty="0"/>
-          </a:p>
-        </p:txBody>
-      </p:sp>
-      <p:sp>
-        <p:nvSpPr>
-          <p:cNvPr id="82" name="CasellaDiTesto 146">
-            <a:extLst>
-              <a:ext uri="{FF2B5EF4-FFF2-40B4-BE49-F238E27FC236}">
-                <a16:creationId xmlns:a16="http://schemas.microsoft.com/office/drawing/2014/main" id="{5CA9F122-C880-43FC-90B8-56784F5F3CA9}"/>
-              </a:ext>
-            </a:extLst>
-          </p:cNvPr>
-          <p:cNvSpPr txBox="1"/>
-          <p:nvPr/>
-        </p:nvSpPr>
-        <p:spPr>
-          <a:xfrm>
-            <a:off x="-44456" y="1273148"/>
-            <a:ext cx="380723" cy="246221"/>
-          </a:xfrm>
-          <a:prstGeom prst="rect">
-            <a:avLst/>
-          </a:prstGeom>
-          <a:noFill/>
-        </p:spPr>
-        <p:txBody>
-          <a:bodyPr wrap="square" rtlCol="0">
-            <a:spAutoFit/>
-          </a:bodyPr>
-          <a:lstStyle/>
-          <a:p>
-            <a:pPr algn="r"/>
-            <a:r>
-              <a:rPr lang="it-IT" sz="1000" dirty="0"/>
-              <a:t>100</a:t>
-            </a:r>
-            <a:endParaRPr lang="en-GB" sz="1000" dirty="0"/>
-          </a:p>
-        </p:txBody>
-      </p:sp>
-      <p:grpSp>
-        <p:nvGrpSpPr>
-          <p:cNvPr id="83" name="Group 82">
-            <a:extLst>
-              <a:ext uri="{FF2B5EF4-FFF2-40B4-BE49-F238E27FC236}">
-                <a16:creationId xmlns:a16="http://schemas.microsoft.com/office/drawing/2014/main" id="{4C7CBB2E-7584-4982-899B-E8D06A331262}"/>
-              </a:ext>
-            </a:extLst>
-          </p:cNvPr>
-          <p:cNvGrpSpPr/>
-          <p:nvPr/>
-        </p:nvGrpSpPr>
-        <p:grpSpPr>
-          <a:xfrm>
-            <a:off x="5136523" y="2787922"/>
-            <a:ext cx="1475885" cy="683219"/>
-            <a:chOff x="1524245" y="2147247"/>
-            <a:chExt cx="1475885" cy="683219"/>
-          </a:xfrm>
-        </p:grpSpPr>
-        <p:sp>
-          <p:nvSpPr>
-            <p:cNvPr id="84" name="TextBox 83">
-              <a:extLst>
-                <a:ext uri="{FF2B5EF4-FFF2-40B4-BE49-F238E27FC236}">
-                  <a16:creationId xmlns:a16="http://schemas.microsoft.com/office/drawing/2014/main" id="{669CF13E-05AB-4A97-BA97-DE8C27A5FA2B}"/>
-                </a:ext>
-              </a:extLst>
-            </p:cNvPr>
-            <p:cNvSpPr txBox="1"/>
-            <p:nvPr/>
-          </p:nvSpPr>
-          <p:spPr>
-            <a:xfrm>
-              <a:off x="1671391" y="2296175"/>
-              <a:ext cx="1328739" cy="215444"/>
-            </a:xfrm>
-            <a:prstGeom prst="rect">
-              <a:avLst/>
-            </a:prstGeom>
-            <a:noFill/>
-          </p:spPr>
-          <p:txBody>
-            <a:bodyPr wrap="square" rtlCol="0">
-              <a:spAutoFit/>
-            </a:bodyPr>
-            <a:lstStyle/>
-            <a:p>
-              <a:r>
-                <a:rPr lang="en-GB" sz="800" dirty="0"/>
-                <a:t>“La Costa”</a:t>
-              </a:r>
-            </a:p>
-          </p:txBody>
-        </p:sp>
-        <p:sp>
-          <p:nvSpPr>
-            <p:cNvPr id="85" name="Oval 84">
-              <a:extLst>
-                <a:ext uri="{FF2B5EF4-FFF2-40B4-BE49-F238E27FC236}">
-                  <a16:creationId xmlns:a16="http://schemas.microsoft.com/office/drawing/2014/main" id="{5FD33A66-00C6-4B49-AC35-E92BC420A972}"/>
-                </a:ext>
-              </a:extLst>
-            </p:cNvPr>
-            <p:cNvSpPr/>
-            <p:nvPr/>
-          </p:nvSpPr>
-          <p:spPr>
-            <a:xfrm>
-              <a:off x="1627631" y="2367897"/>
-              <a:ext cx="72000" cy="72000"/>
-            </a:xfrm>
-            <a:prstGeom prst="ellipse">
-              <a:avLst/>
-            </a:prstGeom>
-            <a:solidFill>
-              <a:srgbClr val="FFD900"/>
-            </a:solidFill>
-            <a:ln w="3175">
-              <a:solidFill>
-                <a:schemeClr val="tx1"/>
-              </a:solidFill>
-            </a:ln>
-          </p:spPr>
-          <p:style>
-            <a:lnRef idx="2">
-              <a:schemeClr val="accent1">
-                <a:shade val="50000"/>
-              </a:schemeClr>
-            </a:lnRef>
-            <a:fillRef idx="1">
-              <a:schemeClr val="accent1"/>
-            </a:fillRef>
-            <a:effectRef idx="0">
-              <a:schemeClr val="accent1"/>
-            </a:effectRef>
-            <a:fontRef idx="minor">
-              <a:schemeClr val="lt1"/>
-            </a:fontRef>
-          </p:style>
-          <p:txBody>
-            <a:bodyPr rtlCol="0" anchor="ctr"/>
-            <a:lstStyle/>
-            <a:p>
-              <a:pPr algn="ctr"/>
-              <a:endParaRPr lang="en-GB" sz="800"/>
-            </a:p>
-          </p:txBody>
-        </p:sp>
-        <p:sp>
-          <p:nvSpPr>
-            <p:cNvPr id="86" name="Oval 85">
-              <a:extLst>
-                <a:ext uri="{FF2B5EF4-FFF2-40B4-BE49-F238E27FC236}">
-                  <a16:creationId xmlns:a16="http://schemas.microsoft.com/office/drawing/2014/main" id="{E6777892-A92A-4099-B502-039437587243}"/>
-                </a:ext>
-              </a:extLst>
-            </p:cNvPr>
-            <p:cNvSpPr/>
-            <p:nvPr/>
-          </p:nvSpPr>
-          <p:spPr>
-            <a:xfrm>
-              <a:off x="1627631" y="2530848"/>
-              <a:ext cx="72000" cy="72000"/>
-            </a:xfrm>
-            <a:prstGeom prst="ellipse">
-              <a:avLst/>
-            </a:prstGeom>
-            <a:solidFill>
-              <a:srgbClr val="996400"/>
-            </a:solidFill>
-            <a:ln w="3175">
-              <a:solidFill>
-                <a:schemeClr val="tx1"/>
-              </a:solidFill>
-            </a:ln>
-          </p:spPr>
-          <p:style>
-            <a:lnRef idx="2">
-              <a:schemeClr val="accent1">
-                <a:shade val="50000"/>
-              </a:schemeClr>
-            </a:lnRef>
-            <a:fillRef idx="1">
-              <a:schemeClr val="accent1"/>
-            </a:fillRef>
-            <a:effectRef idx="0">
-              <a:schemeClr val="accent1"/>
-            </a:effectRef>
-            <a:fontRef idx="minor">
-              <a:schemeClr val="lt1"/>
-            </a:fontRef>
-          </p:style>
-          <p:txBody>
-            <a:bodyPr rtlCol="0" anchor="ctr"/>
-            <a:lstStyle/>
-            <a:p>
-              <a:pPr algn="ctr"/>
-              <a:endParaRPr lang="en-GB" sz="800"/>
-            </a:p>
-          </p:txBody>
-        </p:sp>
-        <p:sp>
-          <p:nvSpPr>
-            <p:cNvPr id="87" name="Oval 86">
-              <a:extLst>
-                <a:ext uri="{FF2B5EF4-FFF2-40B4-BE49-F238E27FC236}">
-                  <a16:creationId xmlns:a16="http://schemas.microsoft.com/office/drawing/2014/main" id="{13D8F5D4-D69A-429A-968A-E5A431E9DAB8}"/>
-                </a:ext>
-              </a:extLst>
-            </p:cNvPr>
-            <p:cNvSpPr/>
-            <p:nvPr/>
-          </p:nvSpPr>
-          <p:spPr>
-            <a:xfrm>
-              <a:off x="1627631" y="2686744"/>
-              <a:ext cx="72000" cy="72000"/>
-            </a:xfrm>
-            <a:prstGeom prst="ellipse">
-              <a:avLst/>
-            </a:prstGeom>
-            <a:solidFill>
-              <a:srgbClr val="008B2F"/>
-            </a:solidFill>
-            <a:ln w="3175">
-              <a:solidFill>
-                <a:schemeClr val="tx1"/>
-              </a:solidFill>
-            </a:ln>
-          </p:spPr>
-          <p:style>
-            <a:lnRef idx="2">
-              <a:schemeClr val="accent1">
-                <a:shade val="50000"/>
-              </a:schemeClr>
-            </a:lnRef>
-            <a:fillRef idx="1">
-              <a:schemeClr val="accent1"/>
-            </a:fillRef>
-            <a:effectRef idx="0">
-              <a:schemeClr val="accent1"/>
-            </a:effectRef>
-            <a:fontRef idx="minor">
-              <a:schemeClr val="lt1"/>
-            </a:fontRef>
-          </p:style>
-          <p:txBody>
-            <a:bodyPr rtlCol="0" anchor="ctr"/>
-            <a:lstStyle/>
-            <a:p>
-              <a:pPr algn="ctr"/>
-              <a:endParaRPr lang="en-GB" sz="800"/>
-            </a:p>
-          </p:txBody>
-        </p:sp>
-        <p:sp>
-          <p:nvSpPr>
-            <p:cNvPr id="88" name="TextBox 87">
-              <a:extLst>
-                <a:ext uri="{FF2B5EF4-FFF2-40B4-BE49-F238E27FC236}">
-                  <a16:creationId xmlns:a16="http://schemas.microsoft.com/office/drawing/2014/main" id="{DADBB9E5-DA7A-4EAB-B5EC-6D36ADBE4C2F}"/>
-                </a:ext>
-              </a:extLst>
-            </p:cNvPr>
-            <p:cNvSpPr txBox="1"/>
-            <p:nvPr/>
-          </p:nvSpPr>
-          <p:spPr>
-            <a:xfrm>
-              <a:off x="1524245" y="2147247"/>
-              <a:ext cx="1212432" cy="215444"/>
-            </a:xfrm>
-            <a:prstGeom prst="rect">
-              <a:avLst/>
-            </a:prstGeom>
-            <a:noFill/>
-          </p:spPr>
-          <p:txBody>
-            <a:bodyPr wrap="square" rtlCol="0">
-              <a:spAutoFit/>
-            </a:bodyPr>
-            <a:lstStyle/>
-            <a:p>
-              <a:r>
-                <a:rPr lang="en-GB" sz="800" dirty="0"/>
-                <a:t>Point flood reports for:</a:t>
-              </a:r>
-            </a:p>
-          </p:txBody>
-        </p:sp>
-        <p:sp>
-          <p:nvSpPr>
-            <p:cNvPr id="89" name="TextBox 88">
-              <a:extLst>
-                <a:ext uri="{FF2B5EF4-FFF2-40B4-BE49-F238E27FC236}">
-                  <a16:creationId xmlns:a16="http://schemas.microsoft.com/office/drawing/2014/main" id="{5891C97B-F978-4C01-B352-BE1D37F488FC}"/>
-                </a:ext>
-              </a:extLst>
-            </p:cNvPr>
-            <p:cNvSpPr txBox="1"/>
-            <p:nvPr/>
-          </p:nvSpPr>
-          <p:spPr>
-            <a:xfrm>
-              <a:off x="1671391" y="2459126"/>
-              <a:ext cx="1328739" cy="215444"/>
-            </a:xfrm>
-            <a:prstGeom prst="rect">
-              <a:avLst/>
-            </a:prstGeom>
-            <a:noFill/>
-          </p:spPr>
-          <p:txBody>
-            <a:bodyPr wrap="square" rtlCol="0">
-              <a:spAutoFit/>
-            </a:bodyPr>
-            <a:lstStyle/>
-            <a:p>
-              <a:r>
-                <a:rPr lang="en-GB" sz="800" dirty="0"/>
-                <a:t>“La Sierra”</a:t>
-              </a:r>
-            </a:p>
-          </p:txBody>
-        </p:sp>
-        <p:sp>
-          <p:nvSpPr>
-            <p:cNvPr id="90" name="TextBox 89">
-              <a:extLst>
-                <a:ext uri="{FF2B5EF4-FFF2-40B4-BE49-F238E27FC236}">
-                  <a16:creationId xmlns:a16="http://schemas.microsoft.com/office/drawing/2014/main" id="{E57A465E-A82F-4769-816F-E9D852C460FD}"/>
-                </a:ext>
-              </a:extLst>
-            </p:cNvPr>
-            <p:cNvSpPr txBox="1"/>
-            <p:nvPr/>
-          </p:nvSpPr>
-          <p:spPr>
-            <a:xfrm>
-              <a:off x="1671391" y="2615022"/>
-              <a:ext cx="1328739" cy="215444"/>
-            </a:xfrm>
-            <a:prstGeom prst="rect">
-              <a:avLst/>
-            </a:prstGeom>
-            <a:noFill/>
-          </p:spPr>
-          <p:txBody>
-            <a:bodyPr wrap="square" rtlCol="0">
-              <a:spAutoFit/>
-            </a:bodyPr>
-            <a:lstStyle/>
-            <a:p>
-              <a:r>
-                <a:rPr lang="en-GB" sz="800" dirty="0"/>
-                <a:t>“El Oriente”</a:t>
-              </a:r>
-            </a:p>
-          </p:txBody>
-        </p:sp>
-      </p:grpSp>
     </p:spTree>
     <p:extLst>
       <p:ext uri="{BB962C8B-B14F-4D97-AF65-F5344CB8AC3E}">
-        <p14:creationId xmlns:p14="http://schemas.microsoft.com/office/powerpoint/2010/main" val="3183180916"/>
+        <p14:creationId xmlns:p14="http://schemas.microsoft.com/office/powerpoint/2010/main" val="2230501479"/>
       </p:ext>
     </p:extLst>
   </p:cSld>
@@ -10379,7 +12159,7 @@
   <a:extraClrSchemeLst/>
   <a:extLst>
     <a:ext uri="{05A4C25C-085E-4340-85A3-A5531E510DB2}">
-      <thm15:themeFamily xmlns:thm15="http://schemas.microsoft.com/office/thememl/2012/main" name="Office Theme" id="{62F939B6-93AF-4DB8-9C6B-D6C7DFDC589F}" vid="{4A3C46E8-61CC-4603-A589-7422A47A8E4A}"/>
+      <thm15:themeFamily xmlns:thm15="http://schemas.microsoft.com/office/thememl/2012/main" name="Office 2013 - 2022 Theme" id="{62F939B6-93AF-4DB8-9C6B-D6C7DFDC589F}" vid="{4A3C46E8-61CC-4603-A589-7422A47A8E4A}"/>
     </a:ext>
   </a:extLst>
 </a:theme>
